--- a/Presentation/Prediction of Autisim in the United States Presentation_Stage1.pptx
+++ b/Presentation/Prediction of Autisim in the United States Presentation_Stage1.pptx
@@ -1,46 +1,46 @@
 
 <file path=ppt/presentation.xml><?xml version="1.0" encoding="utf-8"?>
-<p:presentation xmlns:a="http://schemas.openxmlformats.org/drawingml/2006/main" xmlns:r="http://schemas.openxmlformats.org/officeDocument/2006/relationships" xmlns:mc="http://schemas.openxmlformats.org/markup-compatibility/2006" xmlns:mv="urn:schemas-microsoft-com:mac:vml" xmlns:p="http://schemas.openxmlformats.org/presentationml/2006/main" xmlns:c="http://schemas.openxmlformats.org/drawingml/2006/chart" xmlns:dgm="http://schemas.openxmlformats.org/drawingml/2006/diagram" xmlns:o="urn:schemas-microsoft-com:office:office" xmlns:v="urn:schemas-microsoft-com:vml" xmlns:pvml="urn:schemas-microsoft-com:office:powerpoint" xmlns:com="http://schemas.openxmlformats.org/drawingml/2006/compatibility" xmlns:p14="http://schemas.microsoft.com/office/powerpoint/2010/main" xmlns:p15="http://schemas.microsoft.com/office/powerpoint/2012/main" xmlns:ahyp="http://schemas.microsoft.com/office/drawing/2018/hyperlinkcolor" autoCompressPictures="0" embedTrueTypeFonts="1" strictFirstAndLastChars="0" saveSubsetFonts="1">
+<p:presentation xmlns:a="http://schemas.openxmlformats.org/drawingml/2006/main" xmlns:r="http://schemas.openxmlformats.org/officeDocument/2006/relationships" xmlns:p="http://schemas.openxmlformats.org/presentationml/2006/main" strictFirstAndLastChars="0" embedTrueTypeFonts="1" saveSubsetFonts="1" autoCompressPictures="0">
   <p:sldMasterIdLst>
-    <p:sldMasterId id="2147483659" r:id="rId4"/>
+    <p:sldMasterId id="2147483659" r:id="rId1"/>
   </p:sldMasterIdLst>
   <p:notesMasterIdLst>
-    <p:notesMasterId r:id="rId5"/>
+    <p:notesMasterId r:id="rId21"/>
   </p:notesMasterIdLst>
   <p:sldIdLst>
-    <p:sldId id="256" r:id="rId6"/>
-    <p:sldId id="257" r:id="rId7"/>
-    <p:sldId id="258" r:id="rId8"/>
-    <p:sldId id="259" r:id="rId9"/>
-    <p:sldId id="260" r:id="rId10"/>
-    <p:sldId id="261" r:id="rId11"/>
-    <p:sldId id="262" r:id="rId12"/>
-    <p:sldId id="263" r:id="rId13"/>
-    <p:sldId id="264" r:id="rId14"/>
-    <p:sldId id="265" r:id="rId15"/>
-    <p:sldId id="266" r:id="rId16"/>
-    <p:sldId id="267" r:id="rId17"/>
-    <p:sldId id="268" r:id="rId18"/>
-    <p:sldId id="269" r:id="rId19"/>
-    <p:sldId id="270" r:id="rId20"/>
-    <p:sldId id="271" r:id="rId21"/>
-    <p:sldId id="272" r:id="rId22"/>
-    <p:sldId id="273" r:id="rId23"/>
-    <p:sldId id="274" r:id="rId24"/>
+    <p:sldId id="256" r:id="rId2"/>
+    <p:sldId id="257" r:id="rId3"/>
+    <p:sldId id="258" r:id="rId4"/>
+    <p:sldId id="259" r:id="rId5"/>
+    <p:sldId id="260" r:id="rId6"/>
+    <p:sldId id="261" r:id="rId7"/>
+    <p:sldId id="262" r:id="rId8"/>
+    <p:sldId id="263" r:id="rId9"/>
+    <p:sldId id="264" r:id="rId10"/>
+    <p:sldId id="265" r:id="rId11"/>
+    <p:sldId id="266" r:id="rId12"/>
+    <p:sldId id="267" r:id="rId13"/>
+    <p:sldId id="268" r:id="rId14"/>
+    <p:sldId id="269" r:id="rId15"/>
+    <p:sldId id="270" r:id="rId16"/>
+    <p:sldId id="271" r:id="rId17"/>
+    <p:sldId id="272" r:id="rId18"/>
+    <p:sldId id="273" r:id="rId19"/>
+    <p:sldId id="274" r:id="rId20"/>
   </p:sldIdLst>
-  <p:sldSz cy="5143500" cx="9144000"/>
+  <p:sldSz cx="9144000" cy="5143500" type="screen16x9"/>
   <p:notesSz cx="6858000" cy="9144000"/>
   <p:embeddedFontLst>
     <p:embeddedFont>
-      <p:font typeface="Roboto"/>
-      <p:regular r:id="rId25"/>
-      <p:bold r:id="rId26"/>
-      <p:italic r:id="rId27"/>
-      <p:boldItalic r:id="rId28"/>
+      <p:font typeface="Roboto" panose="02000000000000000000" pitchFamily="2" charset="0"/>
+      <p:regular r:id="rId22"/>
+      <p:bold r:id="rId23"/>
+      <p:italic r:id="rId24"/>
+      <p:boldItalic r:id="rId25"/>
     </p:embeddedFont>
   </p:embeddedFontLst>
   <p:defaultTextStyle>
-    <a:defPPr lvl="0" marR="0" rtl="0" algn="l">
+    <a:defPPr marR="0" lvl="0" algn="l" rtl="0">
       <a:lnSpc>
         <a:spcPct val="100000"/>
       </a:lnSpc>
@@ -51,7 +51,7 @@
         <a:spcPts val="0"/>
       </a:spcAft>
     </a:defPPr>
-    <a:lvl1pPr lvl="0" marR="0" rtl="0" algn="l">
+    <a:lvl1pPr marR="0" lvl="0" algn="l" rtl="0">
       <a:lnSpc>
         <a:spcPct val="100000"/>
       </a:lnSpc>
@@ -65,7 +65,7 @@
         <a:srgbClr val="000000"/>
       </a:buClr>
       <a:buFont typeface="Arial"/>
-      <a:defRPr b="0" i="0" sz="1400" u="none" cap="none" strike="noStrike">
+      <a:defRPr sz="1400" b="0" i="0" u="none" strike="noStrike" cap="none">
         <a:solidFill>
           <a:srgbClr val="000000"/>
         </a:solidFill>
@@ -75,7 +75,7 @@
         <a:sym typeface="Arial"/>
       </a:defRPr>
     </a:lvl1pPr>
-    <a:lvl2pPr lvl="1" marR="0" rtl="0" algn="l">
+    <a:lvl2pPr marR="0" lvl="1" algn="l" rtl="0">
       <a:lnSpc>
         <a:spcPct val="100000"/>
       </a:lnSpc>
@@ -89,7 +89,7 @@
         <a:srgbClr val="000000"/>
       </a:buClr>
       <a:buFont typeface="Arial"/>
-      <a:defRPr b="0" i="0" sz="1400" u="none" cap="none" strike="noStrike">
+      <a:defRPr sz="1400" b="0" i="0" u="none" strike="noStrike" cap="none">
         <a:solidFill>
           <a:srgbClr val="000000"/>
         </a:solidFill>
@@ -99,7 +99,7 @@
         <a:sym typeface="Arial"/>
       </a:defRPr>
     </a:lvl2pPr>
-    <a:lvl3pPr lvl="2" marR="0" rtl="0" algn="l">
+    <a:lvl3pPr marR="0" lvl="2" algn="l" rtl="0">
       <a:lnSpc>
         <a:spcPct val="100000"/>
       </a:lnSpc>
@@ -113,7 +113,7 @@
         <a:srgbClr val="000000"/>
       </a:buClr>
       <a:buFont typeface="Arial"/>
-      <a:defRPr b="0" i="0" sz="1400" u="none" cap="none" strike="noStrike">
+      <a:defRPr sz="1400" b="0" i="0" u="none" strike="noStrike" cap="none">
         <a:solidFill>
           <a:srgbClr val="000000"/>
         </a:solidFill>
@@ -123,7 +123,7 @@
         <a:sym typeface="Arial"/>
       </a:defRPr>
     </a:lvl3pPr>
-    <a:lvl4pPr lvl="3" marR="0" rtl="0" algn="l">
+    <a:lvl4pPr marR="0" lvl="3" algn="l" rtl="0">
       <a:lnSpc>
         <a:spcPct val="100000"/>
       </a:lnSpc>
@@ -137,7 +137,7 @@
         <a:srgbClr val="000000"/>
       </a:buClr>
       <a:buFont typeface="Arial"/>
-      <a:defRPr b="0" i="0" sz="1400" u="none" cap="none" strike="noStrike">
+      <a:defRPr sz="1400" b="0" i="0" u="none" strike="noStrike" cap="none">
         <a:solidFill>
           <a:srgbClr val="000000"/>
         </a:solidFill>
@@ -147,7 +147,7 @@
         <a:sym typeface="Arial"/>
       </a:defRPr>
     </a:lvl4pPr>
-    <a:lvl5pPr lvl="4" marR="0" rtl="0" algn="l">
+    <a:lvl5pPr marR="0" lvl="4" algn="l" rtl="0">
       <a:lnSpc>
         <a:spcPct val="100000"/>
       </a:lnSpc>
@@ -161,7 +161,7 @@
         <a:srgbClr val="000000"/>
       </a:buClr>
       <a:buFont typeface="Arial"/>
-      <a:defRPr b="0" i="0" sz="1400" u="none" cap="none" strike="noStrike">
+      <a:defRPr sz="1400" b="0" i="0" u="none" strike="noStrike" cap="none">
         <a:solidFill>
           <a:srgbClr val="000000"/>
         </a:solidFill>
@@ -171,7 +171,7 @@
         <a:sym typeface="Arial"/>
       </a:defRPr>
     </a:lvl5pPr>
-    <a:lvl6pPr lvl="5" marR="0" rtl="0" algn="l">
+    <a:lvl6pPr marR="0" lvl="5" algn="l" rtl="0">
       <a:lnSpc>
         <a:spcPct val="100000"/>
       </a:lnSpc>
@@ -185,7 +185,7 @@
         <a:srgbClr val="000000"/>
       </a:buClr>
       <a:buFont typeface="Arial"/>
-      <a:defRPr b="0" i="0" sz="1400" u="none" cap="none" strike="noStrike">
+      <a:defRPr sz="1400" b="0" i="0" u="none" strike="noStrike" cap="none">
         <a:solidFill>
           <a:srgbClr val="000000"/>
         </a:solidFill>
@@ -195,7 +195,7 @@
         <a:sym typeface="Arial"/>
       </a:defRPr>
     </a:lvl6pPr>
-    <a:lvl7pPr lvl="6" marR="0" rtl="0" algn="l">
+    <a:lvl7pPr marR="0" lvl="6" algn="l" rtl="0">
       <a:lnSpc>
         <a:spcPct val="100000"/>
       </a:lnSpc>
@@ -209,7 +209,7 @@
         <a:srgbClr val="000000"/>
       </a:buClr>
       <a:buFont typeface="Arial"/>
-      <a:defRPr b="0" i="0" sz="1400" u="none" cap="none" strike="noStrike">
+      <a:defRPr sz="1400" b="0" i="0" u="none" strike="noStrike" cap="none">
         <a:solidFill>
           <a:srgbClr val="000000"/>
         </a:solidFill>
@@ -219,7 +219,7 @@
         <a:sym typeface="Arial"/>
       </a:defRPr>
     </a:lvl7pPr>
-    <a:lvl8pPr lvl="7" marR="0" rtl="0" algn="l">
+    <a:lvl8pPr marR="0" lvl="7" algn="l" rtl="0">
       <a:lnSpc>
         <a:spcPct val="100000"/>
       </a:lnSpc>
@@ -233,7 +233,7 @@
         <a:srgbClr val="000000"/>
       </a:buClr>
       <a:buFont typeface="Arial"/>
-      <a:defRPr b="0" i="0" sz="1400" u="none" cap="none" strike="noStrike">
+      <a:defRPr sz="1400" b="0" i="0" u="none" strike="noStrike" cap="none">
         <a:solidFill>
           <a:srgbClr val="000000"/>
         </a:solidFill>
@@ -243,7 +243,7 @@
         <a:sym typeface="Arial"/>
       </a:defRPr>
     </a:lvl8pPr>
-    <a:lvl9pPr lvl="8" marR="0" rtl="0" algn="l">
+    <a:lvl9pPr marR="0" lvl="8" algn="l" rtl="0">
       <a:lnSpc>
         <a:spcPct val="100000"/>
       </a:lnSpc>
@@ -257,7 +257,7 @@
         <a:srgbClr val="000000"/>
       </a:buClr>
       <a:buFont typeface="Arial"/>
-      <a:defRPr b="0" i="0" sz="1400" u="none" cap="none" strike="noStrike">
+      <a:defRPr sz="1400" b="0" i="0" u="none" strike="noStrike" cap="none">
         <a:solidFill>
           <a:srgbClr val="000000"/>
         </a:solidFill>
@@ -270,7 +270,7 @@
   </p:defaultTextStyle>
   <p:extLst>
     <p:ext uri="{EFAFB233-063F-42B5-8137-9DF3F51BA10A}">
-      <p15:sldGuideLst>
+      <p15:sldGuideLst xmlns:p15="http://schemas.microsoft.com/office/powerpoint/2012/main">
         <p15:guide id="1" orient="horz" pos="1620">
           <p15:clr>
             <a:srgbClr val="A4A3A4"/>
@@ -288,11 +288,16 @@
 </file>
 
 <file path=ppt/notesMasters/notesMaster1.xml><?xml version="1.0" encoding="utf-8"?>
-<p:notesMaster xmlns:a="http://schemas.openxmlformats.org/drawingml/2006/main" xmlns:r="http://schemas.openxmlformats.org/officeDocument/2006/relationships" xmlns:mc="http://schemas.openxmlformats.org/markup-compatibility/2006" xmlns:mv="urn:schemas-microsoft-com:mac:vml" xmlns:p="http://schemas.openxmlformats.org/presentationml/2006/main" xmlns:c="http://schemas.openxmlformats.org/drawingml/2006/chart" xmlns:dgm="http://schemas.openxmlformats.org/drawingml/2006/diagram" xmlns:o="urn:schemas-microsoft-com:office:office" xmlns:v="urn:schemas-microsoft-com:vml" xmlns:pvml="urn:schemas-microsoft-com:office:powerpoint" xmlns:com="http://schemas.openxmlformats.org/drawingml/2006/compatibility" xmlns:p14="http://schemas.microsoft.com/office/powerpoint/2010/main" xmlns:p15="http://schemas.microsoft.com/office/powerpoint/2012/main" xmlns:ahyp="http://schemas.microsoft.com/office/drawing/2018/hyperlinkcolor">
+<p:notesMaster xmlns:a="http://schemas.openxmlformats.org/drawingml/2006/main" xmlns:r="http://schemas.openxmlformats.org/officeDocument/2006/relationships" xmlns:p="http://schemas.openxmlformats.org/presentationml/2006/main">
   <p:cSld>
+    <p:bg>
+      <p:bgRef idx="1001">
+        <a:schemeClr val="bg1"/>
+      </p:bgRef>
+    </p:bg>
     <p:spTree>
       <p:nvGrpSpPr>
-        <p:cNvPr id="2" name="Shape 2"/>
+        <p:cNvPr id="1" name="Shape 2"/>
         <p:cNvGrpSpPr/>
         <p:nvPr/>
       </p:nvGrpSpPr>
@@ -307,9 +312,11 @@
       <p:sp>
         <p:nvSpPr>
           <p:cNvPr id="3" name="Google Shape;3;n"/>
-          <p:cNvSpPr/>
+          <p:cNvSpPr>
+            <a:spLocks noGrp="1" noRot="1" noChangeAspect="1"/>
+          </p:cNvSpPr>
           <p:nvPr>
-            <p:ph idx="2" type="sldImg"/>
+            <p:ph type="sldImg" idx="2"/>
           </p:nvPr>
         </p:nvSpPr>
         <p:spPr>
@@ -318,9 +325,13 @@
             <a:ext cx="6096075" cy="3429000"/>
           </a:xfrm>
           <a:custGeom>
-            <a:rect b="b" l="l" r="r" t="t"/>
+            <a:avLst/>
+            <a:gdLst/>
+            <a:ahLst/>
+            <a:cxnLst/>
+            <a:rect l="l" t="t" r="r" b="b"/>
             <a:pathLst>
-              <a:path extrusionOk="0" h="120000" w="120000">
+              <a:path w="120000" h="120000" extrusionOk="0">
                 <a:moveTo>
                   <a:pt x="0" y="0"/>
                 </a:moveTo>
@@ -338,23 +349,25 @@
             </a:pathLst>
           </a:custGeom>
           <a:noFill/>
-          <a:ln cap="flat" cmpd="sng" w="9525">
+          <a:ln w="9525" cap="flat" cmpd="sng">
             <a:solidFill>
               <a:srgbClr val="000000"/>
             </a:solidFill>
             <a:prstDash val="solid"/>
             <a:round/>
-            <a:headEnd len="sm" w="sm" type="none"/>
-            <a:tailEnd len="sm" w="sm" type="none"/>
+            <a:headEnd type="none" w="sm" len="sm"/>
+            <a:tailEnd type="none" w="sm" len="sm"/>
           </a:ln>
         </p:spPr>
       </p:sp>
       <p:sp>
         <p:nvSpPr>
           <p:cNvPr id="4" name="Google Shape;4;n"/>
-          <p:cNvSpPr txBox="1"/>
+          <p:cNvSpPr txBox="1">
+            <a:spLocks noGrp="1"/>
+          </p:cNvSpPr>
           <p:nvPr>
-            <p:ph idx="1" type="body"/>
+            <p:ph type="body" idx="1"/>
           </p:nvPr>
         </p:nvSpPr>
         <p:spPr>
@@ -371,11 +384,11 @@
           </a:ln>
         </p:spPr>
         <p:txBody>
-          <a:bodyPr anchorCtr="0" anchor="t" bIns="91425" lIns="91425" spcFirstLastPara="1" rIns="91425" wrap="square" tIns="91425">
+          <a:bodyPr spcFirstLastPara="1" wrap="square" lIns="91425" tIns="91425" rIns="91425" bIns="91425" anchor="t" anchorCtr="0">
             <a:noAutofit/>
           </a:bodyPr>
           <a:lstStyle>
-            <a:lvl1pPr indent="-298450" lvl="0" marL="457200">
+            <a:lvl1pPr marL="457200" lvl="0" indent="-298450">
               <a:spcBef>
                 <a:spcPts val="0"/>
               </a:spcBef>
@@ -386,7 +399,7 @@
               <a:buChar char="●"/>
               <a:defRPr sz="1100"/>
             </a:lvl1pPr>
-            <a:lvl2pPr indent="-298450" lvl="1" marL="914400">
+            <a:lvl2pPr marL="914400" lvl="1" indent="-298450">
               <a:spcBef>
                 <a:spcPts val="0"/>
               </a:spcBef>
@@ -397,7 +410,7 @@
               <a:buChar char="○"/>
               <a:defRPr sz="1100"/>
             </a:lvl2pPr>
-            <a:lvl3pPr indent="-298450" lvl="2" marL="1371600">
+            <a:lvl3pPr marL="1371600" lvl="2" indent="-298450">
               <a:spcBef>
                 <a:spcPts val="0"/>
               </a:spcBef>
@@ -408,7 +421,7 @@
               <a:buChar char="■"/>
               <a:defRPr sz="1100"/>
             </a:lvl3pPr>
-            <a:lvl4pPr indent="-298450" lvl="3" marL="1828800">
+            <a:lvl4pPr marL="1828800" lvl="3" indent="-298450">
               <a:spcBef>
                 <a:spcPts val="0"/>
               </a:spcBef>
@@ -419,7 +432,7 @@
               <a:buChar char="●"/>
               <a:defRPr sz="1100"/>
             </a:lvl4pPr>
-            <a:lvl5pPr indent="-298450" lvl="4" marL="2286000">
+            <a:lvl5pPr marL="2286000" lvl="4" indent="-298450">
               <a:spcBef>
                 <a:spcPts val="0"/>
               </a:spcBef>
@@ -430,7 +443,7 @@
               <a:buChar char="○"/>
               <a:defRPr sz="1100"/>
             </a:lvl5pPr>
-            <a:lvl6pPr indent="-298450" lvl="5" marL="2743200">
+            <a:lvl6pPr marL="2743200" lvl="5" indent="-298450">
               <a:spcBef>
                 <a:spcPts val="0"/>
               </a:spcBef>
@@ -441,7 +454,7 @@
               <a:buChar char="■"/>
               <a:defRPr sz="1100"/>
             </a:lvl6pPr>
-            <a:lvl7pPr indent="-298450" lvl="6" marL="3200400">
+            <a:lvl7pPr marL="3200400" lvl="6" indent="-298450">
               <a:spcBef>
                 <a:spcPts val="0"/>
               </a:spcBef>
@@ -452,7 +465,7 @@
               <a:buChar char="●"/>
               <a:defRPr sz="1100"/>
             </a:lvl7pPr>
-            <a:lvl8pPr indent="-298450" lvl="7" marL="3657600">
+            <a:lvl8pPr marL="3657600" lvl="7" indent="-298450">
               <a:spcBef>
                 <a:spcPts val="0"/>
               </a:spcBef>
@@ -463,7 +476,7 @@
               <a:buChar char="○"/>
               <a:defRPr sz="1100"/>
             </a:lvl8pPr>
-            <a:lvl9pPr indent="-298450" lvl="8" marL="4114800">
+            <a:lvl9pPr marL="4114800" lvl="8" indent="-298450">
               <a:spcBef>
                 <a:spcPts val="0"/>
               </a:spcBef>
@@ -475,14 +488,16 @@
               <a:defRPr sz="1100"/>
             </a:lvl9pPr>
           </a:lstStyle>
-          <a:p/>
+          <a:p>
+            <a:endParaRPr/>
+          </a:p>
         </p:txBody>
       </p:sp>
     </p:spTree>
   </p:cSld>
-  <p:clrMap accent1="accent1" accent2="accent2" accent3="accent3" accent4="accent4" accent5="accent5" accent6="accent6" bg1="lt1" bg2="dk2" tx1="dk1" tx2="lt2" folHlink="folHlink" hlink="hlink"/>
+  <p:clrMap bg1="lt1" tx1="dk1" bg2="dk2" tx2="lt2" accent1="accent1" accent2="accent2" accent3="accent3" accent4="accent4" accent5="accent5" accent6="accent6" hlink="hlink" folHlink="folHlink"/>
   <p:notesStyle>
-    <a:defPPr lvl="0" marR="0" rtl="0" algn="l">
+    <a:defPPr marR="0" lvl="0" algn="l" rtl="0">
       <a:lnSpc>
         <a:spcPct val="100000"/>
       </a:lnSpc>
@@ -493,7 +508,7 @@
         <a:spcPts val="0"/>
       </a:spcAft>
     </a:defPPr>
-    <a:lvl1pPr lvl="0" marR="0" rtl="0" algn="l">
+    <a:lvl1pPr marR="0" lvl="0" algn="l" rtl="0">
       <a:lnSpc>
         <a:spcPct val="100000"/>
       </a:lnSpc>
@@ -507,7 +522,7 @@
         <a:srgbClr val="000000"/>
       </a:buClr>
       <a:buFont typeface="Arial"/>
-      <a:defRPr b="0" i="0" sz="1400" u="none" cap="none" strike="noStrike">
+      <a:defRPr sz="1400" b="0" i="0" u="none" strike="noStrike" cap="none">
         <a:solidFill>
           <a:srgbClr val="000000"/>
         </a:solidFill>
@@ -517,7 +532,7 @@
         <a:sym typeface="Arial"/>
       </a:defRPr>
     </a:lvl1pPr>
-    <a:lvl2pPr lvl="1" marR="0" rtl="0" algn="l">
+    <a:lvl2pPr marR="0" lvl="1" algn="l" rtl="0">
       <a:lnSpc>
         <a:spcPct val="100000"/>
       </a:lnSpc>
@@ -531,7 +546,7 @@
         <a:srgbClr val="000000"/>
       </a:buClr>
       <a:buFont typeface="Arial"/>
-      <a:defRPr b="0" i="0" sz="1400" u="none" cap="none" strike="noStrike">
+      <a:defRPr sz="1400" b="0" i="0" u="none" strike="noStrike" cap="none">
         <a:solidFill>
           <a:srgbClr val="000000"/>
         </a:solidFill>
@@ -541,7 +556,7 @@
         <a:sym typeface="Arial"/>
       </a:defRPr>
     </a:lvl2pPr>
-    <a:lvl3pPr lvl="2" marR="0" rtl="0" algn="l">
+    <a:lvl3pPr marR="0" lvl="2" algn="l" rtl="0">
       <a:lnSpc>
         <a:spcPct val="100000"/>
       </a:lnSpc>
@@ -555,7 +570,7 @@
         <a:srgbClr val="000000"/>
       </a:buClr>
       <a:buFont typeface="Arial"/>
-      <a:defRPr b="0" i="0" sz="1400" u="none" cap="none" strike="noStrike">
+      <a:defRPr sz="1400" b="0" i="0" u="none" strike="noStrike" cap="none">
         <a:solidFill>
           <a:srgbClr val="000000"/>
         </a:solidFill>
@@ -565,7 +580,7 @@
         <a:sym typeface="Arial"/>
       </a:defRPr>
     </a:lvl3pPr>
-    <a:lvl4pPr lvl="3" marR="0" rtl="0" algn="l">
+    <a:lvl4pPr marR="0" lvl="3" algn="l" rtl="0">
       <a:lnSpc>
         <a:spcPct val="100000"/>
       </a:lnSpc>
@@ -579,7 +594,7 @@
         <a:srgbClr val="000000"/>
       </a:buClr>
       <a:buFont typeface="Arial"/>
-      <a:defRPr b="0" i="0" sz="1400" u="none" cap="none" strike="noStrike">
+      <a:defRPr sz="1400" b="0" i="0" u="none" strike="noStrike" cap="none">
         <a:solidFill>
           <a:srgbClr val="000000"/>
         </a:solidFill>
@@ -589,7 +604,7 @@
         <a:sym typeface="Arial"/>
       </a:defRPr>
     </a:lvl4pPr>
-    <a:lvl5pPr lvl="4" marR="0" rtl="0" algn="l">
+    <a:lvl5pPr marR="0" lvl="4" algn="l" rtl="0">
       <a:lnSpc>
         <a:spcPct val="100000"/>
       </a:lnSpc>
@@ -603,7 +618,7 @@
         <a:srgbClr val="000000"/>
       </a:buClr>
       <a:buFont typeface="Arial"/>
-      <a:defRPr b="0" i="0" sz="1400" u="none" cap="none" strike="noStrike">
+      <a:defRPr sz="1400" b="0" i="0" u="none" strike="noStrike" cap="none">
         <a:solidFill>
           <a:srgbClr val="000000"/>
         </a:solidFill>
@@ -613,7 +628,7 @@
         <a:sym typeface="Arial"/>
       </a:defRPr>
     </a:lvl5pPr>
-    <a:lvl6pPr lvl="5" marR="0" rtl="0" algn="l">
+    <a:lvl6pPr marR="0" lvl="5" algn="l" rtl="0">
       <a:lnSpc>
         <a:spcPct val="100000"/>
       </a:lnSpc>
@@ -627,7 +642,7 @@
         <a:srgbClr val="000000"/>
       </a:buClr>
       <a:buFont typeface="Arial"/>
-      <a:defRPr b="0" i="0" sz="1400" u="none" cap="none" strike="noStrike">
+      <a:defRPr sz="1400" b="0" i="0" u="none" strike="noStrike" cap="none">
         <a:solidFill>
           <a:srgbClr val="000000"/>
         </a:solidFill>
@@ -637,7 +652,7 @@
         <a:sym typeface="Arial"/>
       </a:defRPr>
     </a:lvl6pPr>
-    <a:lvl7pPr lvl="6" marR="0" rtl="0" algn="l">
+    <a:lvl7pPr marR="0" lvl="6" algn="l" rtl="0">
       <a:lnSpc>
         <a:spcPct val="100000"/>
       </a:lnSpc>
@@ -651,7 +666,7 @@
         <a:srgbClr val="000000"/>
       </a:buClr>
       <a:buFont typeface="Arial"/>
-      <a:defRPr b="0" i="0" sz="1400" u="none" cap="none" strike="noStrike">
+      <a:defRPr sz="1400" b="0" i="0" u="none" strike="noStrike" cap="none">
         <a:solidFill>
           <a:srgbClr val="000000"/>
         </a:solidFill>
@@ -661,7 +676,7 @@
         <a:sym typeface="Arial"/>
       </a:defRPr>
     </a:lvl7pPr>
-    <a:lvl8pPr lvl="7" marR="0" rtl="0" algn="l">
+    <a:lvl8pPr marR="0" lvl="7" algn="l" rtl="0">
       <a:lnSpc>
         <a:spcPct val="100000"/>
       </a:lnSpc>
@@ -675,7 +690,7 @@
         <a:srgbClr val="000000"/>
       </a:buClr>
       <a:buFont typeface="Arial"/>
-      <a:defRPr b="0" i="0" sz="1400" u="none" cap="none" strike="noStrike">
+      <a:defRPr sz="1400" b="0" i="0" u="none" strike="noStrike" cap="none">
         <a:solidFill>
           <a:srgbClr val="000000"/>
         </a:solidFill>
@@ -685,7 +700,7 @@
         <a:sym typeface="Arial"/>
       </a:defRPr>
     </a:lvl8pPr>
-    <a:lvl9pPr lvl="8" marR="0" rtl="0" algn="l">
+    <a:lvl9pPr marR="0" lvl="8" algn="l" rtl="0">
       <a:lnSpc>
         <a:spcPct val="100000"/>
       </a:lnSpc>
@@ -699,7 +714,7 @@
         <a:srgbClr val="000000"/>
       </a:buClr>
       <a:buFont typeface="Arial"/>
-      <a:defRPr b="0" i="0" sz="1400" u="none" cap="none" strike="noStrike">
+      <a:defRPr sz="1400" b="0" i="0" u="none" strike="noStrike" cap="none">
         <a:solidFill>
           <a:srgbClr val="000000"/>
         </a:solidFill>
@@ -714,11 +729,11 @@
 </file>
 
 <file path=ppt/notesSlides/notesSlide1.xml><?xml version="1.0" encoding="utf-8"?>
-<p:notes xmlns:a="http://schemas.openxmlformats.org/drawingml/2006/main" xmlns:r="http://schemas.openxmlformats.org/officeDocument/2006/relationships" xmlns:mc="http://schemas.openxmlformats.org/markup-compatibility/2006" xmlns:mv="urn:schemas-microsoft-com:mac:vml" xmlns:p="http://schemas.openxmlformats.org/presentationml/2006/main" xmlns:c="http://schemas.openxmlformats.org/drawingml/2006/chart" xmlns:dgm="http://schemas.openxmlformats.org/drawingml/2006/diagram" xmlns:o="urn:schemas-microsoft-com:office:office" xmlns:v="urn:schemas-microsoft-com:vml" xmlns:pvml="urn:schemas-microsoft-com:office:powerpoint" xmlns:com="http://schemas.openxmlformats.org/drawingml/2006/compatibility" xmlns:p14="http://schemas.microsoft.com/office/powerpoint/2010/main" xmlns:p15="http://schemas.microsoft.com/office/powerpoint/2012/main" xmlns:ahyp="http://schemas.microsoft.com/office/drawing/2018/hyperlinkcolor" showMasterPhAnim="0" showMasterSp="0">
+<p:notes xmlns:a="http://schemas.openxmlformats.org/drawingml/2006/main" xmlns:r="http://schemas.openxmlformats.org/officeDocument/2006/relationships" xmlns:p="http://schemas.openxmlformats.org/presentationml/2006/main" showMasterSp="0" showMasterPhAnim="0">
   <p:cSld>
     <p:spTree>
       <p:nvGrpSpPr>
-        <p:cNvPr id="50" name="Shape 50"/>
+        <p:cNvPr id="1" name="Shape 50"/>
         <p:cNvGrpSpPr/>
         <p:nvPr/>
       </p:nvGrpSpPr>
@@ -733,9 +748,11 @@
       <p:sp>
         <p:nvSpPr>
           <p:cNvPr id="51" name="Google Shape;51;p:notes"/>
-          <p:cNvSpPr/>
+          <p:cNvSpPr>
+            <a:spLocks noGrp="1" noRot="1" noChangeAspect="1"/>
+          </p:cNvSpPr>
           <p:nvPr>
-            <p:ph idx="2" type="sldImg"/>
+            <p:ph type="sldImg" idx="2"/>
           </p:nvPr>
         </p:nvSpPr>
         <p:spPr>
@@ -744,9 +761,13 @@
             <a:ext cx="6096075" cy="3429000"/>
           </a:xfrm>
           <a:custGeom>
-            <a:rect b="b" l="l" r="r" t="t"/>
+            <a:avLst/>
+            <a:gdLst/>
+            <a:ahLst/>
+            <a:cxnLst/>
+            <a:rect l="l" t="t" r="r" b="b"/>
             <a:pathLst>
-              <a:path extrusionOk="0" h="120000" w="120000">
+              <a:path w="120000" h="120000" extrusionOk="0">
                 <a:moveTo>
                   <a:pt x="0" y="0"/>
                 </a:moveTo>
@@ -768,9 +789,11 @@
       <p:sp>
         <p:nvSpPr>
           <p:cNvPr id="52" name="Google Shape;52;p:notes"/>
-          <p:cNvSpPr txBox="1"/>
+          <p:cNvSpPr txBox="1">
+            <a:spLocks noGrp="1"/>
+          </p:cNvSpPr>
           <p:nvPr>
-            <p:ph idx="1" type="body"/>
+            <p:ph type="body" idx="1"/>
           </p:nvPr>
         </p:nvSpPr>
         <p:spPr>
@@ -783,12 +806,12 @@
           </a:prstGeom>
         </p:spPr>
         <p:txBody>
-          <a:bodyPr anchorCtr="0" anchor="t" bIns="91425" lIns="91425" spcFirstLastPara="1" rIns="91425" wrap="square" tIns="91425">
+          <a:bodyPr spcFirstLastPara="1" wrap="square" lIns="91425" tIns="91425" rIns="91425" bIns="91425" anchor="t" anchorCtr="0">
             <a:noAutofit/>
           </a:bodyPr>
           <a:lstStyle/>
           <a:p>
-            <a:pPr indent="0" lvl="0" marL="0" rtl="0" algn="l">
+            <a:pPr marL="0" lvl="0" indent="0" algn="l" rtl="0">
               <a:spcBef>
                 <a:spcPts val="0"/>
               </a:spcBef>
@@ -817,7 +840,7 @@
             </a:endParaRPr>
           </a:p>
           <a:p>
-            <a:pPr indent="0" lvl="0" marL="0" rtl="0" algn="l">
+            <a:pPr marL="0" lvl="0" indent="0" algn="l" rtl="0">
               <a:spcBef>
                 <a:spcPts val="0"/>
               </a:spcBef>
@@ -846,7 +869,7 @@
             </a:endParaRPr>
           </a:p>
           <a:p>
-            <a:pPr indent="-298450" lvl="0" marL="457200" rtl="0" algn="l">
+            <a:pPr marL="457200" lvl="0" indent="-298450" algn="l" rtl="0">
               <a:spcBef>
                 <a:spcPts val="0"/>
               </a:spcBef>
@@ -874,7 +897,7 @@
             </a:endParaRPr>
           </a:p>
           <a:p>
-            <a:pPr indent="-298450" lvl="0" marL="457200" rtl="0" algn="l">
+            <a:pPr marL="457200" lvl="0" indent="-298450" algn="l" rtl="0">
               <a:spcBef>
                 <a:spcPts val="0"/>
               </a:spcBef>
@@ -902,7 +925,7 @@
             </a:endParaRPr>
           </a:p>
           <a:p>
-            <a:pPr indent="0" lvl="0" marL="0" rtl="0" algn="l">
+            <a:pPr marL="0" lvl="0" indent="0" algn="l" rtl="0">
               <a:spcBef>
                 <a:spcPts val="0"/>
               </a:spcBef>
@@ -931,7 +954,7 @@
             </a:endParaRPr>
           </a:p>
           <a:p>
-            <a:pPr indent="0" lvl="0" marL="0" rtl="0" algn="l">
+            <a:pPr marL="0" lvl="0" indent="0" algn="l" rtl="0">
               <a:spcBef>
                 <a:spcPts val="0"/>
               </a:spcBef>
@@ -966,11 +989,11 @@
 </file>
 
 <file path=ppt/notesSlides/notesSlide10.xml><?xml version="1.0" encoding="utf-8"?>
-<p:notes xmlns:a="http://schemas.openxmlformats.org/drawingml/2006/main" xmlns:r="http://schemas.openxmlformats.org/officeDocument/2006/relationships" xmlns:mc="http://schemas.openxmlformats.org/markup-compatibility/2006" xmlns:mv="urn:schemas-microsoft-com:mac:vml" xmlns:p="http://schemas.openxmlformats.org/presentationml/2006/main" xmlns:c="http://schemas.openxmlformats.org/drawingml/2006/chart" xmlns:dgm="http://schemas.openxmlformats.org/drawingml/2006/diagram" xmlns:o="urn:schemas-microsoft-com:office:office" xmlns:v="urn:schemas-microsoft-com:vml" xmlns:pvml="urn:schemas-microsoft-com:office:powerpoint" xmlns:com="http://schemas.openxmlformats.org/drawingml/2006/compatibility" xmlns:p14="http://schemas.microsoft.com/office/powerpoint/2010/main" xmlns:p15="http://schemas.microsoft.com/office/powerpoint/2012/main" xmlns:ahyp="http://schemas.microsoft.com/office/drawing/2018/hyperlinkcolor" showMasterPhAnim="0" showMasterSp="0">
+<p:notes xmlns:a="http://schemas.openxmlformats.org/drawingml/2006/main" xmlns:r="http://schemas.openxmlformats.org/officeDocument/2006/relationships" xmlns:p="http://schemas.openxmlformats.org/presentationml/2006/main" showMasterSp="0" showMasterPhAnim="0">
   <p:cSld>
     <p:spTree>
       <p:nvGrpSpPr>
-        <p:cNvPr id="101" name="Shape 101"/>
+        <p:cNvPr id="1" name="Shape 101"/>
         <p:cNvGrpSpPr/>
         <p:nvPr/>
       </p:nvGrpSpPr>
@@ -985,9 +1008,11 @@
       <p:sp>
         <p:nvSpPr>
           <p:cNvPr id="102" name="Google Shape;102;g144da1e7bd5_0_16:notes"/>
-          <p:cNvSpPr/>
+          <p:cNvSpPr>
+            <a:spLocks noGrp="1" noRot="1" noChangeAspect="1"/>
+          </p:cNvSpPr>
           <p:nvPr>
-            <p:ph idx="2" type="sldImg"/>
+            <p:ph type="sldImg" idx="2"/>
           </p:nvPr>
         </p:nvSpPr>
         <p:spPr>
@@ -996,9 +1021,13 @@
             <a:ext cx="6096000" cy="3429000"/>
           </a:xfrm>
           <a:custGeom>
-            <a:rect b="b" l="l" r="r" t="t"/>
+            <a:avLst/>
+            <a:gdLst/>
+            <a:ahLst/>
+            <a:cxnLst/>
+            <a:rect l="l" t="t" r="r" b="b"/>
             <a:pathLst>
-              <a:path extrusionOk="0" h="120000" w="120000">
+              <a:path w="120000" h="120000" extrusionOk="0">
                 <a:moveTo>
                   <a:pt x="0" y="0"/>
                 </a:moveTo>
@@ -1020,9 +1049,11 @@
       <p:sp>
         <p:nvSpPr>
           <p:cNvPr id="103" name="Google Shape;103;g144da1e7bd5_0_16:notes"/>
-          <p:cNvSpPr txBox="1"/>
+          <p:cNvSpPr txBox="1">
+            <a:spLocks noGrp="1"/>
+          </p:cNvSpPr>
           <p:nvPr>
-            <p:ph idx="1" type="body"/>
+            <p:ph type="body" idx="1"/>
           </p:nvPr>
         </p:nvSpPr>
         <p:spPr>
@@ -1035,23 +1066,20 @@
           </a:prstGeom>
         </p:spPr>
         <p:txBody>
-          <a:bodyPr anchorCtr="0" anchor="t" bIns="91425" lIns="91425" spcFirstLastPara="1" rIns="91425" wrap="square" tIns="91425">
+          <a:bodyPr spcFirstLastPara="1" wrap="square" lIns="91425" tIns="91425" rIns="91425" bIns="91425" anchor="t" anchorCtr="0">
             <a:noAutofit/>
           </a:bodyPr>
           <a:lstStyle/>
           <a:p>
-            <a:pPr indent="0" lvl="0" marL="0" rtl="0" algn="l">
-              <a:spcBef>
-                <a:spcPts val="0"/>
-              </a:spcBef>
-              <a:spcAft>
-                <a:spcPts val="0"/>
-              </a:spcAft>
-              <a:buNone/>
-            </a:pPr>
-            <a:r>
-              <a:t/>
-            </a:r>
+            <a:pPr marL="0" lvl="0" indent="0" algn="l" rtl="0">
+              <a:spcBef>
+                <a:spcPts val="0"/>
+              </a:spcBef>
+              <a:spcAft>
+                <a:spcPts val="0"/>
+              </a:spcAft>
+              <a:buNone/>
+            </a:pPr>
             <a:endParaRPr/>
           </a:p>
         </p:txBody>
@@ -1065,11 +1093,11 @@
 </file>
 
 <file path=ppt/notesSlides/notesSlide11.xml><?xml version="1.0" encoding="utf-8"?>
-<p:notes xmlns:a="http://schemas.openxmlformats.org/drawingml/2006/main" xmlns:r="http://schemas.openxmlformats.org/officeDocument/2006/relationships" xmlns:mc="http://schemas.openxmlformats.org/markup-compatibility/2006" xmlns:mv="urn:schemas-microsoft-com:mac:vml" xmlns:p="http://schemas.openxmlformats.org/presentationml/2006/main" xmlns:c="http://schemas.openxmlformats.org/drawingml/2006/chart" xmlns:dgm="http://schemas.openxmlformats.org/drawingml/2006/diagram" xmlns:o="urn:schemas-microsoft-com:office:office" xmlns:v="urn:schemas-microsoft-com:vml" xmlns:pvml="urn:schemas-microsoft-com:office:powerpoint" xmlns:com="http://schemas.openxmlformats.org/drawingml/2006/compatibility" xmlns:p14="http://schemas.microsoft.com/office/powerpoint/2010/main" xmlns:p15="http://schemas.microsoft.com/office/powerpoint/2012/main" xmlns:ahyp="http://schemas.microsoft.com/office/drawing/2018/hyperlinkcolor" showMasterPhAnim="0" showMasterSp="0">
+<p:notes xmlns:a="http://schemas.openxmlformats.org/drawingml/2006/main" xmlns:r="http://schemas.openxmlformats.org/officeDocument/2006/relationships" xmlns:p="http://schemas.openxmlformats.org/presentationml/2006/main" showMasterSp="0" showMasterPhAnim="0">
   <p:cSld>
     <p:spTree>
       <p:nvGrpSpPr>
-        <p:cNvPr id="106" name="Shape 106"/>
+        <p:cNvPr id="1" name="Shape 106"/>
         <p:cNvGrpSpPr/>
         <p:nvPr/>
       </p:nvGrpSpPr>
@@ -1084,9 +1112,11 @@
       <p:sp>
         <p:nvSpPr>
           <p:cNvPr id="107" name="Google Shape;107;g144da1e7bd5_0_8:notes"/>
-          <p:cNvSpPr/>
+          <p:cNvSpPr>
+            <a:spLocks noGrp="1" noRot="1" noChangeAspect="1"/>
+          </p:cNvSpPr>
           <p:nvPr>
-            <p:ph idx="2" type="sldImg"/>
+            <p:ph type="sldImg" idx="2"/>
           </p:nvPr>
         </p:nvSpPr>
         <p:spPr>
@@ -1095,9 +1125,13 @@
             <a:ext cx="6096000" cy="3429000"/>
           </a:xfrm>
           <a:custGeom>
-            <a:rect b="b" l="l" r="r" t="t"/>
+            <a:avLst/>
+            <a:gdLst/>
+            <a:ahLst/>
+            <a:cxnLst/>
+            <a:rect l="l" t="t" r="r" b="b"/>
             <a:pathLst>
-              <a:path extrusionOk="0" h="120000" w="120000">
+              <a:path w="120000" h="120000" extrusionOk="0">
                 <a:moveTo>
                   <a:pt x="0" y="0"/>
                 </a:moveTo>
@@ -1119,9 +1153,11 @@
       <p:sp>
         <p:nvSpPr>
           <p:cNvPr id="108" name="Google Shape;108;g144da1e7bd5_0_8:notes"/>
-          <p:cNvSpPr txBox="1"/>
+          <p:cNvSpPr txBox="1">
+            <a:spLocks noGrp="1"/>
+          </p:cNvSpPr>
           <p:nvPr>
-            <p:ph idx="1" type="body"/>
+            <p:ph type="body" idx="1"/>
           </p:nvPr>
         </p:nvSpPr>
         <p:spPr>
@@ -1134,23 +1170,20 @@
           </a:prstGeom>
         </p:spPr>
         <p:txBody>
-          <a:bodyPr anchorCtr="0" anchor="t" bIns="91425" lIns="91425" spcFirstLastPara="1" rIns="91425" wrap="square" tIns="91425">
+          <a:bodyPr spcFirstLastPara="1" wrap="square" lIns="91425" tIns="91425" rIns="91425" bIns="91425" anchor="t" anchorCtr="0">
             <a:noAutofit/>
           </a:bodyPr>
           <a:lstStyle/>
           <a:p>
-            <a:pPr indent="0" lvl="0" marL="0" rtl="0" algn="l">
-              <a:spcBef>
-                <a:spcPts val="0"/>
-              </a:spcBef>
-              <a:spcAft>
-                <a:spcPts val="0"/>
-              </a:spcAft>
-              <a:buNone/>
-            </a:pPr>
-            <a:r>
-              <a:t/>
-            </a:r>
+            <a:pPr marL="0" lvl="0" indent="0" algn="l" rtl="0">
+              <a:spcBef>
+                <a:spcPts val="0"/>
+              </a:spcBef>
+              <a:spcAft>
+                <a:spcPts val="0"/>
+              </a:spcAft>
+              <a:buNone/>
+            </a:pPr>
             <a:endParaRPr/>
           </a:p>
         </p:txBody>
@@ -1164,11 +1197,11 @@
 </file>
 
 <file path=ppt/notesSlides/notesSlide12.xml><?xml version="1.0" encoding="utf-8"?>
-<p:notes xmlns:a="http://schemas.openxmlformats.org/drawingml/2006/main" xmlns:r="http://schemas.openxmlformats.org/officeDocument/2006/relationships" xmlns:mc="http://schemas.openxmlformats.org/markup-compatibility/2006" xmlns:mv="urn:schemas-microsoft-com:mac:vml" xmlns:p="http://schemas.openxmlformats.org/presentationml/2006/main" xmlns:c="http://schemas.openxmlformats.org/drawingml/2006/chart" xmlns:dgm="http://schemas.openxmlformats.org/drawingml/2006/diagram" xmlns:o="urn:schemas-microsoft-com:office:office" xmlns:v="urn:schemas-microsoft-com:vml" xmlns:pvml="urn:schemas-microsoft-com:office:powerpoint" xmlns:com="http://schemas.openxmlformats.org/drawingml/2006/compatibility" xmlns:p14="http://schemas.microsoft.com/office/powerpoint/2010/main" xmlns:p15="http://schemas.microsoft.com/office/powerpoint/2012/main" xmlns:ahyp="http://schemas.microsoft.com/office/drawing/2018/hyperlinkcolor" showMasterPhAnim="0" showMasterSp="0">
+<p:notes xmlns:a="http://schemas.openxmlformats.org/drawingml/2006/main" xmlns:r="http://schemas.openxmlformats.org/officeDocument/2006/relationships" xmlns:p="http://schemas.openxmlformats.org/presentationml/2006/main" showMasterSp="0" showMasterPhAnim="0">
   <p:cSld>
     <p:spTree>
       <p:nvGrpSpPr>
-        <p:cNvPr id="111" name="Shape 111"/>
+        <p:cNvPr id="1" name="Shape 111"/>
         <p:cNvGrpSpPr/>
         <p:nvPr/>
       </p:nvGrpSpPr>
@@ -1183,9 +1216,11 @@
       <p:sp>
         <p:nvSpPr>
           <p:cNvPr id="112" name="Google Shape;112;g144da1e7bd5_0_20:notes"/>
-          <p:cNvSpPr/>
+          <p:cNvSpPr>
+            <a:spLocks noGrp="1" noRot="1" noChangeAspect="1"/>
+          </p:cNvSpPr>
           <p:nvPr>
-            <p:ph idx="2" type="sldImg"/>
+            <p:ph type="sldImg" idx="2"/>
           </p:nvPr>
         </p:nvSpPr>
         <p:spPr>
@@ -1194,9 +1229,13 @@
             <a:ext cx="6096000" cy="3429000"/>
           </a:xfrm>
           <a:custGeom>
-            <a:rect b="b" l="l" r="r" t="t"/>
+            <a:avLst/>
+            <a:gdLst/>
+            <a:ahLst/>
+            <a:cxnLst/>
+            <a:rect l="l" t="t" r="r" b="b"/>
             <a:pathLst>
-              <a:path extrusionOk="0" h="120000" w="120000">
+              <a:path w="120000" h="120000" extrusionOk="0">
                 <a:moveTo>
                   <a:pt x="0" y="0"/>
                 </a:moveTo>
@@ -1218,9 +1257,11 @@
       <p:sp>
         <p:nvSpPr>
           <p:cNvPr id="113" name="Google Shape;113;g144da1e7bd5_0_20:notes"/>
-          <p:cNvSpPr txBox="1"/>
+          <p:cNvSpPr txBox="1">
+            <a:spLocks noGrp="1"/>
+          </p:cNvSpPr>
           <p:nvPr>
-            <p:ph idx="1" type="body"/>
+            <p:ph type="body" idx="1"/>
           </p:nvPr>
         </p:nvSpPr>
         <p:spPr>
@@ -1233,23 +1274,20 @@
           </a:prstGeom>
         </p:spPr>
         <p:txBody>
-          <a:bodyPr anchorCtr="0" anchor="t" bIns="91425" lIns="91425" spcFirstLastPara="1" rIns="91425" wrap="square" tIns="91425">
+          <a:bodyPr spcFirstLastPara="1" wrap="square" lIns="91425" tIns="91425" rIns="91425" bIns="91425" anchor="t" anchorCtr="0">
             <a:noAutofit/>
           </a:bodyPr>
           <a:lstStyle/>
           <a:p>
-            <a:pPr indent="0" lvl="0" marL="0" rtl="0" algn="l">
-              <a:spcBef>
-                <a:spcPts val="0"/>
-              </a:spcBef>
-              <a:spcAft>
-                <a:spcPts val="0"/>
-              </a:spcAft>
-              <a:buNone/>
-            </a:pPr>
-            <a:r>
-              <a:t/>
-            </a:r>
+            <a:pPr marL="0" lvl="0" indent="0" algn="l" rtl="0">
+              <a:spcBef>
+                <a:spcPts val="0"/>
+              </a:spcBef>
+              <a:spcAft>
+                <a:spcPts val="0"/>
+              </a:spcAft>
+              <a:buNone/>
+            </a:pPr>
             <a:endParaRPr/>
           </a:p>
         </p:txBody>
@@ -1263,11 +1301,11 @@
 </file>
 
 <file path=ppt/notesSlides/notesSlide13.xml><?xml version="1.0" encoding="utf-8"?>
-<p:notes xmlns:a="http://schemas.openxmlformats.org/drawingml/2006/main" xmlns:r="http://schemas.openxmlformats.org/officeDocument/2006/relationships" xmlns:mc="http://schemas.openxmlformats.org/markup-compatibility/2006" xmlns:mv="urn:schemas-microsoft-com:mac:vml" xmlns:p="http://schemas.openxmlformats.org/presentationml/2006/main" xmlns:c="http://schemas.openxmlformats.org/drawingml/2006/chart" xmlns:dgm="http://schemas.openxmlformats.org/drawingml/2006/diagram" xmlns:o="urn:schemas-microsoft-com:office:office" xmlns:v="urn:schemas-microsoft-com:vml" xmlns:pvml="urn:schemas-microsoft-com:office:powerpoint" xmlns:com="http://schemas.openxmlformats.org/drawingml/2006/compatibility" xmlns:p14="http://schemas.microsoft.com/office/powerpoint/2010/main" xmlns:p15="http://schemas.microsoft.com/office/powerpoint/2012/main" xmlns:ahyp="http://schemas.microsoft.com/office/drawing/2018/hyperlinkcolor" showMasterPhAnim="0" showMasterSp="0">
+<p:notes xmlns:a="http://schemas.openxmlformats.org/drawingml/2006/main" xmlns:r="http://schemas.openxmlformats.org/officeDocument/2006/relationships" xmlns:p="http://schemas.openxmlformats.org/presentationml/2006/main" showMasterSp="0" showMasterPhAnim="0">
   <p:cSld>
     <p:spTree>
       <p:nvGrpSpPr>
-        <p:cNvPr id="116" name="Shape 116"/>
+        <p:cNvPr id="1" name="Shape 116"/>
         <p:cNvGrpSpPr/>
         <p:nvPr/>
       </p:nvGrpSpPr>
@@ -1282,9 +1320,11 @@
       <p:sp>
         <p:nvSpPr>
           <p:cNvPr id="117" name="Google Shape;117;g143f01d3d43_0_0:notes"/>
-          <p:cNvSpPr/>
+          <p:cNvSpPr>
+            <a:spLocks noGrp="1" noRot="1" noChangeAspect="1"/>
+          </p:cNvSpPr>
           <p:nvPr>
-            <p:ph idx="2" type="sldImg"/>
+            <p:ph type="sldImg" idx="2"/>
           </p:nvPr>
         </p:nvSpPr>
         <p:spPr>
@@ -1293,9 +1333,13 @@
             <a:ext cx="6096000" cy="3429000"/>
           </a:xfrm>
           <a:custGeom>
-            <a:rect b="b" l="l" r="r" t="t"/>
+            <a:avLst/>
+            <a:gdLst/>
+            <a:ahLst/>
+            <a:cxnLst/>
+            <a:rect l="l" t="t" r="r" b="b"/>
             <a:pathLst>
-              <a:path extrusionOk="0" h="120000" w="120000">
+              <a:path w="120000" h="120000" extrusionOk="0">
                 <a:moveTo>
                   <a:pt x="0" y="0"/>
                 </a:moveTo>
@@ -1317,9 +1361,11 @@
       <p:sp>
         <p:nvSpPr>
           <p:cNvPr id="118" name="Google Shape;118;g143f01d3d43_0_0:notes"/>
-          <p:cNvSpPr txBox="1"/>
+          <p:cNvSpPr txBox="1">
+            <a:spLocks noGrp="1"/>
+          </p:cNvSpPr>
           <p:nvPr>
-            <p:ph idx="1" type="body"/>
+            <p:ph type="body" idx="1"/>
           </p:nvPr>
         </p:nvSpPr>
         <p:spPr>
@@ -1332,23 +1378,20 @@
           </a:prstGeom>
         </p:spPr>
         <p:txBody>
-          <a:bodyPr anchorCtr="0" anchor="t" bIns="91425" lIns="91425" spcFirstLastPara="1" rIns="91425" wrap="square" tIns="91425">
+          <a:bodyPr spcFirstLastPara="1" wrap="square" lIns="91425" tIns="91425" rIns="91425" bIns="91425" anchor="t" anchorCtr="0">
             <a:noAutofit/>
           </a:bodyPr>
           <a:lstStyle/>
           <a:p>
-            <a:pPr indent="0" lvl="0" marL="0" rtl="0" algn="l">
-              <a:spcBef>
-                <a:spcPts val="0"/>
-              </a:spcBef>
-              <a:spcAft>
-                <a:spcPts val="0"/>
-              </a:spcAft>
-              <a:buNone/>
-            </a:pPr>
-            <a:r>
-              <a:t/>
-            </a:r>
+            <a:pPr marL="0" lvl="0" indent="0" algn="l" rtl="0">
+              <a:spcBef>
+                <a:spcPts val="0"/>
+              </a:spcBef>
+              <a:spcAft>
+                <a:spcPts val="0"/>
+              </a:spcAft>
+              <a:buNone/>
+            </a:pPr>
             <a:endParaRPr/>
           </a:p>
         </p:txBody>
@@ -1362,11 +1405,11 @@
 </file>
 
 <file path=ppt/notesSlides/notesSlide14.xml><?xml version="1.0" encoding="utf-8"?>
-<p:notes xmlns:a="http://schemas.openxmlformats.org/drawingml/2006/main" xmlns:r="http://schemas.openxmlformats.org/officeDocument/2006/relationships" xmlns:mc="http://schemas.openxmlformats.org/markup-compatibility/2006" xmlns:mv="urn:schemas-microsoft-com:mac:vml" xmlns:p="http://schemas.openxmlformats.org/presentationml/2006/main" xmlns:c="http://schemas.openxmlformats.org/drawingml/2006/chart" xmlns:dgm="http://schemas.openxmlformats.org/drawingml/2006/diagram" xmlns:o="urn:schemas-microsoft-com:office:office" xmlns:v="urn:schemas-microsoft-com:vml" xmlns:pvml="urn:schemas-microsoft-com:office:powerpoint" xmlns:com="http://schemas.openxmlformats.org/drawingml/2006/compatibility" xmlns:p14="http://schemas.microsoft.com/office/powerpoint/2010/main" xmlns:p15="http://schemas.microsoft.com/office/powerpoint/2012/main" xmlns:ahyp="http://schemas.microsoft.com/office/drawing/2018/hyperlinkcolor" showMasterPhAnim="0" showMasterSp="0">
+<p:notes xmlns:a="http://schemas.openxmlformats.org/drawingml/2006/main" xmlns:r="http://schemas.openxmlformats.org/officeDocument/2006/relationships" xmlns:p="http://schemas.openxmlformats.org/presentationml/2006/main" showMasterSp="0" showMasterPhAnim="0">
   <p:cSld>
     <p:spTree>
       <p:nvGrpSpPr>
-        <p:cNvPr id="124" name="Shape 124"/>
+        <p:cNvPr id="1" name="Shape 124"/>
         <p:cNvGrpSpPr/>
         <p:nvPr/>
       </p:nvGrpSpPr>
@@ -1381,9 +1424,11 @@
       <p:sp>
         <p:nvSpPr>
           <p:cNvPr id="125" name="Google Shape;125;g140633800bd_0_5:notes"/>
-          <p:cNvSpPr/>
+          <p:cNvSpPr>
+            <a:spLocks noGrp="1" noRot="1" noChangeAspect="1"/>
+          </p:cNvSpPr>
           <p:nvPr>
-            <p:ph idx="2" type="sldImg"/>
+            <p:ph type="sldImg" idx="2"/>
           </p:nvPr>
         </p:nvSpPr>
         <p:spPr>
@@ -1392,9 +1437,13 @@
             <a:ext cx="6096000" cy="3429000"/>
           </a:xfrm>
           <a:custGeom>
-            <a:rect b="b" l="l" r="r" t="t"/>
+            <a:avLst/>
+            <a:gdLst/>
+            <a:ahLst/>
+            <a:cxnLst/>
+            <a:rect l="l" t="t" r="r" b="b"/>
             <a:pathLst>
-              <a:path extrusionOk="0" h="120000" w="120000">
+              <a:path w="120000" h="120000" extrusionOk="0">
                 <a:moveTo>
                   <a:pt x="0" y="0"/>
                 </a:moveTo>
@@ -1416,9 +1465,11 @@
       <p:sp>
         <p:nvSpPr>
           <p:cNvPr id="126" name="Google Shape;126;g140633800bd_0_5:notes"/>
-          <p:cNvSpPr txBox="1"/>
+          <p:cNvSpPr txBox="1">
+            <a:spLocks noGrp="1"/>
+          </p:cNvSpPr>
           <p:nvPr>
-            <p:ph idx="1" type="body"/>
+            <p:ph type="body" idx="1"/>
           </p:nvPr>
         </p:nvSpPr>
         <p:spPr>
@@ -1431,23 +1482,20 @@
           </a:prstGeom>
         </p:spPr>
         <p:txBody>
-          <a:bodyPr anchorCtr="0" anchor="t" bIns="91425" lIns="91425" spcFirstLastPara="1" rIns="91425" wrap="square" tIns="91425">
+          <a:bodyPr spcFirstLastPara="1" wrap="square" lIns="91425" tIns="91425" rIns="91425" bIns="91425" anchor="t" anchorCtr="0">
             <a:noAutofit/>
           </a:bodyPr>
           <a:lstStyle/>
           <a:p>
-            <a:pPr indent="0" lvl="0" marL="0" rtl="0" algn="l">
-              <a:spcBef>
-                <a:spcPts val="0"/>
-              </a:spcBef>
-              <a:spcAft>
-                <a:spcPts val="0"/>
-              </a:spcAft>
-              <a:buNone/>
-            </a:pPr>
-            <a:r>
-              <a:t/>
-            </a:r>
+            <a:pPr marL="0" lvl="0" indent="0" algn="l" rtl="0">
+              <a:spcBef>
+                <a:spcPts val="0"/>
+              </a:spcBef>
+              <a:spcAft>
+                <a:spcPts val="0"/>
+              </a:spcAft>
+              <a:buNone/>
+            </a:pPr>
             <a:endParaRPr/>
           </a:p>
         </p:txBody>
@@ -1461,11 +1509,11 @@
 </file>
 
 <file path=ppt/notesSlides/notesSlide15.xml><?xml version="1.0" encoding="utf-8"?>
-<p:notes xmlns:a="http://schemas.openxmlformats.org/drawingml/2006/main" xmlns:r="http://schemas.openxmlformats.org/officeDocument/2006/relationships" xmlns:mc="http://schemas.openxmlformats.org/markup-compatibility/2006" xmlns:mv="urn:schemas-microsoft-com:mac:vml" xmlns:p="http://schemas.openxmlformats.org/presentationml/2006/main" xmlns:c="http://schemas.openxmlformats.org/drawingml/2006/chart" xmlns:dgm="http://schemas.openxmlformats.org/drawingml/2006/diagram" xmlns:o="urn:schemas-microsoft-com:office:office" xmlns:v="urn:schemas-microsoft-com:vml" xmlns:pvml="urn:schemas-microsoft-com:office:powerpoint" xmlns:com="http://schemas.openxmlformats.org/drawingml/2006/compatibility" xmlns:p14="http://schemas.microsoft.com/office/powerpoint/2010/main" xmlns:p15="http://schemas.microsoft.com/office/powerpoint/2012/main" xmlns:ahyp="http://schemas.microsoft.com/office/drawing/2018/hyperlinkcolor" showMasterPhAnim="0" showMasterSp="0">
+<p:notes xmlns:a="http://schemas.openxmlformats.org/drawingml/2006/main" xmlns:r="http://schemas.openxmlformats.org/officeDocument/2006/relationships" xmlns:p="http://schemas.openxmlformats.org/presentationml/2006/main" showMasterSp="0" showMasterPhAnim="0">
   <p:cSld>
     <p:spTree>
       <p:nvGrpSpPr>
-        <p:cNvPr id="130" name="Shape 130"/>
+        <p:cNvPr id="1" name="Shape 130"/>
         <p:cNvGrpSpPr/>
         <p:nvPr/>
       </p:nvGrpSpPr>
@@ -1480,20 +1528,26 @@
       <p:sp>
         <p:nvSpPr>
           <p:cNvPr id="131" name="Google Shape;131;g140633800bd_0_22:notes"/>
-          <p:cNvSpPr/>
+          <p:cNvSpPr>
+            <a:spLocks noGrp="1" noRot="1" noChangeAspect="1"/>
+          </p:cNvSpPr>
           <p:nvPr>
-            <p:ph idx="2" type="sldImg"/>
+            <p:ph type="sldImg" idx="2"/>
           </p:nvPr>
         </p:nvSpPr>
         <p:spPr>
           <a:xfrm>
-            <a:off x="381300" y="685800"/>
+            <a:off x="381000" y="685800"/>
             <a:ext cx="6096000" cy="3429000"/>
           </a:xfrm>
           <a:custGeom>
-            <a:rect b="b" l="l" r="r" t="t"/>
+            <a:avLst/>
+            <a:gdLst/>
+            <a:ahLst/>
+            <a:cxnLst/>
+            <a:rect l="l" t="t" r="r" b="b"/>
             <a:pathLst>
-              <a:path extrusionOk="0" h="120000" w="120000">
+              <a:path w="120000" h="120000" extrusionOk="0">
                 <a:moveTo>
                   <a:pt x="0" y="0"/>
                 </a:moveTo>
@@ -1515,9 +1569,11 @@
       <p:sp>
         <p:nvSpPr>
           <p:cNvPr id="132" name="Google Shape;132;g140633800bd_0_22:notes"/>
-          <p:cNvSpPr txBox="1"/>
+          <p:cNvSpPr txBox="1">
+            <a:spLocks noGrp="1"/>
+          </p:cNvSpPr>
           <p:nvPr>
-            <p:ph idx="1" type="body"/>
+            <p:ph type="body" idx="1"/>
           </p:nvPr>
         </p:nvSpPr>
         <p:spPr>
@@ -1530,23 +1586,20 @@
           </a:prstGeom>
         </p:spPr>
         <p:txBody>
-          <a:bodyPr anchorCtr="0" anchor="t" bIns="91425" lIns="91425" spcFirstLastPara="1" rIns="91425" wrap="square" tIns="91425">
+          <a:bodyPr spcFirstLastPara="1" wrap="square" lIns="91425" tIns="91425" rIns="91425" bIns="91425" anchor="t" anchorCtr="0">
             <a:noAutofit/>
           </a:bodyPr>
           <a:lstStyle/>
           <a:p>
-            <a:pPr indent="0" lvl="0" marL="0" rtl="0" algn="l">
-              <a:spcBef>
-                <a:spcPts val="0"/>
-              </a:spcBef>
-              <a:spcAft>
-                <a:spcPts val="0"/>
-              </a:spcAft>
-              <a:buNone/>
-            </a:pPr>
-            <a:r>
-              <a:t/>
-            </a:r>
+            <a:pPr marL="0" lvl="0" indent="0" algn="l" rtl="0">
+              <a:spcBef>
+                <a:spcPts val="0"/>
+              </a:spcBef>
+              <a:spcAft>
+                <a:spcPts val="0"/>
+              </a:spcAft>
+              <a:buNone/>
+            </a:pPr>
             <a:endParaRPr/>
           </a:p>
         </p:txBody>
@@ -1560,11 +1613,11 @@
 </file>
 
 <file path=ppt/notesSlides/notesSlide16.xml><?xml version="1.0" encoding="utf-8"?>
-<p:notes xmlns:a="http://schemas.openxmlformats.org/drawingml/2006/main" xmlns:r="http://schemas.openxmlformats.org/officeDocument/2006/relationships" xmlns:mc="http://schemas.openxmlformats.org/markup-compatibility/2006" xmlns:mv="urn:schemas-microsoft-com:mac:vml" xmlns:p="http://schemas.openxmlformats.org/presentationml/2006/main" xmlns:c="http://schemas.openxmlformats.org/drawingml/2006/chart" xmlns:dgm="http://schemas.openxmlformats.org/drawingml/2006/diagram" xmlns:o="urn:schemas-microsoft-com:office:office" xmlns:v="urn:schemas-microsoft-com:vml" xmlns:pvml="urn:schemas-microsoft-com:office:powerpoint" xmlns:com="http://schemas.openxmlformats.org/drawingml/2006/compatibility" xmlns:p14="http://schemas.microsoft.com/office/powerpoint/2010/main" xmlns:p15="http://schemas.microsoft.com/office/powerpoint/2012/main" xmlns:ahyp="http://schemas.microsoft.com/office/drawing/2018/hyperlinkcolor" showMasterPhAnim="0" showMasterSp="0">
+<p:notes xmlns:a="http://schemas.openxmlformats.org/drawingml/2006/main" xmlns:r="http://schemas.openxmlformats.org/officeDocument/2006/relationships" xmlns:p="http://schemas.openxmlformats.org/presentationml/2006/main" showMasterSp="0" showMasterPhAnim="0">
   <p:cSld>
     <p:spTree>
       <p:nvGrpSpPr>
-        <p:cNvPr id="136" name="Shape 136"/>
+        <p:cNvPr id="1" name="Shape 136"/>
         <p:cNvGrpSpPr/>
         <p:nvPr/>
       </p:nvGrpSpPr>
@@ -1579,9 +1632,11 @@
       <p:sp>
         <p:nvSpPr>
           <p:cNvPr id="137" name="Google Shape;137;g140633800bd_0_27:notes"/>
-          <p:cNvSpPr/>
+          <p:cNvSpPr>
+            <a:spLocks noGrp="1" noRot="1" noChangeAspect="1"/>
+          </p:cNvSpPr>
           <p:nvPr>
-            <p:ph idx="2" type="sldImg"/>
+            <p:ph type="sldImg" idx="2"/>
           </p:nvPr>
         </p:nvSpPr>
         <p:spPr>
@@ -1590,9 +1645,13 @@
             <a:ext cx="6096000" cy="3429000"/>
           </a:xfrm>
           <a:custGeom>
-            <a:rect b="b" l="l" r="r" t="t"/>
+            <a:avLst/>
+            <a:gdLst/>
+            <a:ahLst/>
+            <a:cxnLst/>
+            <a:rect l="l" t="t" r="r" b="b"/>
             <a:pathLst>
-              <a:path extrusionOk="0" h="120000" w="120000">
+              <a:path w="120000" h="120000" extrusionOk="0">
                 <a:moveTo>
                   <a:pt x="0" y="0"/>
                 </a:moveTo>
@@ -1614,9 +1673,11 @@
       <p:sp>
         <p:nvSpPr>
           <p:cNvPr id="138" name="Google Shape;138;g140633800bd_0_27:notes"/>
-          <p:cNvSpPr txBox="1"/>
+          <p:cNvSpPr txBox="1">
+            <a:spLocks noGrp="1"/>
+          </p:cNvSpPr>
           <p:nvPr>
-            <p:ph idx="1" type="body"/>
+            <p:ph type="body" idx="1"/>
           </p:nvPr>
         </p:nvSpPr>
         <p:spPr>
@@ -1629,12 +1690,12 @@
           </a:prstGeom>
         </p:spPr>
         <p:txBody>
-          <a:bodyPr anchorCtr="0" anchor="t" bIns="91425" lIns="91425" spcFirstLastPara="1" rIns="91425" wrap="square" tIns="91425">
+          <a:bodyPr spcFirstLastPara="1" wrap="square" lIns="91425" tIns="91425" rIns="91425" bIns="91425" anchor="t" anchorCtr="0">
             <a:noAutofit/>
           </a:bodyPr>
           <a:lstStyle/>
           <a:p>
-            <a:pPr indent="-323850" lvl="0" marL="457200" rtl="0" algn="l">
+            <a:pPr marL="457200" lvl="0" indent="-323850" algn="l" rtl="0">
               <a:lnSpc>
                 <a:spcPct val="150000"/>
               </a:lnSpc>
@@ -1674,7 +1735,7 @@
             </a:endParaRPr>
           </a:p>
           <a:p>
-            <a:pPr indent="-323850" lvl="0" marL="457200" rtl="0" algn="l">
+            <a:pPr marL="457200" lvl="0" indent="-323850" algn="l" rtl="0">
               <a:lnSpc>
                 <a:spcPct val="150000"/>
               </a:lnSpc>
@@ -1714,7 +1775,7 @@
             </a:endParaRPr>
           </a:p>
           <a:p>
-            <a:pPr indent="-323850" lvl="0" marL="457200" rtl="0" algn="l">
+            <a:pPr marL="457200" lvl="0" indent="-323850" algn="l" rtl="0">
               <a:lnSpc>
                 <a:spcPct val="150000"/>
               </a:lnSpc>
@@ -1731,9 +1792,6 @@
               <a:buFont typeface="Roboto"/>
               <a:buChar char="❏"/>
             </a:pPr>
-            <a:r>
-              <a:t/>
-            </a:r>
             <a:endParaRPr sz="1500">
               <a:solidFill>
                 <a:srgbClr val="2B2B2B"/>
@@ -1745,7 +1803,7 @@
             </a:endParaRPr>
           </a:p>
           <a:p>
-            <a:pPr indent="0" lvl="0" marL="0" rtl="0" algn="l">
+            <a:pPr marL="0" lvl="0" indent="0" algn="l" rtl="0">
               <a:spcBef>
                 <a:spcPts val="3800"/>
               </a:spcBef>
@@ -1754,9 +1812,6 @@
               </a:spcAft>
               <a:buNone/>
             </a:pPr>
-            <a:r>
-              <a:t/>
-            </a:r>
             <a:endParaRPr/>
           </a:p>
         </p:txBody>
@@ -1770,11 +1825,11 @@
 </file>
 
 <file path=ppt/notesSlides/notesSlide17.xml><?xml version="1.0" encoding="utf-8"?>
-<p:notes xmlns:a="http://schemas.openxmlformats.org/drawingml/2006/main" xmlns:r="http://schemas.openxmlformats.org/officeDocument/2006/relationships" xmlns:mc="http://schemas.openxmlformats.org/markup-compatibility/2006" xmlns:mv="urn:schemas-microsoft-com:mac:vml" xmlns:p="http://schemas.openxmlformats.org/presentationml/2006/main" xmlns:c="http://schemas.openxmlformats.org/drawingml/2006/chart" xmlns:dgm="http://schemas.openxmlformats.org/drawingml/2006/diagram" xmlns:o="urn:schemas-microsoft-com:office:office" xmlns:v="urn:schemas-microsoft-com:vml" xmlns:pvml="urn:schemas-microsoft-com:office:powerpoint" xmlns:com="http://schemas.openxmlformats.org/drawingml/2006/compatibility" xmlns:p14="http://schemas.microsoft.com/office/powerpoint/2010/main" xmlns:p15="http://schemas.microsoft.com/office/powerpoint/2012/main" xmlns:ahyp="http://schemas.microsoft.com/office/drawing/2018/hyperlinkcolor" showMasterPhAnim="0" showMasterSp="0">
+<p:notes xmlns:a="http://schemas.openxmlformats.org/drawingml/2006/main" xmlns:r="http://schemas.openxmlformats.org/officeDocument/2006/relationships" xmlns:p="http://schemas.openxmlformats.org/presentationml/2006/main" showMasterSp="0" showMasterPhAnim="0">
   <p:cSld>
     <p:spTree>
       <p:nvGrpSpPr>
-        <p:cNvPr id="142" name="Shape 142"/>
+        <p:cNvPr id="1" name="Shape 142"/>
         <p:cNvGrpSpPr/>
         <p:nvPr/>
       </p:nvGrpSpPr>
@@ -1789,9 +1844,11 @@
       <p:sp>
         <p:nvSpPr>
           <p:cNvPr id="143" name="Google Shape;143;g1451c4e7e30_0_3:notes"/>
-          <p:cNvSpPr/>
+          <p:cNvSpPr>
+            <a:spLocks noGrp="1" noRot="1" noChangeAspect="1"/>
+          </p:cNvSpPr>
           <p:nvPr>
-            <p:ph idx="2" type="sldImg"/>
+            <p:ph type="sldImg" idx="2"/>
           </p:nvPr>
         </p:nvSpPr>
         <p:spPr>
@@ -1800,9 +1857,13 @@
             <a:ext cx="6096000" cy="3429000"/>
           </a:xfrm>
           <a:custGeom>
-            <a:rect b="b" l="l" r="r" t="t"/>
+            <a:avLst/>
+            <a:gdLst/>
+            <a:ahLst/>
+            <a:cxnLst/>
+            <a:rect l="l" t="t" r="r" b="b"/>
             <a:pathLst>
-              <a:path extrusionOk="0" h="120000" w="120000">
+              <a:path w="120000" h="120000" extrusionOk="0">
                 <a:moveTo>
                   <a:pt x="0" y="0"/>
                 </a:moveTo>
@@ -1824,9 +1885,11 @@
       <p:sp>
         <p:nvSpPr>
           <p:cNvPr id="144" name="Google Shape;144;g1451c4e7e30_0_3:notes"/>
-          <p:cNvSpPr txBox="1"/>
+          <p:cNvSpPr txBox="1">
+            <a:spLocks noGrp="1"/>
+          </p:cNvSpPr>
           <p:nvPr>
-            <p:ph idx="1" type="body"/>
+            <p:ph type="body" idx="1"/>
           </p:nvPr>
         </p:nvSpPr>
         <p:spPr>
@@ -1839,23 +1902,20 @@
           </a:prstGeom>
         </p:spPr>
         <p:txBody>
-          <a:bodyPr anchorCtr="0" anchor="t" bIns="91425" lIns="91425" spcFirstLastPara="1" rIns="91425" wrap="square" tIns="91425">
+          <a:bodyPr spcFirstLastPara="1" wrap="square" lIns="91425" tIns="91425" rIns="91425" bIns="91425" anchor="t" anchorCtr="0">
             <a:noAutofit/>
           </a:bodyPr>
           <a:lstStyle/>
           <a:p>
-            <a:pPr indent="0" lvl="0" marL="0" rtl="0" algn="l">
-              <a:spcBef>
-                <a:spcPts val="0"/>
-              </a:spcBef>
-              <a:spcAft>
-                <a:spcPts val="0"/>
-              </a:spcAft>
-              <a:buNone/>
-            </a:pPr>
-            <a:r>
-              <a:t/>
-            </a:r>
+            <a:pPr marL="0" lvl="0" indent="0" algn="l" rtl="0">
+              <a:spcBef>
+                <a:spcPts val="0"/>
+              </a:spcBef>
+              <a:spcAft>
+                <a:spcPts val="0"/>
+              </a:spcAft>
+              <a:buNone/>
+            </a:pPr>
             <a:endParaRPr/>
           </a:p>
         </p:txBody>
@@ -1869,11 +1929,11 @@
 </file>
 
 <file path=ppt/notesSlides/notesSlide18.xml><?xml version="1.0" encoding="utf-8"?>
-<p:notes xmlns:a="http://schemas.openxmlformats.org/drawingml/2006/main" xmlns:r="http://schemas.openxmlformats.org/officeDocument/2006/relationships" xmlns:mc="http://schemas.openxmlformats.org/markup-compatibility/2006" xmlns:mv="urn:schemas-microsoft-com:mac:vml" xmlns:p="http://schemas.openxmlformats.org/presentationml/2006/main" xmlns:c="http://schemas.openxmlformats.org/drawingml/2006/chart" xmlns:dgm="http://schemas.openxmlformats.org/drawingml/2006/diagram" xmlns:o="urn:schemas-microsoft-com:office:office" xmlns:v="urn:schemas-microsoft-com:vml" xmlns:pvml="urn:schemas-microsoft-com:office:powerpoint" xmlns:com="http://schemas.openxmlformats.org/drawingml/2006/compatibility" xmlns:p14="http://schemas.microsoft.com/office/powerpoint/2010/main" xmlns:p15="http://schemas.microsoft.com/office/powerpoint/2012/main" xmlns:ahyp="http://schemas.microsoft.com/office/drawing/2018/hyperlinkcolor" showMasterPhAnim="0" showMasterSp="0">
+<p:notes xmlns:a="http://schemas.openxmlformats.org/drawingml/2006/main" xmlns:r="http://schemas.openxmlformats.org/officeDocument/2006/relationships" xmlns:p="http://schemas.openxmlformats.org/presentationml/2006/main" showMasterSp="0" showMasterPhAnim="0">
   <p:cSld>
     <p:spTree>
       <p:nvGrpSpPr>
-        <p:cNvPr id="148" name="Shape 148"/>
+        <p:cNvPr id="1" name="Shape 148"/>
         <p:cNvGrpSpPr/>
         <p:nvPr/>
       </p:nvGrpSpPr>
@@ -1888,9 +1948,11 @@
       <p:sp>
         <p:nvSpPr>
           <p:cNvPr id="149" name="Google Shape;149;g1454eafd720_0_8:notes"/>
-          <p:cNvSpPr/>
+          <p:cNvSpPr>
+            <a:spLocks noGrp="1" noRot="1" noChangeAspect="1"/>
+          </p:cNvSpPr>
           <p:nvPr>
-            <p:ph idx="2" type="sldImg"/>
+            <p:ph type="sldImg" idx="2"/>
           </p:nvPr>
         </p:nvSpPr>
         <p:spPr>
@@ -1899,9 +1961,13 @@
             <a:ext cx="6096000" cy="3429000"/>
           </a:xfrm>
           <a:custGeom>
-            <a:rect b="b" l="l" r="r" t="t"/>
+            <a:avLst/>
+            <a:gdLst/>
+            <a:ahLst/>
+            <a:cxnLst/>
+            <a:rect l="l" t="t" r="r" b="b"/>
             <a:pathLst>
-              <a:path extrusionOk="0" h="120000" w="120000">
+              <a:path w="120000" h="120000" extrusionOk="0">
                 <a:moveTo>
                   <a:pt x="0" y="0"/>
                 </a:moveTo>
@@ -1923,9 +1989,11 @@
       <p:sp>
         <p:nvSpPr>
           <p:cNvPr id="150" name="Google Shape;150;g1454eafd720_0_8:notes"/>
-          <p:cNvSpPr txBox="1"/>
+          <p:cNvSpPr txBox="1">
+            <a:spLocks noGrp="1"/>
+          </p:cNvSpPr>
           <p:nvPr>
-            <p:ph idx="1" type="body"/>
+            <p:ph type="body" idx="1"/>
           </p:nvPr>
         </p:nvSpPr>
         <p:spPr>
@@ -1938,23 +2006,20 @@
           </a:prstGeom>
         </p:spPr>
         <p:txBody>
-          <a:bodyPr anchorCtr="0" anchor="t" bIns="91425" lIns="91425" spcFirstLastPara="1" rIns="91425" wrap="square" tIns="91425">
+          <a:bodyPr spcFirstLastPara="1" wrap="square" lIns="91425" tIns="91425" rIns="91425" bIns="91425" anchor="t" anchorCtr="0">
             <a:noAutofit/>
           </a:bodyPr>
           <a:lstStyle/>
           <a:p>
-            <a:pPr indent="0" lvl="0" marL="0" rtl="0" algn="l">
-              <a:spcBef>
-                <a:spcPts val="0"/>
-              </a:spcBef>
-              <a:spcAft>
-                <a:spcPts val="0"/>
-              </a:spcAft>
-              <a:buNone/>
-            </a:pPr>
-            <a:r>
-              <a:t/>
-            </a:r>
+            <a:pPr marL="0" lvl="0" indent="0" algn="l" rtl="0">
+              <a:spcBef>
+                <a:spcPts val="0"/>
+              </a:spcBef>
+              <a:spcAft>
+                <a:spcPts val="0"/>
+              </a:spcAft>
+              <a:buNone/>
+            </a:pPr>
             <a:endParaRPr/>
           </a:p>
         </p:txBody>
@@ -1968,11 +2033,11 @@
 </file>
 
 <file path=ppt/notesSlides/notesSlide19.xml><?xml version="1.0" encoding="utf-8"?>
-<p:notes xmlns:a="http://schemas.openxmlformats.org/drawingml/2006/main" xmlns:r="http://schemas.openxmlformats.org/officeDocument/2006/relationships" xmlns:mc="http://schemas.openxmlformats.org/markup-compatibility/2006" xmlns:mv="urn:schemas-microsoft-com:mac:vml" xmlns:p="http://schemas.openxmlformats.org/presentationml/2006/main" xmlns:c="http://schemas.openxmlformats.org/drawingml/2006/chart" xmlns:dgm="http://schemas.openxmlformats.org/drawingml/2006/diagram" xmlns:o="urn:schemas-microsoft-com:office:office" xmlns:v="urn:schemas-microsoft-com:vml" xmlns:pvml="urn:schemas-microsoft-com:office:powerpoint" xmlns:com="http://schemas.openxmlformats.org/drawingml/2006/compatibility" xmlns:p14="http://schemas.microsoft.com/office/powerpoint/2010/main" xmlns:p15="http://schemas.microsoft.com/office/powerpoint/2012/main" xmlns:ahyp="http://schemas.microsoft.com/office/drawing/2018/hyperlinkcolor" showMasterPhAnim="0" showMasterSp="0">
+<p:notes xmlns:a="http://schemas.openxmlformats.org/drawingml/2006/main" xmlns:r="http://schemas.openxmlformats.org/officeDocument/2006/relationships" xmlns:p="http://schemas.openxmlformats.org/presentationml/2006/main" showMasterSp="0" showMasterPhAnim="0">
   <p:cSld>
     <p:spTree>
       <p:nvGrpSpPr>
-        <p:cNvPr id="154" name="Shape 154"/>
+        <p:cNvPr id="1" name="Shape 154"/>
         <p:cNvGrpSpPr/>
         <p:nvPr/>
       </p:nvGrpSpPr>
@@ -1987,9 +2052,11 @@
       <p:sp>
         <p:nvSpPr>
           <p:cNvPr id="155" name="Google Shape;155;g1454eafd720_0_3:notes"/>
-          <p:cNvSpPr/>
+          <p:cNvSpPr>
+            <a:spLocks noGrp="1" noRot="1" noChangeAspect="1"/>
+          </p:cNvSpPr>
           <p:nvPr>
-            <p:ph idx="2" type="sldImg"/>
+            <p:ph type="sldImg" idx="2"/>
           </p:nvPr>
         </p:nvSpPr>
         <p:spPr>
@@ -1998,9 +2065,13 @@
             <a:ext cx="6096000" cy="3429000"/>
           </a:xfrm>
           <a:custGeom>
-            <a:rect b="b" l="l" r="r" t="t"/>
+            <a:avLst/>
+            <a:gdLst/>
+            <a:ahLst/>
+            <a:cxnLst/>
+            <a:rect l="l" t="t" r="r" b="b"/>
             <a:pathLst>
-              <a:path extrusionOk="0" h="120000" w="120000">
+              <a:path w="120000" h="120000" extrusionOk="0">
                 <a:moveTo>
                   <a:pt x="0" y="0"/>
                 </a:moveTo>
@@ -2022,9 +2093,11 @@
       <p:sp>
         <p:nvSpPr>
           <p:cNvPr id="156" name="Google Shape;156;g1454eafd720_0_3:notes"/>
-          <p:cNvSpPr txBox="1"/>
+          <p:cNvSpPr txBox="1">
+            <a:spLocks noGrp="1"/>
+          </p:cNvSpPr>
           <p:nvPr>
-            <p:ph idx="1" type="body"/>
+            <p:ph type="body" idx="1"/>
           </p:nvPr>
         </p:nvSpPr>
         <p:spPr>
@@ -2037,23 +2110,20 @@
           </a:prstGeom>
         </p:spPr>
         <p:txBody>
-          <a:bodyPr anchorCtr="0" anchor="t" bIns="91425" lIns="91425" spcFirstLastPara="1" rIns="91425" wrap="square" tIns="91425">
+          <a:bodyPr spcFirstLastPara="1" wrap="square" lIns="91425" tIns="91425" rIns="91425" bIns="91425" anchor="t" anchorCtr="0">
             <a:noAutofit/>
           </a:bodyPr>
           <a:lstStyle/>
           <a:p>
-            <a:pPr indent="0" lvl="0" marL="0" rtl="0" algn="l">
-              <a:spcBef>
-                <a:spcPts val="0"/>
-              </a:spcBef>
-              <a:spcAft>
-                <a:spcPts val="0"/>
-              </a:spcAft>
-              <a:buNone/>
-            </a:pPr>
-            <a:r>
-              <a:t/>
-            </a:r>
+            <a:pPr marL="0" lvl="0" indent="0" algn="l" rtl="0">
+              <a:spcBef>
+                <a:spcPts val="0"/>
+              </a:spcBef>
+              <a:spcAft>
+                <a:spcPts val="0"/>
+              </a:spcAft>
+              <a:buNone/>
+            </a:pPr>
             <a:endParaRPr/>
           </a:p>
         </p:txBody>
@@ -2067,11 +2137,11 @@
 </file>
 
 <file path=ppt/notesSlides/notesSlide2.xml><?xml version="1.0" encoding="utf-8"?>
-<p:notes xmlns:a="http://schemas.openxmlformats.org/drawingml/2006/main" xmlns:r="http://schemas.openxmlformats.org/officeDocument/2006/relationships" xmlns:mc="http://schemas.openxmlformats.org/markup-compatibility/2006" xmlns:mv="urn:schemas-microsoft-com:mac:vml" xmlns:p="http://schemas.openxmlformats.org/presentationml/2006/main" xmlns:c="http://schemas.openxmlformats.org/drawingml/2006/chart" xmlns:dgm="http://schemas.openxmlformats.org/drawingml/2006/diagram" xmlns:o="urn:schemas-microsoft-com:office:office" xmlns:v="urn:schemas-microsoft-com:vml" xmlns:pvml="urn:schemas-microsoft-com:office:powerpoint" xmlns:com="http://schemas.openxmlformats.org/drawingml/2006/compatibility" xmlns:p14="http://schemas.microsoft.com/office/powerpoint/2010/main" xmlns:p15="http://schemas.microsoft.com/office/powerpoint/2012/main" xmlns:ahyp="http://schemas.microsoft.com/office/drawing/2018/hyperlinkcolor" showMasterPhAnim="0" showMasterSp="0">
+<p:notes xmlns:a="http://schemas.openxmlformats.org/drawingml/2006/main" xmlns:r="http://schemas.openxmlformats.org/officeDocument/2006/relationships" xmlns:p="http://schemas.openxmlformats.org/presentationml/2006/main" showMasterSp="0" showMasterPhAnim="0">
   <p:cSld>
     <p:spTree>
       <p:nvGrpSpPr>
-        <p:cNvPr id="56" name="Shape 56"/>
+        <p:cNvPr id="1" name="Shape 56"/>
         <p:cNvGrpSpPr/>
         <p:nvPr/>
       </p:nvGrpSpPr>
@@ -2086,9 +2156,11 @@
       <p:sp>
         <p:nvSpPr>
           <p:cNvPr id="57" name="Google Shape;57;g140633800bd_0_10:notes"/>
-          <p:cNvSpPr/>
+          <p:cNvSpPr>
+            <a:spLocks noGrp="1" noRot="1" noChangeAspect="1"/>
+          </p:cNvSpPr>
           <p:nvPr>
-            <p:ph idx="2" type="sldImg"/>
+            <p:ph type="sldImg" idx="2"/>
           </p:nvPr>
         </p:nvSpPr>
         <p:spPr>
@@ -2097,9 +2169,13 @@
             <a:ext cx="6096000" cy="3429000"/>
           </a:xfrm>
           <a:custGeom>
-            <a:rect b="b" l="l" r="r" t="t"/>
+            <a:avLst/>
+            <a:gdLst/>
+            <a:ahLst/>
+            <a:cxnLst/>
+            <a:rect l="l" t="t" r="r" b="b"/>
             <a:pathLst>
-              <a:path extrusionOk="0" h="120000" w="120000">
+              <a:path w="120000" h="120000" extrusionOk="0">
                 <a:moveTo>
                   <a:pt x="0" y="0"/>
                 </a:moveTo>
@@ -2121,9 +2197,11 @@
       <p:sp>
         <p:nvSpPr>
           <p:cNvPr id="58" name="Google Shape;58;g140633800bd_0_10:notes"/>
-          <p:cNvSpPr txBox="1"/>
+          <p:cNvSpPr txBox="1">
+            <a:spLocks noGrp="1"/>
+          </p:cNvSpPr>
           <p:nvPr>
-            <p:ph idx="1" type="body"/>
+            <p:ph type="body" idx="1"/>
           </p:nvPr>
         </p:nvSpPr>
         <p:spPr>
@@ -2136,12 +2214,12 @@
           </a:prstGeom>
         </p:spPr>
         <p:txBody>
-          <a:bodyPr anchorCtr="0" anchor="t" bIns="91425" lIns="91425" spcFirstLastPara="1" rIns="91425" wrap="square" tIns="91425">
+          <a:bodyPr spcFirstLastPara="1" wrap="square" lIns="91425" tIns="91425" rIns="91425" bIns="91425" anchor="t" anchorCtr="0">
             <a:noAutofit/>
           </a:bodyPr>
           <a:lstStyle/>
           <a:p>
-            <a:pPr indent="0" lvl="0" marL="0" rtl="0" algn="l">
+            <a:pPr marL="0" lvl="0" indent="0" algn="l" rtl="0">
               <a:spcBef>
                 <a:spcPts val="0"/>
               </a:spcBef>
@@ -2157,7 +2235,7 @@
             <a:endParaRPr/>
           </a:p>
           <a:p>
-            <a:pPr indent="0" lvl="0" marL="0" rtl="0" algn="l">
+            <a:pPr marL="0" lvl="0" indent="0" algn="l" rtl="0">
               <a:spcBef>
                 <a:spcPts val="0"/>
               </a:spcBef>
@@ -2181,7 +2259,7 @@
             <a:endParaRPr/>
           </a:p>
           <a:p>
-            <a:pPr indent="0" lvl="0" marL="0" rtl="0" algn="l">
+            <a:pPr marL="0" lvl="0" indent="0" algn="l" rtl="0">
               <a:spcBef>
                 <a:spcPts val="0"/>
               </a:spcBef>
@@ -2197,7 +2275,7 @@
             <a:endParaRPr/>
           </a:p>
           <a:p>
-            <a:pPr indent="-298450" lvl="0" marL="457200" rtl="0" algn="l">
+            <a:pPr marL="457200" lvl="0" indent="-298450" algn="l" rtl="0">
               <a:spcBef>
                 <a:spcPts val="0"/>
               </a:spcBef>
@@ -2214,7 +2292,7 @@
             <a:endParaRPr/>
           </a:p>
           <a:p>
-            <a:pPr indent="-298450" lvl="0" marL="457200" rtl="0" algn="l">
+            <a:pPr marL="457200" lvl="0" indent="-298450" algn="l" rtl="0">
               <a:spcBef>
                 <a:spcPts val="0"/>
               </a:spcBef>
@@ -2231,7 +2309,7 @@
             <a:endParaRPr/>
           </a:p>
           <a:p>
-            <a:pPr indent="0" lvl="0" marL="0" rtl="0" algn="l">
+            <a:pPr marL="0" lvl="0" indent="0" algn="l" rtl="0">
               <a:spcBef>
                 <a:spcPts val="0"/>
               </a:spcBef>
@@ -2257,11 +2335,11 @@
 </file>
 
 <file path=ppt/notesSlides/notesSlide3.xml><?xml version="1.0" encoding="utf-8"?>
-<p:notes xmlns:a="http://schemas.openxmlformats.org/drawingml/2006/main" xmlns:r="http://schemas.openxmlformats.org/officeDocument/2006/relationships" xmlns:mc="http://schemas.openxmlformats.org/markup-compatibility/2006" xmlns:mv="urn:schemas-microsoft-com:mac:vml" xmlns:p="http://schemas.openxmlformats.org/presentationml/2006/main" xmlns:c="http://schemas.openxmlformats.org/drawingml/2006/chart" xmlns:dgm="http://schemas.openxmlformats.org/drawingml/2006/diagram" xmlns:o="urn:schemas-microsoft-com:office:office" xmlns:v="urn:schemas-microsoft-com:vml" xmlns:pvml="urn:schemas-microsoft-com:office:powerpoint" xmlns:com="http://schemas.openxmlformats.org/drawingml/2006/compatibility" xmlns:p14="http://schemas.microsoft.com/office/powerpoint/2010/main" xmlns:p15="http://schemas.microsoft.com/office/powerpoint/2012/main" xmlns:ahyp="http://schemas.microsoft.com/office/drawing/2018/hyperlinkcolor" showMasterPhAnim="0" showMasterSp="0">
+<p:notes xmlns:a="http://schemas.openxmlformats.org/drawingml/2006/main" xmlns:r="http://schemas.openxmlformats.org/officeDocument/2006/relationships" xmlns:p="http://schemas.openxmlformats.org/presentationml/2006/main" showMasterSp="0" showMasterPhAnim="0">
   <p:cSld>
     <p:spTree>
       <p:nvGrpSpPr>
-        <p:cNvPr id="62" name="Shape 62"/>
+        <p:cNvPr id="1" name="Shape 62"/>
         <p:cNvGrpSpPr/>
         <p:nvPr/>
       </p:nvGrpSpPr>
@@ -2276,9 +2354,11 @@
       <p:sp>
         <p:nvSpPr>
           <p:cNvPr id="63" name="Google Shape;63;g140633800bd_0_15:notes"/>
-          <p:cNvSpPr/>
+          <p:cNvSpPr>
+            <a:spLocks noGrp="1" noRot="1" noChangeAspect="1"/>
+          </p:cNvSpPr>
           <p:nvPr>
-            <p:ph idx="2" type="sldImg"/>
+            <p:ph type="sldImg" idx="2"/>
           </p:nvPr>
         </p:nvSpPr>
         <p:spPr>
@@ -2287,9 +2367,13 @@
             <a:ext cx="6096000" cy="3429000"/>
           </a:xfrm>
           <a:custGeom>
-            <a:rect b="b" l="l" r="r" t="t"/>
+            <a:avLst/>
+            <a:gdLst/>
+            <a:ahLst/>
+            <a:cxnLst/>
+            <a:rect l="l" t="t" r="r" b="b"/>
             <a:pathLst>
-              <a:path extrusionOk="0" h="120000" w="120000">
+              <a:path w="120000" h="120000" extrusionOk="0">
                 <a:moveTo>
                   <a:pt x="0" y="0"/>
                 </a:moveTo>
@@ -2311,9 +2395,11 @@
       <p:sp>
         <p:nvSpPr>
           <p:cNvPr id="64" name="Google Shape;64;g140633800bd_0_15:notes"/>
-          <p:cNvSpPr txBox="1"/>
+          <p:cNvSpPr txBox="1">
+            <a:spLocks noGrp="1"/>
+          </p:cNvSpPr>
           <p:nvPr>
-            <p:ph idx="1" type="body"/>
+            <p:ph type="body" idx="1"/>
           </p:nvPr>
         </p:nvSpPr>
         <p:spPr>
@@ -2326,12 +2412,12 @@
           </a:prstGeom>
         </p:spPr>
         <p:txBody>
-          <a:bodyPr anchorCtr="0" anchor="t" bIns="91425" lIns="91425" spcFirstLastPara="1" rIns="91425" wrap="square" tIns="91425">
+          <a:bodyPr spcFirstLastPara="1" wrap="square" lIns="91425" tIns="91425" rIns="91425" bIns="91425" anchor="t" anchorCtr="0">
             <a:noAutofit/>
           </a:bodyPr>
           <a:lstStyle/>
           <a:p>
-            <a:pPr indent="0" lvl="0" marL="0" rtl="0" algn="l">
+            <a:pPr marL="0" lvl="0" indent="0" algn="l" rtl="0">
               <a:spcBef>
                 <a:spcPts val="0"/>
               </a:spcBef>
@@ -2360,7 +2446,7 @@
             </a:endParaRPr>
           </a:p>
           <a:p>
-            <a:pPr indent="0" lvl="0" marL="0" rtl="0" algn="l">
+            <a:pPr marL="0" lvl="0" indent="0" algn="l" rtl="0">
               <a:spcBef>
                 <a:spcPts val="0"/>
               </a:spcBef>
@@ -2389,7 +2475,7 @@
             </a:endParaRPr>
           </a:p>
           <a:p>
-            <a:pPr indent="0" lvl="0" marL="0" rtl="0" algn="l">
+            <a:pPr marL="0" lvl="0" indent="0" algn="l" rtl="0">
               <a:spcBef>
                 <a:spcPts val="0"/>
               </a:spcBef>
@@ -2413,7 +2499,7 @@
             </a:endParaRPr>
           </a:p>
           <a:p>
-            <a:pPr indent="0" lvl="0" marL="0" rtl="0" algn="l">
+            <a:pPr marL="0" lvl="0" indent="0" algn="l" rtl="0">
               <a:spcBef>
                 <a:spcPts val="0"/>
               </a:spcBef>
@@ -2437,7 +2523,7 @@
             </a:endParaRPr>
           </a:p>
           <a:p>
-            <a:pPr indent="-298450" lvl="0" marL="457200" rtl="0" algn="l">
+            <a:pPr marL="457200" lvl="0" indent="-298450" algn="l" rtl="0">
               <a:spcBef>
                 <a:spcPts val="0"/>
               </a:spcBef>
@@ -2465,7 +2551,7 @@
             </a:endParaRPr>
           </a:p>
           <a:p>
-            <a:pPr indent="0" lvl="0" marL="0" rtl="0" algn="l">
+            <a:pPr marL="0" lvl="0" indent="0" algn="l" rtl="0">
               <a:spcBef>
                 <a:spcPts val="0"/>
               </a:spcBef>
@@ -2500,11 +2586,11 @@
 </file>
 
 <file path=ppt/notesSlides/notesSlide4.xml><?xml version="1.0" encoding="utf-8"?>
-<p:notes xmlns:a="http://schemas.openxmlformats.org/drawingml/2006/main" xmlns:r="http://schemas.openxmlformats.org/officeDocument/2006/relationships" xmlns:mc="http://schemas.openxmlformats.org/markup-compatibility/2006" xmlns:mv="urn:schemas-microsoft-com:mac:vml" xmlns:p="http://schemas.openxmlformats.org/presentationml/2006/main" xmlns:c="http://schemas.openxmlformats.org/drawingml/2006/chart" xmlns:dgm="http://schemas.openxmlformats.org/drawingml/2006/diagram" xmlns:o="urn:schemas-microsoft-com:office:office" xmlns:v="urn:schemas-microsoft-com:vml" xmlns:pvml="urn:schemas-microsoft-com:office:powerpoint" xmlns:com="http://schemas.openxmlformats.org/drawingml/2006/compatibility" xmlns:p14="http://schemas.microsoft.com/office/powerpoint/2010/main" xmlns:p15="http://schemas.microsoft.com/office/powerpoint/2012/main" xmlns:ahyp="http://schemas.microsoft.com/office/drawing/2018/hyperlinkcolor" showMasterPhAnim="0" showMasterSp="0">
+<p:notes xmlns:a="http://schemas.openxmlformats.org/drawingml/2006/main" xmlns:r="http://schemas.openxmlformats.org/officeDocument/2006/relationships" xmlns:p="http://schemas.openxmlformats.org/presentationml/2006/main" showMasterSp="0" showMasterPhAnim="0">
   <p:cSld>
     <p:spTree>
       <p:nvGrpSpPr>
-        <p:cNvPr id="68" name="Shape 68"/>
+        <p:cNvPr id="1" name="Shape 68"/>
         <p:cNvGrpSpPr/>
         <p:nvPr/>
       </p:nvGrpSpPr>
@@ -2519,9 +2605,11 @@
       <p:sp>
         <p:nvSpPr>
           <p:cNvPr id="69" name="Google Shape;69;g1434c43d1f7_0_3:notes"/>
-          <p:cNvSpPr/>
+          <p:cNvSpPr>
+            <a:spLocks noGrp="1" noRot="1" noChangeAspect="1"/>
+          </p:cNvSpPr>
           <p:nvPr>
-            <p:ph idx="2" type="sldImg"/>
+            <p:ph type="sldImg" idx="2"/>
           </p:nvPr>
         </p:nvSpPr>
         <p:spPr>
@@ -2530,9 +2618,13 @@
             <a:ext cx="6096000" cy="3429000"/>
           </a:xfrm>
           <a:custGeom>
-            <a:rect b="b" l="l" r="r" t="t"/>
+            <a:avLst/>
+            <a:gdLst/>
+            <a:ahLst/>
+            <a:cxnLst/>
+            <a:rect l="l" t="t" r="r" b="b"/>
             <a:pathLst>
-              <a:path extrusionOk="0" h="120000" w="120000">
+              <a:path w="120000" h="120000" extrusionOk="0">
                 <a:moveTo>
                   <a:pt x="0" y="0"/>
                 </a:moveTo>
@@ -2554,9 +2646,11 @@
       <p:sp>
         <p:nvSpPr>
           <p:cNvPr id="70" name="Google Shape;70;g1434c43d1f7_0_3:notes"/>
-          <p:cNvSpPr txBox="1"/>
+          <p:cNvSpPr txBox="1">
+            <a:spLocks noGrp="1"/>
+          </p:cNvSpPr>
           <p:nvPr>
-            <p:ph idx="1" type="body"/>
+            <p:ph type="body" idx="1"/>
           </p:nvPr>
         </p:nvSpPr>
         <p:spPr>
@@ -2569,12 +2663,12 @@
           </a:prstGeom>
         </p:spPr>
         <p:txBody>
-          <a:bodyPr anchorCtr="0" anchor="t" bIns="91425" lIns="91425" spcFirstLastPara="1" rIns="91425" wrap="square" tIns="91425">
+          <a:bodyPr spcFirstLastPara="1" wrap="square" lIns="91425" tIns="91425" rIns="91425" bIns="91425" anchor="t" anchorCtr="0">
             <a:noAutofit/>
           </a:bodyPr>
           <a:lstStyle/>
           <a:p>
-            <a:pPr indent="0" lvl="0" marL="0" rtl="0" algn="l">
+            <a:pPr marL="0" lvl="0" indent="0" algn="l" rtl="0">
               <a:spcBef>
                 <a:spcPts val="0"/>
               </a:spcBef>
@@ -2603,7 +2697,7 @@
             </a:endParaRPr>
           </a:p>
           <a:p>
-            <a:pPr indent="0" lvl="0" marL="0" rtl="0" algn="l">
+            <a:pPr marL="0" lvl="0" indent="0" algn="l" rtl="0">
               <a:spcBef>
                 <a:spcPts val="0"/>
               </a:spcBef>
@@ -2632,7 +2726,7 @@
             </a:endParaRPr>
           </a:p>
           <a:p>
-            <a:pPr indent="0" lvl="0" marL="0" rtl="0" algn="l">
+            <a:pPr marL="0" lvl="0" indent="0" algn="l" rtl="0">
               <a:spcBef>
                 <a:spcPts val="0"/>
               </a:spcBef>
@@ -2661,7 +2755,7 @@
             </a:endParaRPr>
           </a:p>
           <a:p>
-            <a:pPr indent="0" lvl="0" marL="0" rtl="0" algn="l">
+            <a:pPr marL="0" lvl="0" indent="0" algn="l" rtl="0">
               <a:spcBef>
                 <a:spcPts val="0"/>
               </a:spcBef>
@@ -2690,7 +2784,7 @@
             </a:endParaRPr>
           </a:p>
           <a:p>
-            <a:pPr indent="0" lvl="0" marL="0" rtl="0" algn="l">
+            <a:pPr marL="0" lvl="0" indent="0" algn="l" rtl="0">
               <a:spcBef>
                 <a:spcPts val="0"/>
               </a:spcBef>
@@ -2714,7 +2808,7 @@
             </a:endParaRPr>
           </a:p>
           <a:p>
-            <a:pPr indent="0" lvl="0" marL="0" rtl="0" algn="l">
+            <a:pPr marL="0" lvl="0" indent="0" algn="l" rtl="0">
               <a:spcBef>
                 <a:spcPts val="0"/>
               </a:spcBef>
@@ -2753,11 +2847,11 @@
 </file>
 
 <file path=ppt/notesSlides/notesSlide5.xml><?xml version="1.0" encoding="utf-8"?>
-<p:notes xmlns:a="http://schemas.openxmlformats.org/drawingml/2006/main" xmlns:r="http://schemas.openxmlformats.org/officeDocument/2006/relationships" xmlns:mc="http://schemas.openxmlformats.org/markup-compatibility/2006" xmlns:mv="urn:schemas-microsoft-com:mac:vml" xmlns:p="http://schemas.openxmlformats.org/presentationml/2006/main" xmlns:c="http://schemas.openxmlformats.org/drawingml/2006/chart" xmlns:dgm="http://schemas.openxmlformats.org/drawingml/2006/diagram" xmlns:o="urn:schemas-microsoft-com:office:office" xmlns:v="urn:schemas-microsoft-com:vml" xmlns:pvml="urn:schemas-microsoft-com:office:powerpoint" xmlns:com="http://schemas.openxmlformats.org/drawingml/2006/compatibility" xmlns:p14="http://schemas.microsoft.com/office/powerpoint/2010/main" xmlns:p15="http://schemas.microsoft.com/office/powerpoint/2012/main" xmlns:ahyp="http://schemas.microsoft.com/office/drawing/2018/hyperlinkcolor" showMasterPhAnim="0" showMasterSp="0">
+<p:notes xmlns:a="http://schemas.openxmlformats.org/drawingml/2006/main" xmlns:r="http://schemas.openxmlformats.org/officeDocument/2006/relationships" xmlns:p="http://schemas.openxmlformats.org/presentationml/2006/main" showMasterSp="0" showMasterPhAnim="0">
   <p:cSld>
     <p:spTree>
       <p:nvGrpSpPr>
-        <p:cNvPr id="74" name="Shape 74"/>
+        <p:cNvPr id="1" name="Shape 74"/>
         <p:cNvGrpSpPr/>
         <p:nvPr/>
       </p:nvGrpSpPr>
@@ -2772,9 +2866,11 @@
       <p:sp>
         <p:nvSpPr>
           <p:cNvPr id="75" name="Google Shape;75;g1454ed55b47_0_0:notes"/>
-          <p:cNvSpPr/>
+          <p:cNvSpPr>
+            <a:spLocks noGrp="1" noRot="1" noChangeAspect="1"/>
+          </p:cNvSpPr>
           <p:nvPr>
-            <p:ph idx="2" type="sldImg"/>
+            <p:ph type="sldImg" idx="2"/>
           </p:nvPr>
         </p:nvSpPr>
         <p:spPr>
@@ -2783,9 +2879,13 @@
             <a:ext cx="6096000" cy="3429000"/>
           </a:xfrm>
           <a:custGeom>
-            <a:rect b="b" l="l" r="r" t="t"/>
+            <a:avLst/>
+            <a:gdLst/>
+            <a:ahLst/>
+            <a:cxnLst/>
+            <a:rect l="l" t="t" r="r" b="b"/>
             <a:pathLst>
-              <a:path extrusionOk="0" h="120000" w="120000">
+              <a:path w="120000" h="120000" extrusionOk="0">
                 <a:moveTo>
                   <a:pt x="0" y="0"/>
                 </a:moveTo>
@@ -2807,9 +2907,11 @@
       <p:sp>
         <p:nvSpPr>
           <p:cNvPr id="76" name="Google Shape;76;g1454ed55b47_0_0:notes"/>
-          <p:cNvSpPr txBox="1"/>
+          <p:cNvSpPr txBox="1">
+            <a:spLocks noGrp="1"/>
+          </p:cNvSpPr>
           <p:nvPr>
-            <p:ph idx="1" type="body"/>
+            <p:ph type="body" idx="1"/>
           </p:nvPr>
         </p:nvSpPr>
         <p:spPr>
@@ -2822,23 +2924,20 @@
           </a:prstGeom>
         </p:spPr>
         <p:txBody>
-          <a:bodyPr anchorCtr="0" anchor="t" bIns="91425" lIns="91425" spcFirstLastPara="1" rIns="91425" wrap="square" tIns="91425">
+          <a:bodyPr spcFirstLastPara="1" wrap="square" lIns="91425" tIns="91425" rIns="91425" bIns="91425" anchor="t" anchorCtr="0">
             <a:noAutofit/>
           </a:bodyPr>
           <a:lstStyle/>
           <a:p>
-            <a:pPr indent="0" lvl="0" marL="0" rtl="0" algn="l">
-              <a:spcBef>
-                <a:spcPts val="0"/>
-              </a:spcBef>
-              <a:spcAft>
-                <a:spcPts val="0"/>
-              </a:spcAft>
-              <a:buNone/>
-            </a:pPr>
-            <a:r>
-              <a:t/>
-            </a:r>
+            <a:pPr marL="0" lvl="0" indent="0" algn="l" rtl="0">
+              <a:spcBef>
+                <a:spcPts val="0"/>
+              </a:spcBef>
+              <a:spcAft>
+                <a:spcPts val="0"/>
+              </a:spcAft>
+              <a:buNone/>
+            </a:pPr>
             <a:endParaRPr/>
           </a:p>
         </p:txBody>
@@ -2852,11 +2951,11 @@
 </file>
 
 <file path=ppt/notesSlides/notesSlide6.xml><?xml version="1.0" encoding="utf-8"?>
-<p:notes xmlns:a="http://schemas.openxmlformats.org/drawingml/2006/main" xmlns:r="http://schemas.openxmlformats.org/officeDocument/2006/relationships" xmlns:mc="http://schemas.openxmlformats.org/markup-compatibility/2006" xmlns:mv="urn:schemas-microsoft-com:mac:vml" xmlns:p="http://schemas.openxmlformats.org/presentationml/2006/main" xmlns:c="http://schemas.openxmlformats.org/drawingml/2006/chart" xmlns:dgm="http://schemas.openxmlformats.org/drawingml/2006/diagram" xmlns:o="urn:schemas-microsoft-com:office:office" xmlns:v="urn:schemas-microsoft-com:vml" xmlns:pvml="urn:schemas-microsoft-com:office:powerpoint" xmlns:com="http://schemas.openxmlformats.org/drawingml/2006/compatibility" xmlns:p14="http://schemas.microsoft.com/office/powerpoint/2010/main" xmlns:p15="http://schemas.microsoft.com/office/powerpoint/2012/main" xmlns:ahyp="http://schemas.microsoft.com/office/drawing/2018/hyperlinkcolor" showMasterPhAnim="0" showMasterSp="0">
+<p:notes xmlns:a="http://schemas.openxmlformats.org/drawingml/2006/main" xmlns:r="http://schemas.openxmlformats.org/officeDocument/2006/relationships" xmlns:p="http://schemas.openxmlformats.org/presentationml/2006/main" showMasterSp="0" showMasterPhAnim="0">
   <p:cSld>
     <p:spTree>
       <p:nvGrpSpPr>
-        <p:cNvPr id="80" name="Shape 80"/>
+        <p:cNvPr id="1" name="Shape 80"/>
         <p:cNvGrpSpPr/>
         <p:nvPr/>
       </p:nvGrpSpPr>
@@ -2871,9 +2970,11 @@
       <p:sp>
         <p:nvSpPr>
           <p:cNvPr id="81" name="Google Shape;81;g140633800bd_0_0:notes"/>
-          <p:cNvSpPr/>
+          <p:cNvSpPr>
+            <a:spLocks noGrp="1" noRot="1" noChangeAspect="1"/>
+          </p:cNvSpPr>
           <p:nvPr>
-            <p:ph idx="2" type="sldImg"/>
+            <p:ph type="sldImg" idx="2"/>
           </p:nvPr>
         </p:nvSpPr>
         <p:spPr>
@@ -2882,9 +2983,13 @@
             <a:ext cx="6096000" cy="3429000"/>
           </a:xfrm>
           <a:custGeom>
-            <a:rect b="b" l="l" r="r" t="t"/>
+            <a:avLst/>
+            <a:gdLst/>
+            <a:ahLst/>
+            <a:cxnLst/>
+            <a:rect l="l" t="t" r="r" b="b"/>
             <a:pathLst>
-              <a:path extrusionOk="0" h="120000" w="120000">
+              <a:path w="120000" h="120000" extrusionOk="0">
                 <a:moveTo>
                   <a:pt x="0" y="0"/>
                 </a:moveTo>
@@ -2906,9 +3011,11 @@
       <p:sp>
         <p:nvSpPr>
           <p:cNvPr id="82" name="Google Shape;82;g140633800bd_0_0:notes"/>
-          <p:cNvSpPr txBox="1"/>
+          <p:cNvSpPr txBox="1">
+            <a:spLocks noGrp="1"/>
+          </p:cNvSpPr>
           <p:nvPr>
-            <p:ph idx="1" type="body"/>
+            <p:ph type="body" idx="1"/>
           </p:nvPr>
         </p:nvSpPr>
         <p:spPr>
@@ -2921,12 +3028,12 @@
           </a:prstGeom>
         </p:spPr>
         <p:txBody>
-          <a:bodyPr anchorCtr="0" anchor="t" bIns="91425" lIns="91425" spcFirstLastPara="1" rIns="91425" wrap="square" tIns="91425">
+          <a:bodyPr spcFirstLastPara="1" wrap="square" lIns="91425" tIns="91425" rIns="91425" bIns="91425" anchor="t" anchorCtr="0">
             <a:noAutofit/>
           </a:bodyPr>
           <a:lstStyle/>
           <a:p>
-            <a:pPr indent="0" lvl="0" marL="0" rtl="0" algn="l">
+            <a:pPr marL="0" lvl="0" indent="0" algn="l" rtl="0">
               <a:spcBef>
                 <a:spcPts val="0"/>
               </a:spcBef>
@@ -2955,7 +3062,7 @@
             </a:endParaRPr>
           </a:p>
           <a:p>
-            <a:pPr indent="0" lvl="0" marL="0" rtl="0" algn="l">
+            <a:pPr marL="0" lvl="0" indent="0" algn="l" rtl="0">
               <a:spcBef>
                 <a:spcPts val="0"/>
               </a:spcBef>
@@ -2984,7 +3091,7 @@
             </a:endParaRPr>
           </a:p>
           <a:p>
-            <a:pPr indent="0" lvl="0" marL="0" rtl="0" algn="l">
+            <a:pPr marL="0" lvl="0" indent="0" algn="l" rtl="0">
               <a:spcBef>
                 <a:spcPts val="0"/>
               </a:spcBef>
@@ -3013,7 +3120,7 @@
             </a:endParaRPr>
           </a:p>
           <a:p>
-            <a:pPr indent="0" lvl="0" marL="0" rtl="0" algn="l">
+            <a:pPr marL="0" lvl="0" indent="0" algn="l" rtl="0">
               <a:spcBef>
                 <a:spcPts val="0"/>
               </a:spcBef>
@@ -3042,7 +3149,7 @@
             </a:endParaRPr>
           </a:p>
           <a:p>
-            <a:pPr indent="0" lvl="0" marL="0" rtl="0" algn="l">
+            <a:pPr marL="0" lvl="0" indent="0" algn="l" rtl="0">
               <a:spcBef>
                 <a:spcPts val="0"/>
               </a:spcBef>
@@ -3071,7 +3178,7 @@
             </a:endParaRPr>
           </a:p>
           <a:p>
-            <a:pPr indent="0" lvl="0" marL="0" rtl="0" algn="l">
+            <a:pPr marL="0" lvl="0" indent="0" algn="l" rtl="0">
               <a:spcBef>
                 <a:spcPts val="0"/>
               </a:spcBef>
@@ -3106,11 +3213,11 @@
 </file>
 
 <file path=ppt/notesSlides/notesSlide7.xml><?xml version="1.0" encoding="utf-8"?>
-<p:notes xmlns:a="http://schemas.openxmlformats.org/drawingml/2006/main" xmlns:r="http://schemas.openxmlformats.org/officeDocument/2006/relationships" xmlns:mc="http://schemas.openxmlformats.org/markup-compatibility/2006" xmlns:mv="urn:schemas-microsoft-com:mac:vml" xmlns:p="http://schemas.openxmlformats.org/presentationml/2006/main" xmlns:c="http://schemas.openxmlformats.org/drawingml/2006/chart" xmlns:dgm="http://schemas.openxmlformats.org/drawingml/2006/diagram" xmlns:o="urn:schemas-microsoft-com:office:office" xmlns:v="urn:schemas-microsoft-com:vml" xmlns:pvml="urn:schemas-microsoft-com:office:powerpoint" xmlns:com="http://schemas.openxmlformats.org/drawingml/2006/compatibility" xmlns:p14="http://schemas.microsoft.com/office/powerpoint/2010/main" xmlns:p15="http://schemas.microsoft.com/office/powerpoint/2012/main" xmlns:ahyp="http://schemas.microsoft.com/office/drawing/2018/hyperlinkcolor" showMasterPhAnim="0" showMasterSp="0">
+<p:notes xmlns:a="http://schemas.openxmlformats.org/drawingml/2006/main" xmlns:r="http://schemas.openxmlformats.org/officeDocument/2006/relationships" xmlns:p="http://schemas.openxmlformats.org/presentationml/2006/main" showMasterSp="0" showMasterPhAnim="0">
   <p:cSld>
     <p:spTree>
       <p:nvGrpSpPr>
-        <p:cNvPr id="86" name="Shape 86"/>
+        <p:cNvPr id="1" name="Shape 86"/>
         <p:cNvGrpSpPr/>
         <p:nvPr/>
       </p:nvGrpSpPr>
@@ -3125,9 +3232,11 @@
       <p:sp>
         <p:nvSpPr>
           <p:cNvPr id="87" name="Google Shape;87;g144da1e7bd5_0_12:notes"/>
-          <p:cNvSpPr/>
+          <p:cNvSpPr>
+            <a:spLocks noGrp="1" noRot="1" noChangeAspect="1"/>
+          </p:cNvSpPr>
           <p:nvPr>
-            <p:ph idx="2" type="sldImg"/>
+            <p:ph type="sldImg" idx="2"/>
           </p:nvPr>
         </p:nvSpPr>
         <p:spPr>
@@ -3136,9 +3245,13 @@
             <a:ext cx="6096000" cy="3429000"/>
           </a:xfrm>
           <a:custGeom>
-            <a:rect b="b" l="l" r="r" t="t"/>
+            <a:avLst/>
+            <a:gdLst/>
+            <a:ahLst/>
+            <a:cxnLst/>
+            <a:rect l="l" t="t" r="r" b="b"/>
             <a:pathLst>
-              <a:path extrusionOk="0" h="120000" w="120000">
+              <a:path w="120000" h="120000" extrusionOk="0">
                 <a:moveTo>
                   <a:pt x="0" y="0"/>
                 </a:moveTo>
@@ -3160,9 +3273,11 @@
       <p:sp>
         <p:nvSpPr>
           <p:cNvPr id="88" name="Google Shape;88;g144da1e7bd5_0_12:notes"/>
-          <p:cNvSpPr txBox="1"/>
+          <p:cNvSpPr txBox="1">
+            <a:spLocks noGrp="1"/>
+          </p:cNvSpPr>
           <p:nvPr>
-            <p:ph idx="1" type="body"/>
+            <p:ph type="body" idx="1"/>
           </p:nvPr>
         </p:nvSpPr>
         <p:spPr>
@@ -3175,23 +3290,20 @@
           </a:prstGeom>
         </p:spPr>
         <p:txBody>
-          <a:bodyPr anchorCtr="0" anchor="t" bIns="91425" lIns="91425" spcFirstLastPara="1" rIns="91425" wrap="square" tIns="91425">
+          <a:bodyPr spcFirstLastPara="1" wrap="square" lIns="91425" tIns="91425" rIns="91425" bIns="91425" anchor="t" anchorCtr="0">
             <a:noAutofit/>
           </a:bodyPr>
           <a:lstStyle/>
           <a:p>
-            <a:pPr indent="0" lvl="0" marL="0" rtl="0" algn="l">
-              <a:spcBef>
-                <a:spcPts val="0"/>
-              </a:spcBef>
-              <a:spcAft>
-                <a:spcPts val="0"/>
-              </a:spcAft>
-              <a:buNone/>
-            </a:pPr>
-            <a:r>
-              <a:t/>
-            </a:r>
+            <a:pPr marL="0" lvl="0" indent="0" algn="l" rtl="0">
+              <a:spcBef>
+                <a:spcPts val="0"/>
+              </a:spcBef>
+              <a:spcAft>
+                <a:spcPts val="0"/>
+              </a:spcAft>
+              <a:buNone/>
+            </a:pPr>
             <a:endParaRPr/>
           </a:p>
         </p:txBody>
@@ -3205,11 +3317,11 @@
 </file>
 
 <file path=ppt/notesSlides/notesSlide8.xml><?xml version="1.0" encoding="utf-8"?>
-<p:notes xmlns:a="http://schemas.openxmlformats.org/drawingml/2006/main" xmlns:r="http://schemas.openxmlformats.org/officeDocument/2006/relationships" xmlns:mc="http://schemas.openxmlformats.org/markup-compatibility/2006" xmlns:mv="urn:schemas-microsoft-com:mac:vml" xmlns:p="http://schemas.openxmlformats.org/presentationml/2006/main" xmlns:c="http://schemas.openxmlformats.org/drawingml/2006/chart" xmlns:dgm="http://schemas.openxmlformats.org/drawingml/2006/diagram" xmlns:o="urn:schemas-microsoft-com:office:office" xmlns:v="urn:schemas-microsoft-com:vml" xmlns:pvml="urn:schemas-microsoft-com:office:powerpoint" xmlns:com="http://schemas.openxmlformats.org/drawingml/2006/compatibility" xmlns:p14="http://schemas.microsoft.com/office/powerpoint/2010/main" xmlns:p15="http://schemas.microsoft.com/office/powerpoint/2012/main" xmlns:ahyp="http://schemas.microsoft.com/office/drawing/2018/hyperlinkcolor" showMasterPhAnim="0" showMasterSp="0">
+<p:notes xmlns:a="http://schemas.openxmlformats.org/drawingml/2006/main" xmlns:r="http://schemas.openxmlformats.org/officeDocument/2006/relationships" xmlns:p="http://schemas.openxmlformats.org/presentationml/2006/main" showMasterSp="0" showMasterPhAnim="0">
   <p:cSld>
     <p:spTree>
       <p:nvGrpSpPr>
-        <p:cNvPr id="91" name="Shape 91"/>
+        <p:cNvPr id="1" name="Shape 91"/>
         <p:cNvGrpSpPr/>
         <p:nvPr/>
       </p:nvGrpSpPr>
@@ -3224,9 +3336,11 @@
       <p:sp>
         <p:nvSpPr>
           <p:cNvPr id="92" name="Google Shape;92;g144da1e7bd5_0_0:notes"/>
-          <p:cNvSpPr/>
+          <p:cNvSpPr>
+            <a:spLocks noGrp="1" noRot="1" noChangeAspect="1"/>
+          </p:cNvSpPr>
           <p:nvPr>
-            <p:ph idx="2" type="sldImg"/>
+            <p:ph type="sldImg" idx="2"/>
           </p:nvPr>
         </p:nvSpPr>
         <p:spPr>
@@ -3235,9 +3349,13 @@
             <a:ext cx="6096000" cy="3429000"/>
           </a:xfrm>
           <a:custGeom>
-            <a:rect b="b" l="l" r="r" t="t"/>
+            <a:avLst/>
+            <a:gdLst/>
+            <a:ahLst/>
+            <a:cxnLst/>
+            <a:rect l="l" t="t" r="r" b="b"/>
             <a:pathLst>
-              <a:path extrusionOk="0" h="120000" w="120000">
+              <a:path w="120000" h="120000" extrusionOk="0">
                 <a:moveTo>
                   <a:pt x="0" y="0"/>
                 </a:moveTo>
@@ -3259,9 +3377,11 @@
       <p:sp>
         <p:nvSpPr>
           <p:cNvPr id="93" name="Google Shape;93;g144da1e7bd5_0_0:notes"/>
-          <p:cNvSpPr txBox="1"/>
+          <p:cNvSpPr txBox="1">
+            <a:spLocks noGrp="1"/>
+          </p:cNvSpPr>
           <p:nvPr>
-            <p:ph idx="1" type="body"/>
+            <p:ph type="body" idx="1"/>
           </p:nvPr>
         </p:nvSpPr>
         <p:spPr>
@@ -3274,23 +3394,20 @@
           </a:prstGeom>
         </p:spPr>
         <p:txBody>
-          <a:bodyPr anchorCtr="0" anchor="t" bIns="91425" lIns="91425" spcFirstLastPara="1" rIns="91425" wrap="square" tIns="91425">
+          <a:bodyPr spcFirstLastPara="1" wrap="square" lIns="91425" tIns="91425" rIns="91425" bIns="91425" anchor="t" anchorCtr="0">
             <a:noAutofit/>
           </a:bodyPr>
           <a:lstStyle/>
           <a:p>
-            <a:pPr indent="0" lvl="0" marL="0" rtl="0" algn="l">
-              <a:spcBef>
-                <a:spcPts val="0"/>
-              </a:spcBef>
-              <a:spcAft>
-                <a:spcPts val="0"/>
-              </a:spcAft>
-              <a:buNone/>
-            </a:pPr>
-            <a:r>
-              <a:t/>
-            </a:r>
+            <a:pPr marL="0" lvl="0" indent="0" algn="l" rtl="0">
+              <a:spcBef>
+                <a:spcPts val="0"/>
+              </a:spcBef>
+              <a:spcAft>
+                <a:spcPts val="0"/>
+              </a:spcAft>
+              <a:buNone/>
+            </a:pPr>
             <a:endParaRPr/>
           </a:p>
         </p:txBody>
@@ -3304,11 +3421,11 @@
 </file>
 
 <file path=ppt/notesSlides/notesSlide9.xml><?xml version="1.0" encoding="utf-8"?>
-<p:notes xmlns:a="http://schemas.openxmlformats.org/drawingml/2006/main" xmlns:r="http://schemas.openxmlformats.org/officeDocument/2006/relationships" xmlns:mc="http://schemas.openxmlformats.org/markup-compatibility/2006" xmlns:mv="urn:schemas-microsoft-com:mac:vml" xmlns:p="http://schemas.openxmlformats.org/presentationml/2006/main" xmlns:c="http://schemas.openxmlformats.org/drawingml/2006/chart" xmlns:dgm="http://schemas.openxmlformats.org/drawingml/2006/diagram" xmlns:o="urn:schemas-microsoft-com:office:office" xmlns:v="urn:schemas-microsoft-com:vml" xmlns:pvml="urn:schemas-microsoft-com:office:powerpoint" xmlns:com="http://schemas.openxmlformats.org/drawingml/2006/compatibility" xmlns:p14="http://schemas.microsoft.com/office/powerpoint/2010/main" xmlns:p15="http://schemas.microsoft.com/office/powerpoint/2012/main" xmlns:ahyp="http://schemas.microsoft.com/office/drawing/2018/hyperlinkcolor" showMasterPhAnim="0" showMasterSp="0">
+<p:notes xmlns:a="http://schemas.openxmlformats.org/drawingml/2006/main" xmlns:r="http://schemas.openxmlformats.org/officeDocument/2006/relationships" xmlns:p="http://schemas.openxmlformats.org/presentationml/2006/main" showMasterSp="0" showMasterPhAnim="0">
   <p:cSld>
     <p:spTree>
       <p:nvGrpSpPr>
-        <p:cNvPr id="96" name="Shape 96"/>
+        <p:cNvPr id="1" name="Shape 96"/>
         <p:cNvGrpSpPr/>
         <p:nvPr/>
       </p:nvGrpSpPr>
@@ -3323,9 +3440,11 @@
       <p:sp>
         <p:nvSpPr>
           <p:cNvPr id="97" name="Google Shape;97;g144da1e7bd5_0_4:notes"/>
-          <p:cNvSpPr/>
+          <p:cNvSpPr>
+            <a:spLocks noGrp="1" noRot="1" noChangeAspect="1"/>
+          </p:cNvSpPr>
           <p:nvPr>
-            <p:ph idx="2" type="sldImg"/>
+            <p:ph type="sldImg" idx="2"/>
           </p:nvPr>
         </p:nvSpPr>
         <p:spPr>
@@ -3334,9 +3453,13 @@
             <a:ext cx="6096000" cy="3429000"/>
           </a:xfrm>
           <a:custGeom>
-            <a:rect b="b" l="l" r="r" t="t"/>
+            <a:avLst/>
+            <a:gdLst/>
+            <a:ahLst/>
+            <a:cxnLst/>
+            <a:rect l="l" t="t" r="r" b="b"/>
             <a:pathLst>
-              <a:path extrusionOk="0" h="120000" w="120000">
+              <a:path w="120000" h="120000" extrusionOk="0">
                 <a:moveTo>
                   <a:pt x="0" y="0"/>
                 </a:moveTo>
@@ -3358,9 +3481,11 @@
       <p:sp>
         <p:nvSpPr>
           <p:cNvPr id="98" name="Google Shape;98;g144da1e7bd5_0_4:notes"/>
-          <p:cNvSpPr txBox="1"/>
+          <p:cNvSpPr txBox="1">
+            <a:spLocks noGrp="1"/>
+          </p:cNvSpPr>
           <p:nvPr>
-            <p:ph idx="1" type="body"/>
+            <p:ph type="body" idx="1"/>
           </p:nvPr>
         </p:nvSpPr>
         <p:spPr>
@@ -3373,23 +3498,20 @@
           </a:prstGeom>
         </p:spPr>
         <p:txBody>
-          <a:bodyPr anchorCtr="0" anchor="t" bIns="91425" lIns="91425" spcFirstLastPara="1" rIns="91425" wrap="square" tIns="91425">
+          <a:bodyPr spcFirstLastPara="1" wrap="square" lIns="91425" tIns="91425" rIns="91425" bIns="91425" anchor="t" anchorCtr="0">
             <a:noAutofit/>
           </a:bodyPr>
           <a:lstStyle/>
           <a:p>
-            <a:pPr indent="0" lvl="0" marL="0" rtl="0" algn="l">
-              <a:spcBef>
-                <a:spcPts val="0"/>
-              </a:spcBef>
-              <a:spcAft>
-                <a:spcPts val="0"/>
-              </a:spcAft>
-              <a:buNone/>
-            </a:pPr>
-            <a:r>
-              <a:t/>
-            </a:r>
+            <a:pPr marL="0" lvl="0" indent="0" algn="l" rtl="0">
+              <a:spcBef>
+                <a:spcPts val="0"/>
+              </a:spcBef>
+              <a:spcAft>
+                <a:spcPts val="0"/>
+              </a:spcAft>
+              <a:buNone/>
+            </a:pPr>
             <a:endParaRPr/>
           </a:p>
         </p:txBody>
@@ -3403,11 +3525,11 @@
 </file>
 
 <file path=ppt/slideLayouts/slideLayout1.xml><?xml version="1.0" encoding="utf-8"?>
-<p:sldLayout xmlns:a="http://schemas.openxmlformats.org/drawingml/2006/main" xmlns:r="http://schemas.openxmlformats.org/officeDocument/2006/relationships" xmlns:mc="http://schemas.openxmlformats.org/markup-compatibility/2006" xmlns:mv="urn:schemas-microsoft-com:mac:vml" xmlns:p="http://schemas.openxmlformats.org/presentationml/2006/main" xmlns:c="http://schemas.openxmlformats.org/drawingml/2006/chart" xmlns:dgm="http://schemas.openxmlformats.org/drawingml/2006/diagram" xmlns:o="urn:schemas-microsoft-com:office:office" xmlns:v="urn:schemas-microsoft-com:vml" xmlns:pvml="urn:schemas-microsoft-com:office:powerpoint" xmlns:com="http://schemas.openxmlformats.org/drawingml/2006/compatibility" xmlns:p14="http://schemas.microsoft.com/office/powerpoint/2010/main" xmlns:p15="http://schemas.microsoft.com/office/powerpoint/2012/main" xmlns:ahyp="http://schemas.microsoft.com/office/drawing/2018/hyperlinkcolor" matchingName="Title slide" type="title">
+<p:sldLayout xmlns:a="http://schemas.openxmlformats.org/drawingml/2006/main" xmlns:r="http://schemas.openxmlformats.org/officeDocument/2006/relationships" xmlns:p="http://schemas.openxmlformats.org/presentationml/2006/main" matchingName="Title slide" type="title">
   <p:cSld name="TITLE">
     <p:spTree>
       <p:nvGrpSpPr>
-        <p:cNvPr id="9" name="Shape 9"/>
+        <p:cNvPr id="1" name="Shape 9"/>
         <p:cNvGrpSpPr/>
         <p:nvPr/>
       </p:nvGrpSpPr>
@@ -3422,7 +3544,9 @@
       <p:sp>
         <p:nvSpPr>
           <p:cNvPr id="10" name="Google Shape;10;p2"/>
-          <p:cNvSpPr txBox="1"/>
+          <p:cNvSpPr txBox="1">
+            <a:spLocks noGrp="1"/>
+          </p:cNvSpPr>
           <p:nvPr>
             <p:ph type="ctrTitle"/>
           </p:nvPr>
@@ -3437,7 +3561,7 @@
           </a:prstGeom>
         </p:spPr>
         <p:txBody>
-          <a:bodyPr anchorCtr="0" anchor="b" bIns="91425" lIns="91425" spcFirstLastPara="1" rIns="91425" wrap="square" tIns="91425">
+          <a:bodyPr spcFirstLastPara="1" wrap="square" lIns="91425" tIns="91425" rIns="91425" bIns="91425" anchor="b" anchorCtr="0">
             <a:normAutofit/>
           </a:bodyPr>
           <a:lstStyle>
@@ -3541,15 +3665,19 @@
               <a:defRPr sz="5200"/>
             </a:lvl9pPr>
           </a:lstStyle>
-          <a:p/>
+          <a:p>
+            <a:endParaRPr/>
+          </a:p>
         </p:txBody>
       </p:sp>
       <p:sp>
         <p:nvSpPr>
           <p:cNvPr id="11" name="Google Shape;11;p2"/>
-          <p:cNvSpPr txBox="1"/>
+          <p:cNvSpPr txBox="1">
+            <a:spLocks noGrp="1"/>
+          </p:cNvSpPr>
           <p:nvPr>
-            <p:ph idx="1" type="subTitle"/>
+            <p:ph type="subTitle" idx="1"/>
           </p:nvPr>
         </p:nvSpPr>
         <p:spPr>
@@ -3562,7 +3690,7 @@
           </a:prstGeom>
         </p:spPr>
         <p:txBody>
-          <a:bodyPr anchorCtr="0" anchor="t" bIns="91425" lIns="91425" spcFirstLastPara="1" rIns="91425" wrap="square" tIns="91425">
+          <a:bodyPr spcFirstLastPara="1" wrap="square" lIns="91425" tIns="91425" rIns="91425" bIns="91425" anchor="t" anchorCtr="0">
             <a:normAutofit/>
           </a:bodyPr>
           <a:lstStyle>
@@ -3693,15 +3821,19 @@
               <a:defRPr sz="2800"/>
             </a:lvl9pPr>
           </a:lstStyle>
-          <a:p/>
+          <a:p>
+            <a:endParaRPr/>
+          </a:p>
         </p:txBody>
       </p:sp>
       <p:sp>
         <p:nvSpPr>
           <p:cNvPr id="12" name="Google Shape;12;p2"/>
-          <p:cNvSpPr txBox="1"/>
+          <p:cNvSpPr txBox="1">
+            <a:spLocks noGrp="1"/>
+          </p:cNvSpPr>
           <p:nvPr>
-            <p:ph idx="12" type="sldNum"/>
+            <p:ph type="sldNum" idx="12"/>
           </p:nvPr>
         </p:nvSpPr>
         <p:spPr>
@@ -3714,7 +3846,7 @@
           </a:prstGeom>
         </p:spPr>
         <p:txBody>
-          <a:bodyPr anchorCtr="0" anchor="ctr" bIns="91425" lIns="91425" spcFirstLastPara="1" rIns="91425" wrap="square" tIns="91425">
+          <a:bodyPr spcFirstLastPara="1" wrap="square" lIns="91425" tIns="91425" rIns="91425" bIns="91425" anchor="ctr" anchorCtr="0">
             <a:normAutofit/>
           </a:bodyPr>
           <a:lstStyle>
@@ -3756,7 +3888,7 @@
             </a:lvl9pPr>
           </a:lstStyle>
           <a:p>
-            <a:pPr indent="0" lvl="0" marL="0" rtl="0" algn="r">
+            <a:pPr marL="0" lvl="0" indent="0" algn="r" rtl="0">
               <a:spcBef>
                 <a:spcPts val="0"/>
               </a:spcBef>
@@ -3782,11 +3914,11 @@
 </file>
 
 <file path=ppt/slideLayouts/slideLayout10.xml><?xml version="1.0" encoding="utf-8"?>
-<p:sldLayout xmlns:a="http://schemas.openxmlformats.org/drawingml/2006/main" xmlns:r="http://schemas.openxmlformats.org/officeDocument/2006/relationships" xmlns:mc="http://schemas.openxmlformats.org/markup-compatibility/2006" xmlns:mv="urn:schemas-microsoft-com:mac:vml" xmlns:p="http://schemas.openxmlformats.org/presentationml/2006/main" xmlns:c="http://schemas.openxmlformats.org/drawingml/2006/chart" xmlns:dgm="http://schemas.openxmlformats.org/drawingml/2006/diagram" xmlns:o="urn:schemas-microsoft-com:office:office" xmlns:v="urn:schemas-microsoft-com:vml" xmlns:pvml="urn:schemas-microsoft-com:office:powerpoint" xmlns:com="http://schemas.openxmlformats.org/drawingml/2006/compatibility" xmlns:p14="http://schemas.microsoft.com/office/powerpoint/2010/main" xmlns:p15="http://schemas.microsoft.com/office/powerpoint/2012/main" xmlns:ahyp="http://schemas.microsoft.com/office/drawing/2018/hyperlinkcolor" matchingName="Big number">
+<p:sldLayout xmlns:a="http://schemas.openxmlformats.org/drawingml/2006/main" xmlns:r="http://schemas.openxmlformats.org/officeDocument/2006/relationships" xmlns:p="http://schemas.openxmlformats.org/presentationml/2006/main" matchingName="Big number">
   <p:cSld name="BIG_NUMBER">
     <p:spTree>
       <p:nvGrpSpPr>
-        <p:cNvPr id="44" name="Shape 44"/>
+        <p:cNvPr id="1" name="Shape 44"/>
         <p:cNvGrpSpPr/>
         <p:nvPr/>
       </p:nvGrpSpPr>
@@ -3801,9 +3933,11 @@
       <p:sp>
         <p:nvSpPr>
           <p:cNvPr id="45" name="Google Shape;45;p11"/>
-          <p:cNvSpPr txBox="1"/>
+          <p:cNvSpPr txBox="1">
+            <a:spLocks noGrp="1"/>
+          </p:cNvSpPr>
           <p:nvPr>
-            <p:ph hasCustomPrompt="1" type="title"/>
+            <p:ph type="title" hasCustomPrompt="1"/>
           </p:nvPr>
         </p:nvSpPr>
         <p:spPr>
@@ -3816,7 +3950,7 @@
           </a:prstGeom>
         </p:spPr>
         <p:txBody>
-          <a:bodyPr anchorCtr="0" anchor="b" bIns="91425" lIns="91425" spcFirstLastPara="1" rIns="91425" wrap="square" tIns="91425">
+          <a:bodyPr spcFirstLastPara="1" wrap="square" lIns="91425" tIns="91425" rIns="91425" bIns="91425" anchor="b" anchorCtr="0">
             <a:normAutofit/>
           </a:bodyPr>
           <a:lstStyle>
@@ -3930,9 +4064,11 @@
       <p:sp>
         <p:nvSpPr>
           <p:cNvPr id="46" name="Google Shape;46;p11"/>
-          <p:cNvSpPr txBox="1"/>
+          <p:cNvSpPr txBox="1">
+            <a:spLocks noGrp="1"/>
+          </p:cNvSpPr>
           <p:nvPr>
-            <p:ph idx="1" type="body"/>
+            <p:ph type="body" idx="1"/>
           </p:nvPr>
         </p:nvSpPr>
         <p:spPr>
@@ -3945,11 +4081,11 @@
           </a:prstGeom>
         </p:spPr>
         <p:txBody>
-          <a:bodyPr anchorCtr="0" anchor="t" bIns="91425" lIns="91425" spcFirstLastPara="1" rIns="91425" wrap="square" tIns="91425">
+          <a:bodyPr spcFirstLastPara="1" wrap="square" lIns="91425" tIns="91425" rIns="91425" bIns="91425" anchor="t" anchorCtr="0">
             <a:normAutofit/>
           </a:bodyPr>
           <a:lstStyle>
-            <a:lvl1pPr indent="-342900" lvl="0" marL="457200" algn="ctr">
+            <a:lvl1pPr marL="457200" lvl="0" indent="-342900" algn="ctr">
               <a:spcBef>
                 <a:spcPts val="0"/>
               </a:spcBef>
@@ -3960,7 +4096,7 @@
               <a:buChar char="●"/>
               <a:defRPr/>
             </a:lvl1pPr>
-            <a:lvl2pPr indent="-317500" lvl="1" marL="914400" algn="ctr">
+            <a:lvl2pPr marL="914400" lvl="1" indent="-317500" algn="ctr">
               <a:spcBef>
                 <a:spcPts val="0"/>
               </a:spcBef>
@@ -3971,7 +4107,7 @@
               <a:buChar char="○"/>
               <a:defRPr/>
             </a:lvl2pPr>
-            <a:lvl3pPr indent="-317500" lvl="2" marL="1371600" algn="ctr">
+            <a:lvl3pPr marL="1371600" lvl="2" indent="-317500" algn="ctr">
               <a:spcBef>
                 <a:spcPts val="0"/>
               </a:spcBef>
@@ -3982,7 +4118,7 @@
               <a:buChar char="■"/>
               <a:defRPr/>
             </a:lvl3pPr>
-            <a:lvl4pPr indent="-317500" lvl="3" marL="1828800" algn="ctr">
+            <a:lvl4pPr marL="1828800" lvl="3" indent="-317500" algn="ctr">
               <a:spcBef>
                 <a:spcPts val="0"/>
               </a:spcBef>
@@ -3993,7 +4129,7 @@
               <a:buChar char="●"/>
               <a:defRPr/>
             </a:lvl4pPr>
-            <a:lvl5pPr indent="-317500" lvl="4" marL="2286000" algn="ctr">
+            <a:lvl5pPr marL="2286000" lvl="4" indent="-317500" algn="ctr">
               <a:spcBef>
                 <a:spcPts val="0"/>
               </a:spcBef>
@@ -4004,7 +4140,7 @@
               <a:buChar char="○"/>
               <a:defRPr/>
             </a:lvl5pPr>
-            <a:lvl6pPr indent="-317500" lvl="5" marL="2743200" algn="ctr">
+            <a:lvl6pPr marL="2743200" lvl="5" indent="-317500" algn="ctr">
               <a:spcBef>
                 <a:spcPts val="0"/>
               </a:spcBef>
@@ -4015,7 +4151,7 @@
               <a:buChar char="■"/>
               <a:defRPr/>
             </a:lvl6pPr>
-            <a:lvl7pPr indent="-317500" lvl="6" marL="3200400" algn="ctr">
+            <a:lvl7pPr marL="3200400" lvl="6" indent="-317500" algn="ctr">
               <a:spcBef>
                 <a:spcPts val="0"/>
               </a:spcBef>
@@ -4026,7 +4162,7 @@
               <a:buChar char="●"/>
               <a:defRPr/>
             </a:lvl7pPr>
-            <a:lvl8pPr indent="-317500" lvl="7" marL="3657600" algn="ctr">
+            <a:lvl8pPr marL="3657600" lvl="7" indent="-317500" algn="ctr">
               <a:spcBef>
                 <a:spcPts val="0"/>
               </a:spcBef>
@@ -4037,7 +4173,7 @@
               <a:buChar char="○"/>
               <a:defRPr/>
             </a:lvl8pPr>
-            <a:lvl9pPr indent="-317500" lvl="8" marL="4114800" algn="ctr">
+            <a:lvl9pPr marL="4114800" lvl="8" indent="-317500" algn="ctr">
               <a:spcBef>
                 <a:spcPts val="0"/>
               </a:spcBef>
@@ -4049,15 +4185,19 @@
               <a:defRPr/>
             </a:lvl9pPr>
           </a:lstStyle>
-          <a:p/>
+          <a:p>
+            <a:endParaRPr/>
+          </a:p>
         </p:txBody>
       </p:sp>
       <p:sp>
         <p:nvSpPr>
           <p:cNvPr id="47" name="Google Shape;47;p11"/>
-          <p:cNvSpPr txBox="1"/>
+          <p:cNvSpPr txBox="1">
+            <a:spLocks noGrp="1"/>
+          </p:cNvSpPr>
           <p:nvPr>
-            <p:ph idx="12" type="sldNum"/>
+            <p:ph type="sldNum" idx="12"/>
           </p:nvPr>
         </p:nvSpPr>
         <p:spPr>
@@ -4070,7 +4210,7 @@
           </a:prstGeom>
         </p:spPr>
         <p:txBody>
-          <a:bodyPr anchorCtr="0" anchor="ctr" bIns="91425" lIns="91425" spcFirstLastPara="1" rIns="91425" wrap="square" tIns="91425">
+          <a:bodyPr spcFirstLastPara="1" wrap="square" lIns="91425" tIns="91425" rIns="91425" bIns="91425" anchor="ctr" anchorCtr="0">
             <a:normAutofit/>
           </a:bodyPr>
           <a:lstStyle>
@@ -4112,7 +4252,7 @@
             </a:lvl9pPr>
           </a:lstStyle>
           <a:p>
-            <a:pPr indent="0" lvl="0" marL="0" rtl="0" algn="r">
+            <a:pPr marL="0" lvl="0" indent="0" algn="r" rtl="0">
               <a:spcBef>
                 <a:spcPts val="0"/>
               </a:spcBef>
@@ -4138,11 +4278,11 @@
 </file>
 
 <file path=ppt/slideLayouts/slideLayout11.xml><?xml version="1.0" encoding="utf-8"?>
-<p:sldLayout xmlns:a="http://schemas.openxmlformats.org/drawingml/2006/main" xmlns:r="http://schemas.openxmlformats.org/officeDocument/2006/relationships" xmlns:mc="http://schemas.openxmlformats.org/markup-compatibility/2006" xmlns:mv="urn:schemas-microsoft-com:mac:vml" xmlns:p="http://schemas.openxmlformats.org/presentationml/2006/main" xmlns:c="http://schemas.openxmlformats.org/drawingml/2006/chart" xmlns:dgm="http://schemas.openxmlformats.org/drawingml/2006/diagram" xmlns:o="urn:schemas-microsoft-com:office:office" xmlns:v="urn:schemas-microsoft-com:vml" xmlns:pvml="urn:schemas-microsoft-com:office:powerpoint" xmlns:com="http://schemas.openxmlformats.org/drawingml/2006/compatibility" xmlns:p14="http://schemas.microsoft.com/office/powerpoint/2010/main" xmlns:p15="http://schemas.microsoft.com/office/powerpoint/2012/main" xmlns:ahyp="http://schemas.microsoft.com/office/drawing/2018/hyperlinkcolor" matchingName="Blank" type="blank">
+<p:sldLayout xmlns:a="http://schemas.openxmlformats.org/drawingml/2006/main" xmlns:r="http://schemas.openxmlformats.org/officeDocument/2006/relationships" xmlns:p="http://schemas.openxmlformats.org/presentationml/2006/main" matchingName="Blank" type="blank">
   <p:cSld name="BLANK">
     <p:spTree>
       <p:nvGrpSpPr>
-        <p:cNvPr id="48" name="Shape 48"/>
+        <p:cNvPr id="1" name="Shape 48"/>
         <p:cNvGrpSpPr/>
         <p:nvPr/>
       </p:nvGrpSpPr>
@@ -4157,9 +4297,11 @@
       <p:sp>
         <p:nvSpPr>
           <p:cNvPr id="49" name="Google Shape;49;p12"/>
-          <p:cNvSpPr txBox="1"/>
+          <p:cNvSpPr txBox="1">
+            <a:spLocks noGrp="1"/>
+          </p:cNvSpPr>
           <p:nvPr>
-            <p:ph idx="12" type="sldNum"/>
+            <p:ph type="sldNum" idx="12"/>
           </p:nvPr>
         </p:nvSpPr>
         <p:spPr>
@@ -4172,7 +4314,7 @@
           </a:prstGeom>
         </p:spPr>
         <p:txBody>
-          <a:bodyPr anchorCtr="0" anchor="ctr" bIns="91425" lIns="91425" spcFirstLastPara="1" rIns="91425" wrap="square" tIns="91425">
+          <a:bodyPr spcFirstLastPara="1" wrap="square" lIns="91425" tIns="91425" rIns="91425" bIns="91425" anchor="ctr" anchorCtr="0">
             <a:normAutofit/>
           </a:bodyPr>
           <a:lstStyle>
@@ -4214,7 +4356,7 @@
             </a:lvl9pPr>
           </a:lstStyle>
           <a:p>
-            <a:pPr indent="0" lvl="0" marL="0" rtl="0" algn="r">
+            <a:pPr marL="0" lvl="0" indent="0" algn="r" rtl="0">
               <a:spcBef>
                 <a:spcPts val="0"/>
               </a:spcBef>
@@ -4240,11 +4382,11 @@
 </file>
 
 <file path=ppt/slideLayouts/slideLayout2.xml><?xml version="1.0" encoding="utf-8"?>
-<p:sldLayout xmlns:a="http://schemas.openxmlformats.org/drawingml/2006/main" xmlns:r="http://schemas.openxmlformats.org/officeDocument/2006/relationships" xmlns:mc="http://schemas.openxmlformats.org/markup-compatibility/2006" xmlns:mv="urn:schemas-microsoft-com:mac:vml" xmlns:p="http://schemas.openxmlformats.org/presentationml/2006/main" xmlns:c="http://schemas.openxmlformats.org/drawingml/2006/chart" xmlns:dgm="http://schemas.openxmlformats.org/drawingml/2006/diagram" xmlns:o="urn:schemas-microsoft-com:office:office" xmlns:v="urn:schemas-microsoft-com:vml" xmlns:pvml="urn:schemas-microsoft-com:office:powerpoint" xmlns:com="http://schemas.openxmlformats.org/drawingml/2006/compatibility" xmlns:p14="http://schemas.microsoft.com/office/powerpoint/2010/main" xmlns:p15="http://schemas.microsoft.com/office/powerpoint/2012/main" xmlns:ahyp="http://schemas.microsoft.com/office/drawing/2018/hyperlinkcolor" matchingName="Section header" type="secHead">
+<p:sldLayout xmlns:a="http://schemas.openxmlformats.org/drawingml/2006/main" xmlns:r="http://schemas.openxmlformats.org/officeDocument/2006/relationships" xmlns:p="http://schemas.openxmlformats.org/presentationml/2006/main" matchingName="Section header" type="secHead">
   <p:cSld name="SECTION_HEADER">
     <p:spTree>
       <p:nvGrpSpPr>
-        <p:cNvPr id="13" name="Shape 13"/>
+        <p:cNvPr id="1" name="Shape 13"/>
         <p:cNvGrpSpPr/>
         <p:nvPr/>
       </p:nvGrpSpPr>
@@ -4259,7 +4401,9 @@
       <p:sp>
         <p:nvSpPr>
           <p:cNvPr id="14" name="Google Shape;14;p3"/>
-          <p:cNvSpPr txBox="1"/>
+          <p:cNvSpPr txBox="1">
+            <a:spLocks noGrp="1"/>
+          </p:cNvSpPr>
           <p:nvPr>
             <p:ph type="title"/>
           </p:nvPr>
@@ -4274,7 +4418,7 @@
           </a:prstGeom>
         </p:spPr>
         <p:txBody>
-          <a:bodyPr anchorCtr="0" anchor="ctr" bIns="91425" lIns="91425" spcFirstLastPara="1" rIns="91425" wrap="square" tIns="91425">
+          <a:bodyPr spcFirstLastPara="1" wrap="square" lIns="91425" tIns="91425" rIns="91425" bIns="91425" anchor="ctr" anchorCtr="0">
             <a:normAutofit/>
           </a:bodyPr>
           <a:lstStyle>
@@ -4378,15 +4522,19 @@
               <a:defRPr sz="3600"/>
             </a:lvl9pPr>
           </a:lstStyle>
-          <a:p/>
+          <a:p>
+            <a:endParaRPr/>
+          </a:p>
         </p:txBody>
       </p:sp>
       <p:sp>
         <p:nvSpPr>
           <p:cNvPr id="15" name="Google Shape;15;p3"/>
-          <p:cNvSpPr txBox="1"/>
+          <p:cNvSpPr txBox="1">
+            <a:spLocks noGrp="1"/>
+          </p:cNvSpPr>
           <p:nvPr>
-            <p:ph idx="12" type="sldNum"/>
+            <p:ph type="sldNum" idx="12"/>
           </p:nvPr>
         </p:nvSpPr>
         <p:spPr>
@@ -4399,7 +4547,7 @@
           </a:prstGeom>
         </p:spPr>
         <p:txBody>
-          <a:bodyPr anchorCtr="0" anchor="ctr" bIns="91425" lIns="91425" spcFirstLastPara="1" rIns="91425" wrap="square" tIns="91425">
+          <a:bodyPr spcFirstLastPara="1" wrap="square" lIns="91425" tIns="91425" rIns="91425" bIns="91425" anchor="ctr" anchorCtr="0">
             <a:normAutofit/>
           </a:bodyPr>
           <a:lstStyle>
@@ -4441,7 +4589,7 @@
             </a:lvl9pPr>
           </a:lstStyle>
           <a:p>
-            <a:pPr indent="0" lvl="0" marL="0" rtl="0" algn="r">
+            <a:pPr marL="0" lvl="0" indent="0" algn="r" rtl="0">
               <a:spcBef>
                 <a:spcPts val="0"/>
               </a:spcBef>
@@ -4467,11 +4615,11 @@
 </file>
 
 <file path=ppt/slideLayouts/slideLayout3.xml><?xml version="1.0" encoding="utf-8"?>
-<p:sldLayout xmlns:a="http://schemas.openxmlformats.org/drawingml/2006/main" xmlns:r="http://schemas.openxmlformats.org/officeDocument/2006/relationships" xmlns:mc="http://schemas.openxmlformats.org/markup-compatibility/2006" xmlns:mv="urn:schemas-microsoft-com:mac:vml" xmlns:p="http://schemas.openxmlformats.org/presentationml/2006/main" xmlns:c="http://schemas.openxmlformats.org/drawingml/2006/chart" xmlns:dgm="http://schemas.openxmlformats.org/drawingml/2006/diagram" xmlns:o="urn:schemas-microsoft-com:office:office" xmlns:v="urn:schemas-microsoft-com:vml" xmlns:pvml="urn:schemas-microsoft-com:office:powerpoint" xmlns:com="http://schemas.openxmlformats.org/drawingml/2006/compatibility" xmlns:p14="http://schemas.microsoft.com/office/powerpoint/2010/main" xmlns:p15="http://schemas.microsoft.com/office/powerpoint/2012/main" xmlns:ahyp="http://schemas.microsoft.com/office/drawing/2018/hyperlinkcolor" matchingName="Title and body" type="tx">
+<p:sldLayout xmlns:a="http://schemas.openxmlformats.org/drawingml/2006/main" xmlns:r="http://schemas.openxmlformats.org/officeDocument/2006/relationships" xmlns:p="http://schemas.openxmlformats.org/presentationml/2006/main" matchingName="Title and body" type="tx">
   <p:cSld name="TITLE_AND_BODY">
     <p:spTree>
       <p:nvGrpSpPr>
-        <p:cNvPr id="16" name="Shape 16"/>
+        <p:cNvPr id="1" name="Shape 16"/>
         <p:cNvGrpSpPr/>
         <p:nvPr/>
       </p:nvGrpSpPr>
@@ -4486,7 +4634,9 @@
       <p:sp>
         <p:nvSpPr>
           <p:cNvPr id="17" name="Google Shape;17;p4"/>
-          <p:cNvSpPr txBox="1"/>
+          <p:cNvSpPr txBox="1">
+            <a:spLocks noGrp="1"/>
+          </p:cNvSpPr>
           <p:nvPr>
             <p:ph type="title"/>
           </p:nvPr>
@@ -4501,7 +4651,7 @@
           </a:prstGeom>
         </p:spPr>
         <p:txBody>
-          <a:bodyPr anchorCtr="0" anchor="t" bIns="91425" lIns="91425" spcFirstLastPara="1" rIns="91425" wrap="square" tIns="91425">
+          <a:bodyPr spcFirstLastPara="1" wrap="square" lIns="91425" tIns="91425" rIns="91425" bIns="91425" anchor="t" anchorCtr="0">
             <a:normAutofit/>
           </a:bodyPr>
           <a:lstStyle>
@@ -4605,15 +4755,19 @@
               <a:defRPr/>
             </a:lvl9pPr>
           </a:lstStyle>
-          <a:p/>
+          <a:p>
+            <a:endParaRPr/>
+          </a:p>
         </p:txBody>
       </p:sp>
       <p:sp>
         <p:nvSpPr>
           <p:cNvPr id="18" name="Google Shape;18;p4"/>
-          <p:cNvSpPr txBox="1"/>
+          <p:cNvSpPr txBox="1">
+            <a:spLocks noGrp="1"/>
+          </p:cNvSpPr>
           <p:nvPr>
-            <p:ph idx="1" type="body"/>
+            <p:ph type="body" idx="1"/>
           </p:nvPr>
         </p:nvSpPr>
         <p:spPr>
@@ -4626,11 +4780,11 @@
           </a:prstGeom>
         </p:spPr>
         <p:txBody>
-          <a:bodyPr anchorCtr="0" anchor="t" bIns="91425" lIns="91425" spcFirstLastPara="1" rIns="91425" wrap="square" tIns="91425">
+          <a:bodyPr spcFirstLastPara="1" wrap="square" lIns="91425" tIns="91425" rIns="91425" bIns="91425" anchor="t" anchorCtr="0">
             <a:normAutofit/>
           </a:bodyPr>
           <a:lstStyle>
-            <a:lvl1pPr indent="-342900" lvl="0" marL="457200">
+            <a:lvl1pPr marL="457200" lvl="0" indent="-342900">
               <a:spcBef>
                 <a:spcPts val="0"/>
               </a:spcBef>
@@ -4641,7 +4795,7 @@
               <a:buChar char="●"/>
               <a:defRPr/>
             </a:lvl1pPr>
-            <a:lvl2pPr indent="-317500" lvl="1" marL="914400">
+            <a:lvl2pPr marL="914400" lvl="1" indent="-317500">
               <a:spcBef>
                 <a:spcPts val="0"/>
               </a:spcBef>
@@ -4652,7 +4806,7 @@
               <a:buChar char="○"/>
               <a:defRPr/>
             </a:lvl2pPr>
-            <a:lvl3pPr indent="-317500" lvl="2" marL="1371600">
+            <a:lvl3pPr marL="1371600" lvl="2" indent="-317500">
               <a:spcBef>
                 <a:spcPts val="0"/>
               </a:spcBef>
@@ -4663,7 +4817,7 @@
               <a:buChar char="■"/>
               <a:defRPr/>
             </a:lvl3pPr>
-            <a:lvl4pPr indent="-317500" lvl="3" marL="1828800">
+            <a:lvl4pPr marL="1828800" lvl="3" indent="-317500">
               <a:spcBef>
                 <a:spcPts val="0"/>
               </a:spcBef>
@@ -4674,7 +4828,7 @@
               <a:buChar char="●"/>
               <a:defRPr/>
             </a:lvl4pPr>
-            <a:lvl5pPr indent="-317500" lvl="4" marL="2286000">
+            <a:lvl5pPr marL="2286000" lvl="4" indent="-317500">
               <a:spcBef>
                 <a:spcPts val="0"/>
               </a:spcBef>
@@ -4685,7 +4839,7 @@
               <a:buChar char="○"/>
               <a:defRPr/>
             </a:lvl5pPr>
-            <a:lvl6pPr indent="-317500" lvl="5" marL="2743200">
+            <a:lvl6pPr marL="2743200" lvl="5" indent="-317500">
               <a:spcBef>
                 <a:spcPts val="0"/>
               </a:spcBef>
@@ -4696,7 +4850,7 @@
               <a:buChar char="■"/>
               <a:defRPr/>
             </a:lvl6pPr>
-            <a:lvl7pPr indent="-317500" lvl="6" marL="3200400">
+            <a:lvl7pPr marL="3200400" lvl="6" indent="-317500">
               <a:spcBef>
                 <a:spcPts val="0"/>
               </a:spcBef>
@@ -4707,7 +4861,7 @@
               <a:buChar char="●"/>
               <a:defRPr/>
             </a:lvl7pPr>
-            <a:lvl8pPr indent="-317500" lvl="7" marL="3657600">
+            <a:lvl8pPr marL="3657600" lvl="7" indent="-317500">
               <a:spcBef>
                 <a:spcPts val="0"/>
               </a:spcBef>
@@ -4718,7 +4872,7 @@
               <a:buChar char="○"/>
               <a:defRPr/>
             </a:lvl8pPr>
-            <a:lvl9pPr indent="-317500" lvl="8" marL="4114800">
+            <a:lvl9pPr marL="4114800" lvl="8" indent="-317500">
               <a:spcBef>
                 <a:spcPts val="0"/>
               </a:spcBef>
@@ -4730,15 +4884,19 @@
               <a:defRPr/>
             </a:lvl9pPr>
           </a:lstStyle>
-          <a:p/>
+          <a:p>
+            <a:endParaRPr/>
+          </a:p>
         </p:txBody>
       </p:sp>
       <p:sp>
         <p:nvSpPr>
           <p:cNvPr id="19" name="Google Shape;19;p4"/>
-          <p:cNvSpPr txBox="1"/>
+          <p:cNvSpPr txBox="1">
+            <a:spLocks noGrp="1"/>
+          </p:cNvSpPr>
           <p:nvPr>
-            <p:ph idx="12" type="sldNum"/>
+            <p:ph type="sldNum" idx="12"/>
           </p:nvPr>
         </p:nvSpPr>
         <p:spPr>
@@ -4751,7 +4909,7 @@
           </a:prstGeom>
         </p:spPr>
         <p:txBody>
-          <a:bodyPr anchorCtr="0" anchor="ctr" bIns="91425" lIns="91425" spcFirstLastPara="1" rIns="91425" wrap="square" tIns="91425">
+          <a:bodyPr spcFirstLastPara="1" wrap="square" lIns="91425" tIns="91425" rIns="91425" bIns="91425" anchor="ctr" anchorCtr="0">
             <a:normAutofit/>
           </a:bodyPr>
           <a:lstStyle>
@@ -4793,7 +4951,7 @@
             </a:lvl9pPr>
           </a:lstStyle>
           <a:p>
-            <a:pPr indent="0" lvl="0" marL="0" rtl="0" algn="r">
+            <a:pPr marL="0" lvl="0" indent="0" algn="r" rtl="0">
               <a:spcBef>
                 <a:spcPts val="0"/>
               </a:spcBef>
@@ -4819,11 +4977,11 @@
 </file>
 
 <file path=ppt/slideLayouts/slideLayout4.xml><?xml version="1.0" encoding="utf-8"?>
-<p:sldLayout xmlns:a="http://schemas.openxmlformats.org/drawingml/2006/main" xmlns:r="http://schemas.openxmlformats.org/officeDocument/2006/relationships" xmlns:mc="http://schemas.openxmlformats.org/markup-compatibility/2006" xmlns:mv="urn:schemas-microsoft-com:mac:vml" xmlns:p="http://schemas.openxmlformats.org/presentationml/2006/main" xmlns:c="http://schemas.openxmlformats.org/drawingml/2006/chart" xmlns:dgm="http://schemas.openxmlformats.org/drawingml/2006/diagram" xmlns:o="urn:schemas-microsoft-com:office:office" xmlns:v="urn:schemas-microsoft-com:vml" xmlns:pvml="urn:schemas-microsoft-com:office:powerpoint" xmlns:com="http://schemas.openxmlformats.org/drawingml/2006/compatibility" xmlns:p14="http://schemas.microsoft.com/office/powerpoint/2010/main" xmlns:p15="http://schemas.microsoft.com/office/powerpoint/2012/main" xmlns:ahyp="http://schemas.microsoft.com/office/drawing/2018/hyperlinkcolor" matchingName="Title and two columns" type="twoColTx">
+<p:sldLayout xmlns:a="http://schemas.openxmlformats.org/drawingml/2006/main" xmlns:r="http://schemas.openxmlformats.org/officeDocument/2006/relationships" xmlns:p="http://schemas.openxmlformats.org/presentationml/2006/main" matchingName="Title and two columns" type="twoColTx">
   <p:cSld name="TITLE_AND_TWO_COLUMNS">
     <p:spTree>
       <p:nvGrpSpPr>
-        <p:cNvPr id="20" name="Shape 20"/>
+        <p:cNvPr id="1" name="Shape 20"/>
         <p:cNvGrpSpPr/>
         <p:nvPr/>
       </p:nvGrpSpPr>
@@ -4838,7 +4996,9 @@
       <p:sp>
         <p:nvSpPr>
           <p:cNvPr id="21" name="Google Shape;21;p5"/>
-          <p:cNvSpPr txBox="1"/>
+          <p:cNvSpPr txBox="1">
+            <a:spLocks noGrp="1"/>
+          </p:cNvSpPr>
           <p:nvPr>
             <p:ph type="title"/>
           </p:nvPr>
@@ -4853,7 +5013,7 @@
           </a:prstGeom>
         </p:spPr>
         <p:txBody>
-          <a:bodyPr anchorCtr="0" anchor="t" bIns="91425" lIns="91425" spcFirstLastPara="1" rIns="91425" wrap="square" tIns="91425">
+          <a:bodyPr spcFirstLastPara="1" wrap="square" lIns="91425" tIns="91425" rIns="91425" bIns="91425" anchor="t" anchorCtr="0">
             <a:normAutofit/>
           </a:bodyPr>
           <a:lstStyle>
@@ -4957,15 +5117,19 @@
               <a:defRPr/>
             </a:lvl9pPr>
           </a:lstStyle>
-          <a:p/>
+          <a:p>
+            <a:endParaRPr/>
+          </a:p>
         </p:txBody>
       </p:sp>
       <p:sp>
         <p:nvSpPr>
           <p:cNvPr id="22" name="Google Shape;22;p5"/>
-          <p:cNvSpPr txBox="1"/>
+          <p:cNvSpPr txBox="1">
+            <a:spLocks noGrp="1"/>
+          </p:cNvSpPr>
           <p:nvPr>
-            <p:ph idx="1" type="body"/>
+            <p:ph type="body" idx="1"/>
           </p:nvPr>
         </p:nvSpPr>
         <p:spPr>
@@ -4978,11 +5142,11 @@
           </a:prstGeom>
         </p:spPr>
         <p:txBody>
-          <a:bodyPr anchorCtr="0" anchor="t" bIns="91425" lIns="91425" spcFirstLastPara="1" rIns="91425" wrap="square" tIns="91425">
+          <a:bodyPr spcFirstLastPara="1" wrap="square" lIns="91425" tIns="91425" rIns="91425" bIns="91425" anchor="t" anchorCtr="0">
             <a:normAutofit/>
           </a:bodyPr>
           <a:lstStyle>
-            <a:lvl1pPr indent="-317500" lvl="0" marL="457200">
+            <a:lvl1pPr marL="457200" lvl="0" indent="-317500">
               <a:spcBef>
                 <a:spcPts val="0"/>
               </a:spcBef>
@@ -4993,7 +5157,7 @@
               <a:buChar char="●"/>
               <a:defRPr sz="1400"/>
             </a:lvl1pPr>
-            <a:lvl2pPr indent="-304800" lvl="1" marL="914400">
+            <a:lvl2pPr marL="914400" lvl="1" indent="-304800">
               <a:spcBef>
                 <a:spcPts val="0"/>
               </a:spcBef>
@@ -5004,7 +5168,7 @@
               <a:buChar char="○"/>
               <a:defRPr sz="1200"/>
             </a:lvl2pPr>
-            <a:lvl3pPr indent="-304800" lvl="2" marL="1371600">
+            <a:lvl3pPr marL="1371600" lvl="2" indent="-304800">
               <a:spcBef>
                 <a:spcPts val="0"/>
               </a:spcBef>
@@ -5015,7 +5179,7 @@
               <a:buChar char="■"/>
               <a:defRPr sz="1200"/>
             </a:lvl3pPr>
-            <a:lvl4pPr indent="-304800" lvl="3" marL="1828800">
+            <a:lvl4pPr marL="1828800" lvl="3" indent="-304800">
               <a:spcBef>
                 <a:spcPts val="0"/>
               </a:spcBef>
@@ -5026,7 +5190,7 @@
               <a:buChar char="●"/>
               <a:defRPr sz="1200"/>
             </a:lvl4pPr>
-            <a:lvl5pPr indent="-304800" lvl="4" marL="2286000">
+            <a:lvl5pPr marL="2286000" lvl="4" indent="-304800">
               <a:spcBef>
                 <a:spcPts val="0"/>
               </a:spcBef>
@@ -5037,7 +5201,7 @@
               <a:buChar char="○"/>
               <a:defRPr sz="1200"/>
             </a:lvl5pPr>
-            <a:lvl6pPr indent="-304800" lvl="5" marL="2743200">
+            <a:lvl6pPr marL="2743200" lvl="5" indent="-304800">
               <a:spcBef>
                 <a:spcPts val="0"/>
               </a:spcBef>
@@ -5048,7 +5212,7 @@
               <a:buChar char="■"/>
               <a:defRPr sz="1200"/>
             </a:lvl6pPr>
-            <a:lvl7pPr indent="-304800" lvl="6" marL="3200400">
+            <a:lvl7pPr marL="3200400" lvl="6" indent="-304800">
               <a:spcBef>
                 <a:spcPts val="0"/>
               </a:spcBef>
@@ -5059,7 +5223,7 @@
               <a:buChar char="●"/>
               <a:defRPr sz="1200"/>
             </a:lvl7pPr>
-            <a:lvl8pPr indent="-304800" lvl="7" marL="3657600">
+            <a:lvl8pPr marL="3657600" lvl="7" indent="-304800">
               <a:spcBef>
                 <a:spcPts val="0"/>
               </a:spcBef>
@@ -5070,7 +5234,7 @@
               <a:buChar char="○"/>
               <a:defRPr sz="1200"/>
             </a:lvl8pPr>
-            <a:lvl9pPr indent="-304800" lvl="8" marL="4114800">
+            <a:lvl9pPr marL="4114800" lvl="8" indent="-304800">
               <a:spcBef>
                 <a:spcPts val="0"/>
               </a:spcBef>
@@ -5082,15 +5246,19 @@
               <a:defRPr sz="1200"/>
             </a:lvl9pPr>
           </a:lstStyle>
-          <a:p/>
+          <a:p>
+            <a:endParaRPr/>
+          </a:p>
         </p:txBody>
       </p:sp>
       <p:sp>
         <p:nvSpPr>
           <p:cNvPr id="23" name="Google Shape;23;p5"/>
-          <p:cNvSpPr txBox="1"/>
+          <p:cNvSpPr txBox="1">
+            <a:spLocks noGrp="1"/>
+          </p:cNvSpPr>
           <p:nvPr>
-            <p:ph idx="2" type="body"/>
+            <p:ph type="body" idx="2"/>
           </p:nvPr>
         </p:nvSpPr>
         <p:spPr>
@@ -5103,11 +5271,11 @@
           </a:prstGeom>
         </p:spPr>
         <p:txBody>
-          <a:bodyPr anchorCtr="0" anchor="t" bIns="91425" lIns="91425" spcFirstLastPara="1" rIns="91425" wrap="square" tIns="91425">
+          <a:bodyPr spcFirstLastPara="1" wrap="square" lIns="91425" tIns="91425" rIns="91425" bIns="91425" anchor="t" anchorCtr="0">
             <a:normAutofit/>
           </a:bodyPr>
           <a:lstStyle>
-            <a:lvl1pPr indent="-317500" lvl="0" marL="457200">
+            <a:lvl1pPr marL="457200" lvl="0" indent="-317500">
               <a:spcBef>
                 <a:spcPts val="0"/>
               </a:spcBef>
@@ -5118,7 +5286,7 @@
               <a:buChar char="●"/>
               <a:defRPr sz="1400"/>
             </a:lvl1pPr>
-            <a:lvl2pPr indent="-304800" lvl="1" marL="914400">
+            <a:lvl2pPr marL="914400" lvl="1" indent="-304800">
               <a:spcBef>
                 <a:spcPts val="0"/>
               </a:spcBef>
@@ -5129,7 +5297,7 @@
               <a:buChar char="○"/>
               <a:defRPr sz="1200"/>
             </a:lvl2pPr>
-            <a:lvl3pPr indent="-304800" lvl="2" marL="1371600">
+            <a:lvl3pPr marL="1371600" lvl="2" indent="-304800">
               <a:spcBef>
                 <a:spcPts val="0"/>
               </a:spcBef>
@@ -5140,7 +5308,7 @@
               <a:buChar char="■"/>
               <a:defRPr sz="1200"/>
             </a:lvl3pPr>
-            <a:lvl4pPr indent="-304800" lvl="3" marL="1828800">
+            <a:lvl4pPr marL="1828800" lvl="3" indent="-304800">
               <a:spcBef>
                 <a:spcPts val="0"/>
               </a:spcBef>
@@ -5151,7 +5319,7 @@
               <a:buChar char="●"/>
               <a:defRPr sz="1200"/>
             </a:lvl4pPr>
-            <a:lvl5pPr indent="-304800" lvl="4" marL="2286000">
+            <a:lvl5pPr marL="2286000" lvl="4" indent="-304800">
               <a:spcBef>
                 <a:spcPts val="0"/>
               </a:spcBef>
@@ -5162,7 +5330,7 @@
               <a:buChar char="○"/>
               <a:defRPr sz="1200"/>
             </a:lvl5pPr>
-            <a:lvl6pPr indent="-304800" lvl="5" marL="2743200">
+            <a:lvl6pPr marL="2743200" lvl="5" indent="-304800">
               <a:spcBef>
                 <a:spcPts val="0"/>
               </a:spcBef>
@@ -5173,7 +5341,7 @@
               <a:buChar char="■"/>
               <a:defRPr sz="1200"/>
             </a:lvl6pPr>
-            <a:lvl7pPr indent="-304800" lvl="6" marL="3200400">
+            <a:lvl7pPr marL="3200400" lvl="6" indent="-304800">
               <a:spcBef>
                 <a:spcPts val="0"/>
               </a:spcBef>
@@ -5184,7 +5352,7 @@
               <a:buChar char="●"/>
               <a:defRPr sz="1200"/>
             </a:lvl7pPr>
-            <a:lvl8pPr indent="-304800" lvl="7" marL="3657600">
+            <a:lvl8pPr marL="3657600" lvl="7" indent="-304800">
               <a:spcBef>
                 <a:spcPts val="0"/>
               </a:spcBef>
@@ -5195,7 +5363,7 @@
               <a:buChar char="○"/>
               <a:defRPr sz="1200"/>
             </a:lvl8pPr>
-            <a:lvl9pPr indent="-304800" lvl="8" marL="4114800">
+            <a:lvl9pPr marL="4114800" lvl="8" indent="-304800">
               <a:spcBef>
                 <a:spcPts val="0"/>
               </a:spcBef>
@@ -5207,15 +5375,19 @@
               <a:defRPr sz="1200"/>
             </a:lvl9pPr>
           </a:lstStyle>
-          <a:p/>
+          <a:p>
+            <a:endParaRPr/>
+          </a:p>
         </p:txBody>
       </p:sp>
       <p:sp>
         <p:nvSpPr>
           <p:cNvPr id="24" name="Google Shape;24;p5"/>
-          <p:cNvSpPr txBox="1"/>
+          <p:cNvSpPr txBox="1">
+            <a:spLocks noGrp="1"/>
+          </p:cNvSpPr>
           <p:nvPr>
-            <p:ph idx="12" type="sldNum"/>
+            <p:ph type="sldNum" idx="12"/>
           </p:nvPr>
         </p:nvSpPr>
         <p:spPr>
@@ -5228,7 +5400,7 @@
           </a:prstGeom>
         </p:spPr>
         <p:txBody>
-          <a:bodyPr anchorCtr="0" anchor="ctr" bIns="91425" lIns="91425" spcFirstLastPara="1" rIns="91425" wrap="square" tIns="91425">
+          <a:bodyPr spcFirstLastPara="1" wrap="square" lIns="91425" tIns="91425" rIns="91425" bIns="91425" anchor="ctr" anchorCtr="0">
             <a:normAutofit/>
           </a:bodyPr>
           <a:lstStyle>
@@ -5270,7 +5442,7 @@
             </a:lvl9pPr>
           </a:lstStyle>
           <a:p>
-            <a:pPr indent="0" lvl="0" marL="0" rtl="0" algn="r">
+            <a:pPr marL="0" lvl="0" indent="0" algn="r" rtl="0">
               <a:spcBef>
                 <a:spcPts val="0"/>
               </a:spcBef>
@@ -5296,11 +5468,11 @@
 </file>
 
 <file path=ppt/slideLayouts/slideLayout5.xml><?xml version="1.0" encoding="utf-8"?>
-<p:sldLayout xmlns:a="http://schemas.openxmlformats.org/drawingml/2006/main" xmlns:r="http://schemas.openxmlformats.org/officeDocument/2006/relationships" xmlns:mc="http://schemas.openxmlformats.org/markup-compatibility/2006" xmlns:mv="urn:schemas-microsoft-com:mac:vml" xmlns:p="http://schemas.openxmlformats.org/presentationml/2006/main" xmlns:c="http://schemas.openxmlformats.org/drawingml/2006/chart" xmlns:dgm="http://schemas.openxmlformats.org/drawingml/2006/diagram" xmlns:o="urn:schemas-microsoft-com:office:office" xmlns:v="urn:schemas-microsoft-com:vml" xmlns:pvml="urn:schemas-microsoft-com:office:powerpoint" xmlns:com="http://schemas.openxmlformats.org/drawingml/2006/compatibility" xmlns:p14="http://schemas.microsoft.com/office/powerpoint/2010/main" xmlns:p15="http://schemas.microsoft.com/office/powerpoint/2012/main" xmlns:ahyp="http://schemas.microsoft.com/office/drawing/2018/hyperlinkcolor" matchingName="Title only" type="titleOnly">
+<p:sldLayout xmlns:a="http://schemas.openxmlformats.org/drawingml/2006/main" xmlns:r="http://schemas.openxmlformats.org/officeDocument/2006/relationships" xmlns:p="http://schemas.openxmlformats.org/presentationml/2006/main" matchingName="Title only" type="titleOnly">
   <p:cSld name="TITLE_ONLY">
     <p:spTree>
       <p:nvGrpSpPr>
-        <p:cNvPr id="25" name="Shape 25"/>
+        <p:cNvPr id="1" name="Shape 25"/>
         <p:cNvGrpSpPr/>
         <p:nvPr/>
       </p:nvGrpSpPr>
@@ -5315,7 +5487,9 @@
       <p:sp>
         <p:nvSpPr>
           <p:cNvPr id="26" name="Google Shape;26;p6"/>
-          <p:cNvSpPr txBox="1"/>
+          <p:cNvSpPr txBox="1">
+            <a:spLocks noGrp="1"/>
+          </p:cNvSpPr>
           <p:nvPr>
             <p:ph type="title"/>
           </p:nvPr>
@@ -5330,7 +5504,7 @@
           </a:prstGeom>
         </p:spPr>
         <p:txBody>
-          <a:bodyPr anchorCtr="0" anchor="t" bIns="91425" lIns="91425" spcFirstLastPara="1" rIns="91425" wrap="square" tIns="91425">
+          <a:bodyPr spcFirstLastPara="1" wrap="square" lIns="91425" tIns="91425" rIns="91425" bIns="91425" anchor="t" anchorCtr="0">
             <a:normAutofit/>
           </a:bodyPr>
           <a:lstStyle>
@@ -5434,15 +5608,19 @@
               <a:defRPr/>
             </a:lvl9pPr>
           </a:lstStyle>
-          <a:p/>
+          <a:p>
+            <a:endParaRPr/>
+          </a:p>
         </p:txBody>
       </p:sp>
       <p:sp>
         <p:nvSpPr>
           <p:cNvPr id="27" name="Google Shape;27;p6"/>
-          <p:cNvSpPr txBox="1"/>
+          <p:cNvSpPr txBox="1">
+            <a:spLocks noGrp="1"/>
+          </p:cNvSpPr>
           <p:nvPr>
-            <p:ph idx="12" type="sldNum"/>
+            <p:ph type="sldNum" idx="12"/>
           </p:nvPr>
         </p:nvSpPr>
         <p:spPr>
@@ -5455,7 +5633,7 @@
           </a:prstGeom>
         </p:spPr>
         <p:txBody>
-          <a:bodyPr anchorCtr="0" anchor="ctr" bIns="91425" lIns="91425" spcFirstLastPara="1" rIns="91425" wrap="square" tIns="91425">
+          <a:bodyPr spcFirstLastPara="1" wrap="square" lIns="91425" tIns="91425" rIns="91425" bIns="91425" anchor="ctr" anchorCtr="0">
             <a:normAutofit/>
           </a:bodyPr>
           <a:lstStyle>
@@ -5497,7 +5675,7 @@
             </a:lvl9pPr>
           </a:lstStyle>
           <a:p>
-            <a:pPr indent="0" lvl="0" marL="0" rtl="0" algn="r">
+            <a:pPr marL="0" lvl="0" indent="0" algn="r" rtl="0">
               <a:spcBef>
                 <a:spcPts val="0"/>
               </a:spcBef>
@@ -5523,11 +5701,11 @@
 </file>
 
 <file path=ppt/slideLayouts/slideLayout6.xml><?xml version="1.0" encoding="utf-8"?>
-<p:sldLayout xmlns:a="http://schemas.openxmlformats.org/drawingml/2006/main" xmlns:r="http://schemas.openxmlformats.org/officeDocument/2006/relationships" xmlns:mc="http://schemas.openxmlformats.org/markup-compatibility/2006" xmlns:mv="urn:schemas-microsoft-com:mac:vml" xmlns:p="http://schemas.openxmlformats.org/presentationml/2006/main" xmlns:c="http://schemas.openxmlformats.org/drawingml/2006/chart" xmlns:dgm="http://schemas.openxmlformats.org/drawingml/2006/diagram" xmlns:o="urn:schemas-microsoft-com:office:office" xmlns:v="urn:schemas-microsoft-com:vml" xmlns:pvml="urn:schemas-microsoft-com:office:powerpoint" xmlns:com="http://schemas.openxmlformats.org/drawingml/2006/compatibility" xmlns:p14="http://schemas.microsoft.com/office/powerpoint/2010/main" xmlns:p15="http://schemas.microsoft.com/office/powerpoint/2012/main" xmlns:ahyp="http://schemas.microsoft.com/office/drawing/2018/hyperlinkcolor" matchingName="One column text">
+<p:sldLayout xmlns:a="http://schemas.openxmlformats.org/drawingml/2006/main" xmlns:r="http://schemas.openxmlformats.org/officeDocument/2006/relationships" xmlns:p="http://schemas.openxmlformats.org/presentationml/2006/main" matchingName="One column text">
   <p:cSld name="ONE_COLUMN_TEXT">
     <p:spTree>
       <p:nvGrpSpPr>
-        <p:cNvPr id="28" name="Shape 28"/>
+        <p:cNvPr id="1" name="Shape 28"/>
         <p:cNvGrpSpPr/>
         <p:nvPr/>
       </p:nvGrpSpPr>
@@ -5542,7 +5720,9 @@
       <p:sp>
         <p:nvSpPr>
           <p:cNvPr id="29" name="Google Shape;29;p7"/>
-          <p:cNvSpPr txBox="1"/>
+          <p:cNvSpPr txBox="1">
+            <a:spLocks noGrp="1"/>
+          </p:cNvSpPr>
           <p:nvPr>
             <p:ph type="title"/>
           </p:nvPr>
@@ -5557,7 +5737,7 @@
           </a:prstGeom>
         </p:spPr>
         <p:txBody>
-          <a:bodyPr anchorCtr="0" anchor="b" bIns="91425" lIns="91425" spcFirstLastPara="1" rIns="91425" wrap="square" tIns="91425">
+          <a:bodyPr spcFirstLastPara="1" wrap="square" lIns="91425" tIns="91425" rIns="91425" bIns="91425" anchor="b" anchorCtr="0">
             <a:normAutofit/>
           </a:bodyPr>
           <a:lstStyle>
@@ -5661,15 +5841,19 @@
               <a:defRPr sz="2400"/>
             </a:lvl9pPr>
           </a:lstStyle>
-          <a:p/>
+          <a:p>
+            <a:endParaRPr/>
+          </a:p>
         </p:txBody>
       </p:sp>
       <p:sp>
         <p:nvSpPr>
           <p:cNvPr id="30" name="Google Shape;30;p7"/>
-          <p:cNvSpPr txBox="1"/>
+          <p:cNvSpPr txBox="1">
+            <a:spLocks noGrp="1"/>
+          </p:cNvSpPr>
           <p:nvPr>
-            <p:ph idx="1" type="body"/>
+            <p:ph type="body" idx="1"/>
           </p:nvPr>
         </p:nvSpPr>
         <p:spPr>
@@ -5682,11 +5866,11 @@
           </a:prstGeom>
         </p:spPr>
         <p:txBody>
-          <a:bodyPr anchorCtr="0" anchor="t" bIns="91425" lIns="91425" spcFirstLastPara="1" rIns="91425" wrap="square" tIns="91425">
+          <a:bodyPr spcFirstLastPara="1" wrap="square" lIns="91425" tIns="91425" rIns="91425" bIns="91425" anchor="t" anchorCtr="0">
             <a:normAutofit/>
           </a:bodyPr>
           <a:lstStyle>
-            <a:lvl1pPr indent="-304800" lvl="0" marL="457200">
+            <a:lvl1pPr marL="457200" lvl="0" indent="-304800">
               <a:spcBef>
                 <a:spcPts val="0"/>
               </a:spcBef>
@@ -5697,7 +5881,7 @@
               <a:buChar char="●"/>
               <a:defRPr sz="1200"/>
             </a:lvl1pPr>
-            <a:lvl2pPr indent="-304800" lvl="1" marL="914400">
+            <a:lvl2pPr marL="914400" lvl="1" indent="-304800">
               <a:spcBef>
                 <a:spcPts val="0"/>
               </a:spcBef>
@@ -5708,7 +5892,7 @@
               <a:buChar char="○"/>
               <a:defRPr sz="1200"/>
             </a:lvl2pPr>
-            <a:lvl3pPr indent="-304800" lvl="2" marL="1371600">
+            <a:lvl3pPr marL="1371600" lvl="2" indent="-304800">
               <a:spcBef>
                 <a:spcPts val="0"/>
               </a:spcBef>
@@ -5719,7 +5903,7 @@
               <a:buChar char="■"/>
               <a:defRPr sz="1200"/>
             </a:lvl3pPr>
-            <a:lvl4pPr indent="-304800" lvl="3" marL="1828800">
+            <a:lvl4pPr marL="1828800" lvl="3" indent="-304800">
               <a:spcBef>
                 <a:spcPts val="0"/>
               </a:spcBef>
@@ -5730,7 +5914,7 @@
               <a:buChar char="●"/>
               <a:defRPr sz="1200"/>
             </a:lvl4pPr>
-            <a:lvl5pPr indent="-304800" lvl="4" marL="2286000">
+            <a:lvl5pPr marL="2286000" lvl="4" indent="-304800">
               <a:spcBef>
                 <a:spcPts val="0"/>
               </a:spcBef>
@@ -5741,7 +5925,7 @@
               <a:buChar char="○"/>
               <a:defRPr sz="1200"/>
             </a:lvl5pPr>
-            <a:lvl6pPr indent="-304800" lvl="5" marL="2743200">
+            <a:lvl6pPr marL="2743200" lvl="5" indent="-304800">
               <a:spcBef>
                 <a:spcPts val="0"/>
               </a:spcBef>
@@ -5752,7 +5936,7 @@
               <a:buChar char="■"/>
               <a:defRPr sz="1200"/>
             </a:lvl6pPr>
-            <a:lvl7pPr indent="-304800" lvl="6" marL="3200400">
+            <a:lvl7pPr marL="3200400" lvl="6" indent="-304800">
               <a:spcBef>
                 <a:spcPts val="0"/>
               </a:spcBef>
@@ -5763,7 +5947,7 @@
               <a:buChar char="●"/>
               <a:defRPr sz="1200"/>
             </a:lvl7pPr>
-            <a:lvl8pPr indent="-304800" lvl="7" marL="3657600">
+            <a:lvl8pPr marL="3657600" lvl="7" indent="-304800">
               <a:spcBef>
                 <a:spcPts val="0"/>
               </a:spcBef>
@@ -5774,7 +5958,7 @@
               <a:buChar char="○"/>
               <a:defRPr sz="1200"/>
             </a:lvl8pPr>
-            <a:lvl9pPr indent="-304800" lvl="8" marL="4114800">
+            <a:lvl9pPr marL="4114800" lvl="8" indent="-304800">
               <a:spcBef>
                 <a:spcPts val="0"/>
               </a:spcBef>
@@ -5786,15 +5970,19 @@
               <a:defRPr sz="1200"/>
             </a:lvl9pPr>
           </a:lstStyle>
-          <a:p/>
+          <a:p>
+            <a:endParaRPr/>
+          </a:p>
         </p:txBody>
       </p:sp>
       <p:sp>
         <p:nvSpPr>
           <p:cNvPr id="31" name="Google Shape;31;p7"/>
-          <p:cNvSpPr txBox="1"/>
+          <p:cNvSpPr txBox="1">
+            <a:spLocks noGrp="1"/>
+          </p:cNvSpPr>
           <p:nvPr>
-            <p:ph idx="12" type="sldNum"/>
+            <p:ph type="sldNum" idx="12"/>
           </p:nvPr>
         </p:nvSpPr>
         <p:spPr>
@@ -5807,7 +5995,7 @@
           </a:prstGeom>
         </p:spPr>
         <p:txBody>
-          <a:bodyPr anchorCtr="0" anchor="ctr" bIns="91425" lIns="91425" spcFirstLastPara="1" rIns="91425" wrap="square" tIns="91425">
+          <a:bodyPr spcFirstLastPara="1" wrap="square" lIns="91425" tIns="91425" rIns="91425" bIns="91425" anchor="ctr" anchorCtr="0">
             <a:normAutofit/>
           </a:bodyPr>
           <a:lstStyle>
@@ -5849,7 +6037,7 @@
             </a:lvl9pPr>
           </a:lstStyle>
           <a:p>
-            <a:pPr indent="0" lvl="0" marL="0" rtl="0" algn="r">
+            <a:pPr marL="0" lvl="0" indent="0" algn="r" rtl="0">
               <a:spcBef>
                 <a:spcPts val="0"/>
               </a:spcBef>
@@ -5875,11 +6063,11 @@
 </file>
 
 <file path=ppt/slideLayouts/slideLayout7.xml><?xml version="1.0" encoding="utf-8"?>
-<p:sldLayout xmlns:a="http://schemas.openxmlformats.org/drawingml/2006/main" xmlns:r="http://schemas.openxmlformats.org/officeDocument/2006/relationships" xmlns:mc="http://schemas.openxmlformats.org/markup-compatibility/2006" xmlns:mv="urn:schemas-microsoft-com:mac:vml" xmlns:p="http://schemas.openxmlformats.org/presentationml/2006/main" xmlns:c="http://schemas.openxmlformats.org/drawingml/2006/chart" xmlns:dgm="http://schemas.openxmlformats.org/drawingml/2006/diagram" xmlns:o="urn:schemas-microsoft-com:office:office" xmlns:v="urn:schemas-microsoft-com:vml" xmlns:pvml="urn:schemas-microsoft-com:office:powerpoint" xmlns:com="http://schemas.openxmlformats.org/drawingml/2006/compatibility" xmlns:p14="http://schemas.microsoft.com/office/powerpoint/2010/main" xmlns:p15="http://schemas.microsoft.com/office/powerpoint/2012/main" xmlns:ahyp="http://schemas.microsoft.com/office/drawing/2018/hyperlinkcolor" matchingName="Main point">
+<p:sldLayout xmlns:a="http://schemas.openxmlformats.org/drawingml/2006/main" xmlns:r="http://schemas.openxmlformats.org/officeDocument/2006/relationships" xmlns:p="http://schemas.openxmlformats.org/presentationml/2006/main" matchingName="Main point">
   <p:cSld name="MAIN_POINT">
     <p:spTree>
       <p:nvGrpSpPr>
-        <p:cNvPr id="32" name="Shape 32"/>
+        <p:cNvPr id="1" name="Shape 32"/>
         <p:cNvGrpSpPr/>
         <p:nvPr/>
       </p:nvGrpSpPr>
@@ -5894,7 +6082,9 @@
       <p:sp>
         <p:nvSpPr>
           <p:cNvPr id="33" name="Google Shape;33;p8"/>
-          <p:cNvSpPr txBox="1"/>
+          <p:cNvSpPr txBox="1">
+            <a:spLocks noGrp="1"/>
+          </p:cNvSpPr>
           <p:nvPr>
             <p:ph type="title"/>
           </p:nvPr>
@@ -5909,7 +6099,7 @@
           </a:prstGeom>
         </p:spPr>
         <p:txBody>
-          <a:bodyPr anchorCtr="0" anchor="ctr" bIns="91425" lIns="91425" spcFirstLastPara="1" rIns="91425" wrap="square" tIns="91425">
+          <a:bodyPr spcFirstLastPara="1" wrap="square" lIns="91425" tIns="91425" rIns="91425" bIns="91425" anchor="ctr" anchorCtr="0">
             <a:normAutofit/>
           </a:bodyPr>
           <a:lstStyle>
@@ -6013,15 +6203,19 @@
               <a:defRPr sz="4800"/>
             </a:lvl9pPr>
           </a:lstStyle>
-          <a:p/>
+          <a:p>
+            <a:endParaRPr/>
+          </a:p>
         </p:txBody>
       </p:sp>
       <p:sp>
         <p:nvSpPr>
           <p:cNvPr id="34" name="Google Shape;34;p8"/>
-          <p:cNvSpPr txBox="1"/>
+          <p:cNvSpPr txBox="1">
+            <a:spLocks noGrp="1"/>
+          </p:cNvSpPr>
           <p:nvPr>
-            <p:ph idx="12" type="sldNum"/>
+            <p:ph type="sldNum" idx="12"/>
           </p:nvPr>
         </p:nvSpPr>
         <p:spPr>
@@ -6034,7 +6228,7 @@
           </a:prstGeom>
         </p:spPr>
         <p:txBody>
-          <a:bodyPr anchorCtr="0" anchor="ctr" bIns="91425" lIns="91425" spcFirstLastPara="1" rIns="91425" wrap="square" tIns="91425">
+          <a:bodyPr spcFirstLastPara="1" wrap="square" lIns="91425" tIns="91425" rIns="91425" bIns="91425" anchor="ctr" anchorCtr="0">
             <a:normAutofit/>
           </a:bodyPr>
           <a:lstStyle>
@@ -6076,7 +6270,7 @@
             </a:lvl9pPr>
           </a:lstStyle>
           <a:p>
-            <a:pPr indent="0" lvl="0" marL="0" rtl="0" algn="r">
+            <a:pPr marL="0" lvl="0" indent="0" algn="r" rtl="0">
               <a:spcBef>
                 <a:spcPts val="0"/>
               </a:spcBef>
@@ -6102,11 +6296,11 @@
 </file>
 
 <file path=ppt/slideLayouts/slideLayout8.xml><?xml version="1.0" encoding="utf-8"?>
-<p:sldLayout xmlns:a="http://schemas.openxmlformats.org/drawingml/2006/main" xmlns:r="http://schemas.openxmlformats.org/officeDocument/2006/relationships" xmlns:mc="http://schemas.openxmlformats.org/markup-compatibility/2006" xmlns:mv="urn:schemas-microsoft-com:mac:vml" xmlns:p="http://schemas.openxmlformats.org/presentationml/2006/main" xmlns:c="http://schemas.openxmlformats.org/drawingml/2006/chart" xmlns:dgm="http://schemas.openxmlformats.org/drawingml/2006/diagram" xmlns:o="urn:schemas-microsoft-com:office:office" xmlns:v="urn:schemas-microsoft-com:vml" xmlns:pvml="urn:schemas-microsoft-com:office:powerpoint" xmlns:com="http://schemas.openxmlformats.org/drawingml/2006/compatibility" xmlns:p14="http://schemas.microsoft.com/office/powerpoint/2010/main" xmlns:p15="http://schemas.microsoft.com/office/powerpoint/2012/main" xmlns:ahyp="http://schemas.microsoft.com/office/drawing/2018/hyperlinkcolor" matchingName="Section title and description">
+<p:sldLayout xmlns:a="http://schemas.openxmlformats.org/drawingml/2006/main" xmlns:r="http://schemas.openxmlformats.org/officeDocument/2006/relationships" xmlns:p="http://schemas.openxmlformats.org/presentationml/2006/main" matchingName="Section title and description">
   <p:cSld name="SECTION_TITLE_AND_DESCRIPTION">
     <p:spTree>
       <p:nvGrpSpPr>
-        <p:cNvPr id="35" name="Shape 35"/>
+        <p:cNvPr id="1" name="Shape 35"/>
         <p:cNvGrpSpPr/>
         <p:nvPr/>
       </p:nvGrpSpPr>
@@ -6140,23 +6334,20 @@
           </a:ln>
         </p:spPr>
         <p:txBody>
-          <a:bodyPr anchorCtr="0" anchor="ctr" bIns="91425" lIns="91425" spcFirstLastPara="1" rIns="91425" wrap="square" tIns="91425">
+          <a:bodyPr spcFirstLastPara="1" wrap="square" lIns="91425" tIns="91425" rIns="91425" bIns="91425" anchor="ctr" anchorCtr="0">
             <a:noAutofit/>
           </a:bodyPr>
           <a:lstStyle/>
           <a:p>
-            <a:pPr indent="0" lvl="0" marL="0" rtl="0" algn="l">
-              <a:spcBef>
-                <a:spcPts val="0"/>
-              </a:spcBef>
-              <a:spcAft>
-                <a:spcPts val="0"/>
-              </a:spcAft>
-              <a:buNone/>
-            </a:pPr>
-            <a:r>
-              <a:t/>
-            </a:r>
+            <a:pPr marL="0" lvl="0" indent="0" algn="l" rtl="0">
+              <a:spcBef>
+                <a:spcPts val="0"/>
+              </a:spcBef>
+              <a:spcAft>
+                <a:spcPts val="0"/>
+              </a:spcAft>
+              <a:buNone/>
+            </a:pPr>
             <a:endParaRPr/>
           </a:p>
         </p:txBody>
@@ -6164,7 +6355,9 @@
       <p:sp>
         <p:nvSpPr>
           <p:cNvPr id="37" name="Google Shape;37;p9"/>
-          <p:cNvSpPr txBox="1"/>
+          <p:cNvSpPr txBox="1">
+            <a:spLocks noGrp="1"/>
+          </p:cNvSpPr>
           <p:nvPr>
             <p:ph type="title"/>
           </p:nvPr>
@@ -6179,7 +6372,7 @@
           </a:prstGeom>
         </p:spPr>
         <p:txBody>
-          <a:bodyPr anchorCtr="0" anchor="b" bIns="91425" lIns="91425" spcFirstLastPara="1" rIns="91425" wrap="square" tIns="91425">
+          <a:bodyPr spcFirstLastPara="1" wrap="square" lIns="91425" tIns="91425" rIns="91425" bIns="91425" anchor="b" anchorCtr="0">
             <a:normAutofit/>
           </a:bodyPr>
           <a:lstStyle>
@@ -6283,15 +6476,19 @@
               <a:defRPr sz="4200"/>
             </a:lvl9pPr>
           </a:lstStyle>
-          <a:p/>
+          <a:p>
+            <a:endParaRPr/>
+          </a:p>
         </p:txBody>
       </p:sp>
       <p:sp>
         <p:nvSpPr>
           <p:cNvPr id="38" name="Google Shape;38;p9"/>
-          <p:cNvSpPr txBox="1"/>
+          <p:cNvSpPr txBox="1">
+            <a:spLocks noGrp="1"/>
+          </p:cNvSpPr>
           <p:nvPr>
-            <p:ph idx="1" type="subTitle"/>
+            <p:ph type="subTitle" idx="1"/>
           </p:nvPr>
         </p:nvSpPr>
         <p:spPr>
@@ -6304,7 +6501,7 @@
           </a:prstGeom>
         </p:spPr>
         <p:txBody>
-          <a:bodyPr anchorCtr="0" anchor="t" bIns="91425" lIns="91425" spcFirstLastPara="1" rIns="91425" wrap="square" tIns="91425">
+          <a:bodyPr spcFirstLastPara="1" wrap="square" lIns="91425" tIns="91425" rIns="91425" bIns="91425" anchor="t" anchorCtr="0">
             <a:normAutofit/>
           </a:bodyPr>
           <a:lstStyle>
@@ -6435,15 +6632,19 @@
               <a:defRPr sz="2100"/>
             </a:lvl9pPr>
           </a:lstStyle>
-          <a:p/>
+          <a:p>
+            <a:endParaRPr/>
+          </a:p>
         </p:txBody>
       </p:sp>
       <p:sp>
         <p:nvSpPr>
           <p:cNvPr id="39" name="Google Shape;39;p9"/>
-          <p:cNvSpPr txBox="1"/>
+          <p:cNvSpPr txBox="1">
+            <a:spLocks noGrp="1"/>
+          </p:cNvSpPr>
           <p:nvPr>
-            <p:ph idx="2" type="body"/>
+            <p:ph type="body" idx="2"/>
           </p:nvPr>
         </p:nvSpPr>
         <p:spPr>
@@ -6456,11 +6657,11 @@
           </a:prstGeom>
         </p:spPr>
         <p:txBody>
-          <a:bodyPr anchorCtr="0" anchor="ctr" bIns="91425" lIns="91425" spcFirstLastPara="1" rIns="91425" wrap="square" tIns="91425">
+          <a:bodyPr spcFirstLastPara="1" wrap="square" lIns="91425" tIns="91425" rIns="91425" bIns="91425" anchor="ctr" anchorCtr="0">
             <a:normAutofit/>
           </a:bodyPr>
           <a:lstStyle>
-            <a:lvl1pPr indent="-342900" lvl="0" marL="457200">
+            <a:lvl1pPr marL="457200" lvl="0" indent="-342900">
               <a:spcBef>
                 <a:spcPts val="0"/>
               </a:spcBef>
@@ -6471,7 +6672,7 @@
               <a:buChar char="●"/>
               <a:defRPr/>
             </a:lvl1pPr>
-            <a:lvl2pPr indent="-317500" lvl="1" marL="914400">
+            <a:lvl2pPr marL="914400" lvl="1" indent="-317500">
               <a:spcBef>
                 <a:spcPts val="0"/>
               </a:spcBef>
@@ -6482,7 +6683,7 @@
               <a:buChar char="○"/>
               <a:defRPr/>
             </a:lvl2pPr>
-            <a:lvl3pPr indent="-317500" lvl="2" marL="1371600">
+            <a:lvl3pPr marL="1371600" lvl="2" indent="-317500">
               <a:spcBef>
                 <a:spcPts val="0"/>
               </a:spcBef>
@@ -6493,7 +6694,7 @@
               <a:buChar char="■"/>
               <a:defRPr/>
             </a:lvl3pPr>
-            <a:lvl4pPr indent="-317500" lvl="3" marL="1828800">
+            <a:lvl4pPr marL="1828800" lvl="3" indent="-317500">
               <a:spcBef>
                 <a:spcPts val="0"/>
               </a:spcBef>
@@ -6504,7 +6705,7 @@
               <a:buChar char="●"/>
               <a:defRPr/>
             </a:lvl4pPr>
-            <a:lvl5pPr indent="-317500" lvl="4" marL="2286000">
+            <a:lvl5pPr marL="2286000" lvl="4" indent="-317500">
               <a:spcBef>
                 <a:spcPts val="0"/>
               </a:spcBef>
@@ -6515,7 +6716,7 @@
               <a:buChar char="○"/>
               <a:defRPr/>
             </a:lvl5pPr>
-            <a:lvl6pPr indent="-317500" lvl="5" marL="2743200">
+            <a:lvl6pPr marL="2743200" lvl="5" indent="-317500">
               <a:spcBef>
                 <a:spcPts val="0"/>
               </a:spcBef>
@@ -6526,7 +6727,7 @@
               <a:buChar char="■"/>
               <a:defRPr/>
             </a:lvl6pPr>
-            <a:lvl7pPr indent="-317500" lvl="6" marL="3200400">
+            <a:lvl7pPr marL="3200400" lvl="6" indent="-317500">
               <a:spcBef>
                 <a:spcPts val="0"/>
               </a:spcBef>
@@ -6537,7 +6738,7 @@
               <a:buChar char="●"/>
               <a:defRPr/>
             </a:lvl7pPr>
-            <a:lvl8pPr indent="-317500" lvl="7" marL="3657600">
+            <a:lvl8pPr marL="3657600" lvl="7" indent="-317500">
               <a:spcBef>
                 <a:spcPts val="0"/>
               </a:spcBef>
@@ -6548,7 +6749,7 @@
               <a:buChar char="○"/>
               <a:defRPr/>
             </a:lvl8pPr>
-            <a:lvl9pPr indent="-317500" lvl="8" marL="4114800">
+            <a:lvl9pPr marL="4114800" lvl="8" indent="-317500">
               <a:spcBef>
                 <a:spcPts val="0"/>
               </a:spcBef>
@@ -6560,15 +6761,19 @@
               <a:defRPr/>
             </a:lvl9pPr>
           </a:lstStyle>
-          <a:p/>
+          <a:p>
+            <a:endParaRPr/>
+          </a:p>
         </p:txBody>
       </p:sp>
       <p:sp>
         <p:nvSpPr>
           <p:cNvPr id="40" name="Google Shape;40;p9"/>
-          <p:cNvSpPr txBox="1"/>
+          <p:cNvSpPr txBox="1">
+            <a:spLocks noGrp="1"/>
+          </p:cNvSpPr>
           <p:nvPr>
-            <p:ph idx="12" type="sldNum"/>
+            <p:ph type="sldNum" idx="12"/>
           </p:nvPr>
         </p:nvSpPr>
         <p:spPr>
@@ -6581,7 +6786,7 @@
           </a:prstGeom>
         </p:spPr>
         <p:txBody>
-          <a:bodyPr anchorCtr="0" anchor="ctr" bIns="91425" lIns="91425" spcFirstLastPara="1" rIns="91425" wrap="square" tIns="91425">
+          <a:bodyPr spcFirstLastPara="1" wrap="square" lIns="91425" tIns="91425" rIns="91425" bIns="91425" anchor="ctr" anchorCtr="0">
             <a:normAutofit/>
           </a:bodyPr>
           <a:lstStyle>
@@ -6623,7 +6828,7 @@
             </a:lvl9pPr>
           </a:lstStyle>
           <a:p>
-            <a:pPr indent="0" lvl="0" marL="0" rtl="0" algn="r">
+            <a:pPr marL="0" lvl="0" indent="0" algn="r" rtl="0">
               <a:spcBef>
                 <a:spcPts val="0"/>
               </a:spcBef>
@@ -6649,11 +6854,11 @@
 </file>
 
 <file path=ppt/slideLayouts/slideLayout9.xml><?xml version="1.0" encoding="utf-8"?>
-<p:sldLayout xmlns:a="http://schemas.openxmlformats.org/drawingml/2006/main" xmlns:r="http://schemas.openxmlformats.org/officeDocument/2006/relationships" xmlns:mc="http://schemas.openxmlformats.org/markup-compatibility/2006" xmlns:mv="urn:schemas-microsoft-com:mac:vml" xmlns:p="http://schemas.openxmlformats.org/presentationml/2006/main" xmlns:c="http://schemas.openxmlformats.org/drawingml/2006/chart" xmlns:dgm="http://schemas.openxmlformats.org/drawingml/2006/diagram" xmlns:o="urn:schemas-microsoft-com:office:office" xmlns:v="urn:schemas-microsoft-com:vml" xmlns:pvml="urn:schemas-microsoft-com:office:powerpoint" xmlns:com="http://schemas.openxmlformats.org/drawingml/2006/compatibility" xmlns:p14="http://schemas.microsoft.com/office/powerpoint/2010/main" xmlns:p15="http://schemas.microsoft.com/office/powerpoint/2012/main" xmlns:ahyp="http://schemas.microsoft.com/office/drawing/2018/hyperlinkcolor" matchingName="Caption">
+<p:sldLayout xmlns:a="http://schemas.openxmlformats.org/drawingml/2006/main" xmlns:r="http://schemas.openxmlformats.org/officeDocument/2006/relationships" xmlns:p="http://schemas.openxmlformats.org/presentationml/2006/main" matchingName="Caption">
   <p:cSld name="CAPTION_ONLY">
     <p:spTree>
       <p:nvGrpSpPr>
-        <p:cNvPr id="41" name="Shape 41"/>
+        <p:cNvPr id="1" name="Shape 41"/>
         <p:cNvGrpSpPr/>
         <p:nvPr/>
       </p:nvGrpSpPr>
@@ -6668,9 +6873,11 @@
       <p:sp>
         <p:nvSpPr>
           <p:cNvPr id="42" name="Google Shape;42;p10"/>
-          <p:cNvSpPr txBox="1"/>
+          <p:cNvSpPr txBox="1">
+            <a:spLocks noGrp="1"/>
+          </p:cNvSpPr>
           <p:nvPr>
-            <p:ph idx="1" type="body"/>
+            <p:ph type="body" idx="1"/>
           </p:nvPr>
         </p:nvSpPr>
         <p:spPr>
@@ -6683,11 +6890,11 @@
           </a:prstGeom>
         </p:spPr>
         <p:txBody>
-          <a:bodyPr anchorCtr="0" anchor="ctr" bIns="91425" lIns="91425" spcFirstLastPara="1" rIns="91425" wrap="square" tIns="91425">
+          <a:bodyPr spcFirstLastPara="1" wrap="square" lIns="91425" tIns="91425" rIns="91425" bIns="91425" anchor="ctr" anchorCtr="0">
             <a:normAutofit/>
           </a:bodyPr>
           <a:lstStyle>
-            <a:lvl1pPr indent="-228600" lvl="0" marL="457200">
+            <a:lvl1pPr marL="457200" lvl="0" indent="-228600">
               <a:lnSpc>
                 <a:spcPct val="100000"/>
               </a:lnSpc>
@@ -6702,15 +6909,19 @@
               <a:defRPr/>
             </a:lvl1pPr>
           </a:lstStyle>
-          <a:p/>
+          <a:p>
+            <a:endParaRPr/>
+          </a:p>
         </p:txBody>
       </p:sp>
       <p:sp>
         <p:nvSpPr>
           <p:cNvPr id="43" name="Google Shape;43;p10"/>
-          <p:cNvSpPr txBox="1"/>
+          <p:cNvSpPr txBox="1">
+            <a:spLocks noGrp="1"/>
+          </p:cNvSpPr>
           <p:nvPr>
-            <p:ph idx="12" type="sldNum"/>
+            <p:ph type="sldNum" idx="12"/>
           </p:nvPr>
         </p:nvSpPr>
         <p:spPr>
@@ -6723,7 +6934,7 @@
           </a:prstGeom>
         </p:spPr>
         <p:txBody>
-          <a:bodyPr anchorCtr="0" anchor="ctr" bIns="91425" lIns="91425" spcFirstLastPara="1" rIns="91425" wrap="square" tIns="91425">
+          <a:bodyPr spcFirstLastPara="1" wrap="square" lIns="91425" tIns="91425" rIns="91425" bIns="91425" anchor="ctr" anchorCtr="0">
             <a:normAutofit/>
           </a:bodyPr>
           <a:lstStyle>
@@ -6765,7 +6976,7 @@
             </a:lvl9pPr>
           </a:lstStyle>
           <a:p>
-            <a:pPr indent="0" lvl="0" marL="0" rtl="0" algn="r">
+            <a:pPr marL="0" lvl="0" indent="0" algn="r" rtl="0">
               <a:spcBef>
                 <a:spcPts val="0"/>
               </a:spcBef>
@@ -6791,18 +7002,19 @@
 </file>
 
 <file path=ppt/slideMasters/slideMaster1.xml><?xml version="1.0" encoding="utf-8"?>
-<p:sldMaster xmlns:a="http://schemas.openxmlformats.org/drawingml/2006/main" xmlns:r="http://schemas.openxmlformats.org/officeDocument/2006/relationships" xmlns:mc="http://schemas.openxmlformats.org/markup-compatibility/2006" xmlns:mv="urn:schemas-microsoft-com:mac:vml" xmlns:p="http://schemas.openxmlformats.org/presentationml/2006/main" xmlns:c="http://schemas.openxmlformats.org/drawingml/2006/chart" xmlns:dgm="http://schemas.openxmlformats.org/drawingml/2006/diagram" xmlns:o="urn:schemas-microsoft-com:office:office" xmlns:v="urn:schemas-microsoft-com:vml" xmlns:pvml="urn:schemas-microsoft-com:office:powerpoint" xmlns:com="http://schemas.openxmlformats.org/drawingml/2006/compatibility" xmlns:p14="http://schemas.microsoft.com/office/powerpoint/2010/main" xmlns:p15="http://schemas.microsoft.com/office/powerpoint/2012/main" xmlns:ahyp="http://schemas.microsoft.com/office/drawing/2018/hyperlinkcolor">
+<p:sldMaster xmlns:a="http://schemas.openxmlformats.org/drawingml/2006/main" xmlns:r="http://schemas.openxmlformats.org/officeDocument/2006/relationships" xmlns:p="http://schemas.openxmlformats.org/presentationml/2006/main">
   <p:cSld name="simple-light-2">
     <p:bg>
       <p:bgPr>
         <a:solidFill>
           <a:schemeClr val="lt1"/>
         </a:solidFill>
+        <a:effectLst/>
       </p:bgPr>
     </p:bg>
     <p:spTree>
       <p:nvGrpSpPr>
-        <p:cNvPr id="5" name="Shape 5"/>
+        <p:cNvPr id="1" name="Shape 5"/>
         <p:cNvGrpSpPr/>
         <p:nvPr/>
       </p:nvGrpSpPr>
@@ -6817,7 +7029,9 @@
       <p:sp>
         <p:nvSpPr>
           <p:cNvPr id="6" name="Google Shape;6;p1"/>
-          <p:cNvSpPr txBox="1"/>
+          <p:cNvSpPr txBox="1">
+            <a:spLocks noGrp="1"/>
+          </p:cNvSpPr>
           <p:nvPr>
             <p:ph type="title"/>
           </p:nvPr>
@@ -6836,7 +7050,7 @@
           </a:ln>
         </p:spPr>
         <p:txBody>
-          <a:bodyPr anchorCtr="0" anchor="t" bIns="91425" lIns="91425" spcFirstLastPara="1" rIns="91425" wrap="square" tIns="91425">
+          <a:bodyPr spcFirstLastPara="1" wrap="square" lIns="91425" tIns="91425" rIns="91425" bIns="91425" anchor="t" anchorCtr="0">
             <a:normAutofit/>
           </a:bodyPr>
           <a:lstStyle>
@@ -7003,15 +7217,19 @@
               </a:defRPr>
             </a:lvl9pPr>
           </a:lstStyle>
-          <a:p/>
+          <a:p>
+            <a:endParaRPr/>
+          </a:p>
         </p:txBody>
       </p:sp>
       <p:sp>
         <p:nvSpPr>
           <p:cNvPr id="7" name="Google Shape;7;p1"/>
-          <p:cNvSpPr txBox="1"/>
+          <p:cNvSpPr txBox="1">
+            <a:spLocks noGrp="1"/>
+          </p:cNvSpPr>
           <p:nvPr>
-            <p:ph idx="1" type="body"/>
+            <p:ph type="body" idx="1"/>
           </p:nvPr>
         </p:nvSpPr>
         <p:spPr>
@@ -7028,11 +7246,11 @@
           </a:ln>
         </p:spPr>
         <p:txBody>
-          <a:bodyPr anchorCtr="0" anchor="t" bIns="91425" lIns="91425" spcFirstLastPara="1" rIns="91425" wrap="square" tIns="91425">
+          <a:bodyPr spcFirstLastPara="1" wrap="square" lIns="91425" tIns="91425" rIns="91425" bIns="91425" anchor="t" anchorCtr="0">
             <a:normAutofit/>
           </a:bodyPr>
           <a:lstStyle>
-            <a:lvl1pPr indent="-342900" lvl="0" marL="457200">
+            <a:lvl1pPr marL="457200" lvl="0" indent="-342900">
               <a:lnSpc>
                 <a:spcPct val="115000"/>
               </a:lnSpc>
@@ -7053,7 +7271,7 @@
                 </a:solidFill>
               </a:defRPr>
             </a:lvl1pPr>
-            <a:lvl2pPr indent="-317500" lvl="1" marL="914400">
+            <a:lvl2pPr marL="914400" lvl="1" indent="-317500">
               <a:lnSpc>
                 <a:spcPct val="115000"/>
               </a:lnSpc>
@@ -7074,7 +7292,7 @@
                 </a:solidFill>
               </a:defRPr>
             </a:lvl2pPr>
-            <a:lvl3pPr indent="-317500" lvl="2" marL="1371600">
+            <a:lvl3pPr marL="1371600" lvl="2" indent="-317500">
               <a:lnSpc>
                 <a:spcPct val="115000"/>
               </a:lnSpc>
@@ -7095,7 +7313,7 @@
                 </a:solidFill>
               </a:defRPr>
             </a:lvl3pPr>
-            <a:lvl4pPr indent="-317500" lvl="3" marL="1828800">
+            <a:lvl4pPr marL="1828800" lvl="3" indent="-317500">
               <a:lnSpc>
                 <a:spcPct val="115000"/>
               </a:lnSpc>
@@ -7116,7 +7334,7 @@
                 </a:solidFill>
               </a:defRPr>
             </a:lvl4pPr>
-            <a:lvl5pPr indent="-317500" lvl="4" marL="2286000">
+            <a:lvl5pPr marL="2286000" lvl="4" indent="-317500">
               <a:lnSpc>
                 <a:spcPct val="115000"/>
               </a:lnSpc>
@@ -7137,7 +7355,7 @@
                 </a:solidFill>
               </a:defRPr>
             </a:lvl5pPr>
-            <a:lvl6pPr indent="-317500" lvl="5" marL="2743200">
+            <a:lvl6pPr marL="2743200" lvl="5" indent="-317500">
               <a:lnSpc>
                 <a:spcPct val="115000"/>
               </a:lnSpc>
@@ -7158,7 +7376,7 @@
                 </a:solidFill>
               </a:defRPr>
             </a:lvl6pPr>
-            <a:lvl7pPr indent="-317500" lvl="6" marL="3200400">
+            <a:lvl7pPr marL="3200400" lvl="6" indent="-317500">
               <a:lnSpc>
                 <a:spcPct val="115000"/>
               </a:lnSpc>
@@ -7179,7 +7397,7 @@
                 </a:solidFill>
               </a:defRPr>
             </a:lvl7pPr>
-            <a:lvl8pPr indent="-317500" lvl="7" marL="3657600">
+            <a:lvl8pPr marL="3657600" lvl="7" indent="-317500">
               <a:lnSpc>
                 <a:spcPct val="115000"/>
               </a:lnSpc>
@@ -7200,7 +7418,7 @@
                 </a:solidFill>
               </a:defRPr>
             </a:lvl8pPr>
-            <a:lvl9pPr indent="-317500" lvl="8" marL="4114800">
+            <a:lvl9pPr marL="4114800" lvl="8" indent="-317500">
               <a:lnSpc>
                 <a:spcPct val="115000"/>
               </a:lnSpc>
@@ -7222,15 +7440,19 @@
               </a:defRPr>
             </a:lvl9pPr>
           </a:lstStyle>
-          <a:p/>
+          <a:p>
+            <a:endParaRPr/>
+          </a:p>
         </p:txBody>
       </p:sp>
       <p:sp>
         <p:nvSpPr>
           <p:cNvPr id="8" name="Google Shape;8;p1"/>
-          <p:cNvSpPr txBox="1"/>
+          <p:cNvSpPr txBox="1">
+            <a:spLocks noGrp="1"/>
+          </p:cNvSpPr>
           <p:nvPr>
-            <p:ph idx="12" type="sldNum"/>
+            <p:ph type="sldNum" idx="12"/>
           </p:nvPr>
         </p:nvSpPr>
         <p:spPr>
@@ -7247,7 +7469,7 @@
           </a:ln>
         </p:spPr>
         <p:txBody>
-          <a:bodyPr anchorCtr="0" anchor="ctr" bIns="91425" lIns="91425" spcFirstLastPara="1" rIns="91425" wrap="square" tIns="91425">
+          <a:bodyPr spcFirstLastPara="1" wrap="square" lIns="91425" tIns="91425" rIns="91425" bIns="91425" anchor="ctr" anchorCtr="0">
             <a:normAutofit/>
           </a:bodyPr>
           <a:lstStyle>
@@ -7325,7 +7547,7 @@
             </a:lvl9pPr>
           </a:lstStyle>
           <a:p>
-            <a:pPr indent="0" lvl="0" marL="0" rtl="0" algn="r">
+            <a:pPr marL="0" lvl="0" indent="0" algn="r" rtl="0">
               <a:spcBef>
                 <a:spcPts val="0"/>
               </a:spcBef>
@@ -7344,7 +7566,7 @@
       </p:sp>
     </p:spTree>
   </p:cSld>
-  <p:clrMap accent1="accent1" accent2="accent2" accent3="accent3" accent4="accent4" accent5="accent5" accent6="accent6" bg1="lt1" bg2="dk2" tx1="dk1" tx2="lt2" folHlink="folHlink" hlink="hlink"/>
+  <p:clrMap bg1="lt1" tx1="dk1" bg2="dk2" tx2="lt2" accent1="accent1" accent2="accent2" accent3="accent3" accent4="accent4" accent5="accent5" accent6="accent6" hlink="hlink" folHlink="folHlink"/>
   <p:sldLayoutIdLst>
     <p:sldLayoutId id="2147483648" r:id="rId1"/>
     <p:sldLayoutId id="2147483649" r:id="rId2"/>
@@ -7358,10 +7580,10 @@
     <p:sldLayoutId id="2147483657" r:id="rId10"/>
     <p:sldLayoutId id="2147483658" r:id="rId11"/>
   </p:sldLayoutIdLst>
-  <p:hf dt="0" ftr="0" hdr="0" sldNum="0"/>
+  <p:hf sldNum="0" hdr="0" ftr="0" dt="0"/>
   <p:txStyles>
     <p:titleStyle>
-      <a:defPPr lvl="0" marR="0" rtl="0" algn="l">
+      <a:defPPr marR="0" lvl="0" algn="l" rtl="0">
         <a:lnSpc>
           <a:spcPct val="100000"/>
         </a:lnSpc>
@@ -7372,7 +7594,7 @@
           <a:spcPts val="0"/>
         </a:spcAft>
       </a:defPPr>
-      <a:lvl1pPr lvl="0" marR="0" rtl="0" algn="l">
+      <a:lvl1pPr marR="0" lvl="0" algn="l" rtl="0">
         <a:lnSpc>
           <a:spcPct val="100000"/>
         </a:lnSpc>
@@ -7386,7 +7608,7 @@
           <a:srgbClr val="000000"/>
         </a:buClr>
         <a:buFont typeface="Arial"/>
-        <a:defRPr b="0" i="0" sz="1400" u="none" cap="none" strike="noStrike">
+        <a:defRPr sz="1400" b="0" i="0" u="none" strike="noStrike" cap="none">
           <a:solidFill>
             <a:srgbClr val="000000"/>
           </a:solidFill>
@@ -7396,7 +7618,7 @@
           <a:sym typeface="Arial"/>
         </a:defRPr>
       </a:lvl1pPr>
-      <a:lvl2pPr lvl="1" marR="0" rtl="0" algn="l">
+      <a:lvl2pPr marR="0" lvl="1" algn="l" rtl="0">
         <a:lnSpc>
           <a:spcPct val="100000"/>
         </a:lnSpc>
@@ -7410,7 +7632,7 @@
           <a:srgbClr val="000000"/>
         </a:buClr>
         <a:buFont typeface="Arial"/>
-        <a:defRPr b="0" i="0" sz="1400" u="none" cap="none" strike="noStrike">
+        <a:defRPr sz="1400" b="0" i="0" u="none" strike="noStrike" cap="none">
           <a:solidFill>
             <a:srgbClr val="000000"/>
           </a:solidFill>
@@ -7420,7 +7642,7 @@
           <a:sym typeface="Arial"/>
         </a:defRPr>
       </a:lvl2pPr>
-      <a:lvl3pPr lvl="2" marR="0" rtl="0" algn="l">
+      <a:lvl3pPr marR="0" lvl="2" algn="l" rtl="0">
         <a:lnSpc>
           <a:spcPct val="100000"/>
         </a:lnSpc>
@@ -7434,7 +7656,7 @@
           <a:srgbClr val="000000"/>
         </a:buClr>
         <a:buFont typeface="Arial"/>
-        <a:defRPr b="0" i="0" sz="1400" u="none" cap="none" strike="noStrike">
+        <a:defRPr sz="1400" b="0" i="0" u="none" strike="noStrike" cap="none">
           <a:solidFill>
             <a:srgbClr val="000000"/>
           </a:solidFill>
@@ -7444,7 +7666,7 @@
           <a:sym typeface="Arial"/>
         </a:defRPr>
       </a:lvl3pPr>
-      <a:lvl4pPr lvl="3" marR="0" rtl="0" algn="l">
+      <a:lvl4pPr marR="0" lvl="3" algn="l" rtl="0">
         <a:lnSpc>
           <a:spcPct val="100000"/>
         </a:lnSpc>
@@ -7458,7 +7680,7 @@
           <a:srgbClr val="000000"/>
         </a:buClr>
         <a:buFont typeface="Arial"/>
-        <a:defRPr b="0" i="0" sz="1400" u="none" cap="none" strike="noStrike">
+        <a:defRPr sz="1400" b="0" i="0" u="none" strike="noStrike" cap="none">
           <a:solidFill>
             <a:srgbClr val="000000"/>
           </a:solidFill>
@@ -7468,7 +7690,7 @@
           <a:sym typeface="Arial"/>
         </a:defRPr>
       </a:lvl4pPr>
-      <a:lvl5pPr lvl="4" marR="0" rtl="0" algn="l">
+      <a:lvl5pPr marR="0" lvl="4" algn="l" rtl="0">
         <a:lnSpc>
           <a:spcPct val="100000"/>
         </a:lnSpc>
@@ -7482,7 +7704,7 @@
           <a:srgbClr val="000000"/>
         </a:buClr>
         <a:buFont typeface="Arial"/>
-        <a:defRPr b="0" i="0" sz="1400" u="none" cap="none" strike="noStrike">
+        <a:defRPr sz="1400" b="0" i="0" u="none" strike="noStrike" cap="none">
           <a:solidFill>
             <a:srgbClr val="000000"/>
           </a:solidFill>
@@ -7492,7 +7714,7 @@
           <a:sym typeface="Arial"/>
         </a:defRPr>
       </a:lvl5pPr>
-      <a:lvl6pPr lvl="5" marR="0" rtl="0" algn="l">
+      <a:lvl6pPr marR="0" lvl="5" algn="l" rtl="0">
         <a:lnSpc>
           <a:spcPct val="100000"/>
         </a:lnSpc>
@@ -7506,7 +7728,7 @@
           <a:srgbClr val="000000"/>
         </a:buClr>
         <a:buFont typeface="Arial"/>
-        <a:defRPr b="0" i="0" sz="1400" u="none" cap="none" strike="noStrike">
+        <a:defRPr sz="1400" b="0" i="0" u="none" strike="noStrike" cap="none">
           <a:solidFill>
             <a:srgbClr val="000000"/>
           </a:solidFill>
@@ -7516,7 +7738,7 @@
           <a:sym typeface="Arial"/>
         </a:defRPr>
       </a:lvl6pPr>
-      <a:lvl7pPr lvl="6" marR="0" rtl="0" algn="l">
+      <a:lvl7pPr marR="0" lvl="6" algn="l" rtl="0">
         <a:lnSpc>
           <a:spcPct val="100000"/>
         </a:lnSpc>
@@ -7530,7 +7752,7 @@
           <a:srgbClr val="000000"/>
         </a:buClr>
         <a:buFont typeface="Arial"/>
-        <a:defRPr b="0" i="0" sz="1400" u="none" cap="none" strike="noStrike">
+        <a:defRPr sz="1400" b="0" i="0" u="none" strike="noStrike" cap="none">
           <a:solidFill>
             <a:srgbClr val="000000"/>
           </a:solidFill>
@@ -7540,7 +7762,7 @@
           <a:sym typeface="Arial"/>
         </a:defRPr>
       </a:lvl7pPr>
-      <a:lvl8pPr lvl="7" marR="0" rtl="0" algn="l">
+      <a:lvl8pPr marR="0" lvl="7" algn="l" rtl="0">
         <a:lnSpc>
           <a:spcPct val="100000"/>
         </a:lnSpc>
@@ -7554,7 +7776,7 @@
           <a:srgbClr val="000000"/>
         </a:buClr>
         <a:buFont typeface="Arial"/>
-        <a:defRPr b="0" i="0" sz="1400" u="none" cap="none" strike="noStrike">
+        <a:defRPr sz="1400" b="0" i="0" u="none" strike="noStrike" cap="none">
           <a:solidFill>
             <a:srgbClr val="000000"/>
           </a:solidFill>
@@ -7564,7 +7786,7 @@
           <a:sym typeface="Arial"/>
         </a:defRPr>
       </a:lvl8pPr>
-      <a:lvl9pPr lvl="8" marR="0" rtl="0" algn="l">
+      <a:lvl9pPr marR="0" lvl="8" algn="l" rtl="0">
         <a:lnSpc>
           <a:spcPct val="100000"/>
         </a:lnSpc>
@@ -7578,7 +7800,7 @@
           <a:srgbClr val="000000"/>
         </a:buClr>
         <a:buFont typeface="Arial"/>
-        <a:defRPr b="0" i="0" sz="1400" u="none" cap="none" strike="noStrike">
+        <a:defRPr sz="1400" b="0" i="0" u="none" strike="noStrike" cap="none">
           <a:solidFill>
             <a:srgbClr val="000000"/>
           </a:solidFill>
@@ -7590,7 +7812,7 @@
       </a:lvl9pPr>
     </p:titleStyle>
     <p:bodyStyle>
-      <a:defPPr lvl="0" marR="0" rtl="0" algn="l">
+      <a:defPPr marR="0" lvl="0" algn="l" rtl="0">
         <a:lnSpc>
           <a:spcPct val="100000"/>
         </a:lnSpc>
@@ -7601,7 +7823,7 @@
           <a:spcPts val="0"/>
         </a:spcAft>
       </a:defPPr>
-      <a:lvl1pPr lvl="0" marR="0" rtl="0" algn="l">
+      <a:lvl1pPr marR="0" lvl="0" algn="l" rtl="0">
         <a:lnSpc>
           <a:spcPct val="100000"/>
         </a:lnSpc>
@@ -7615,7 +7837,7 @@
           <a:srgbClr val="000000"/>
         </a:buClr>
         <a:buFont typeface="Arial"/>
-        <a:defRPr b="0" i="0" sz="1400" u="none" cap="none" strike="noStrike">
+        <a:defRPr sz="1400" b="0" i="0" u="none" strike="noStrike" cap="none">
           <a:solidFill>
             <a:srgbClr val="000000"/>
           </a:solidFill>
@@ -7625,7 +7847,7 @@
           <a:sym typeface="Arial"/>
         </a:defRPr>
       </a:lvl1pPr>
-      <a:lvl2pPr lvl="1" marR="0" rtl="0" algn="l">
+      <a:lvl2pPr marR="0" lvl="1" algn="l" rtl="0">
         <a:lnSpc>
           <a:spcPct val="100000"/>
         </a:lnSpc>
@@ -7639,7 +7861,7 @@
           <a:srgbClr val="000000"/>
         </a:buClr>
         <a:buFont typeface="Arial"/>
-        <a:defRPr b="0" i="0" sz="1400" u="none" cap="none" strike="noStrike">
+        <a:defRPr sz="1400" b="0" i="0" u="none" strike="noStrike" cap="none">
           <a:solidFill>
             <a:srgbClr val="000000"/>
           </a:solidFill>
@@ -7649,7 +7871,7 @@
           <a:sym typeface="Arial"/>
         </a:defRPr>
       </a:lvl2pPr>
-      <a:lvl3pPr lvl="2" marR="0" rtl="0" algn="l">
+      <a:lvl3pPr marR="0" lvl="2" algn="l" rtl="0">
         <a:lnSpc>
           <a:spcPct val="100000"/>
         </a:lnSpc>
@@ -7663,7 +7885,7 @@
           <a:srgbClr val="000000"/>
         </a:buClr>
         <a:buFont typeface="Arial"/>
-        <a:defRPr b="0" i="0" sz="1400" u="none" cap="none" strike="noStrike">
+        <a:defRPr sz="1400" b="0" i="0" u="none" strike="noStrike" cap="none">
           <a:solidFill>
             <a:srgbClr val="000000"/>
           </a:solidFill>
@@ -7673,7 +7895,7 @@
           <a:sym typeface="Arial"/>
         </a:defRPr>
       </a:lvl3pPr>
-      <a:lvl4pPr lvl="3" marR="0" rtl="0" algn="l">
+      <a:lvl4pPr marR="0" lvl="3" algn="l" rtl="0">
         <a:lnSpc>
           <a:spcPct val="100000"/>
         </a:lnSpc>
@@ -7687,7 +7909,7 @@
           <a:srgbClr val="000000"/>
         </a:buClr>
         <a:buFont typeface="Arial"/>
-        <a:defRPr b="0" i="0" sz="1400" u="none" cap="none" strike="noStrike">
+        <a:defRPr sz="1400" b="0" i="0" u="none" strike="noStrike" cap="none">
           <a:solidFill>
             <a:srgbClr val="000000"/>
           </a:solidFill>
@@ -7697,7 +7919,7 @@
           <a:sym typeface="Arial"/>
         </a:defRPr>
       </a:lvl4pPr>
-      <a:lvl5pPr lvl="4" marR="0" rtl="0" algn="l">
+      <a:lvl5pPr marR="0" lvl="4" algn="l" rtl="0">
         <a:lnSpc>
           <a:spcPct val="100000"/>
         </a:lnSpc>
@@ -7711,7 +7933,7 @@
           <a:srgbClr val="000000"/>
         </a:buClr>
         <a:buFont typeface="Arial"/>
-        <a:defRPr b="0" i="0" sz="1400" u="none" cap="none" strike="noStrike">
+        <a:defRPr sz="1400" b="0" i="0" u="none" strike="noStrike" cap="none">
           <a:solidFill>
             <a:srgbClr val="000000"/>
           </a:solidFill>
@@ -7721,7 +7943,7 @@
           <a:sym typeface="Arial"/>
         </a:defRPr>
       </a:lvl5pPr>
-      <a:lvl6pPr lvl="5" marR="0" rtl="0" algn="l">
+      <a:lvl6pPr marR="0" lvl="5" algn="l" rtl="0">
         <a:lnSpc>
           <a:spcPct val="100000"/>
         </a:lnSpc>
@@ -7735,7 +7957,7 @@
           <a:srgbClr val="000000"/>
         </a:buClr>
         <a:buFont typeface="Arial"/>
-        <a:defRPr b="0" i="0" sz="1400" u="none" cap="none" strike="noStrike">
+        <a:defRPr sz="1400" b="0" i="0" u="none" strike="noStrike" cap="none">
           <a:solidFill>
             <a:srgbClr val="000000"/>
           </a:solidFill>
@@ -7745,7 +7967,7 @@
           <a:sym typeface="Arial"/>
         </a:defRPr>
       </a:lvl6pPr>
-      <a:lvl7pPr lvl="6" marR="0" rtl="0" algn="l">
+      <a:lvl7pPr marR="0" lvl="6" algn="l" rtl="0">
         <a:lnSpc>
           <a:spcPct val="100000"/>
         </a:lnSpc>
@@ -7759,7 +7981,7 @@
           <a:srgbClr val="000000"/>
         </a:buClr>
         <a:buFont typeface="Arial"/>
-        <a:defRPr b="0" i="0" sz="1400" u="none" cap="none" strike="noStrike">
+        <a:defRPr sz="1400" b="0" i="0" u="none" strike="noStrike" cap="none">
           <a:solidFill>
             <a:srgbClr val="000000"/>
           </a:solidFill>
@@ -7769,7 +7991,7 @@
           <a:sym typeface="Arial"/>
         </a:defRPr>
       </a:lvl7pPr>
-      <a:lvl8pPr lvl="7" marR="0" rtl="0" algn="l">
+      <a:lvl8pPr marR="0" lvl="7" algn="l" rtl="0">
         <a:lnSpc>
           <a:spcPct val="100000"/>
         </a:lnSpc>
@@ -7783,7 +8005,7 @@
           <a:srgbClr val="000000"/>
         </a:buClr>
         <a:buFont typeface="Arial"/>
-        <a:defRPr b="0" i="0" sz="1400" u="none" cap="none" strike="noStrike">
+        <a:defRPr sz="1400" b="0" i="0" u="none" strike="noStrike" cap="none">
           <a:solidFill>
             <a:srgbClr val="000000"/>
           </a:solidFill>
@@ -7793,7 +8015,7 @@
           <a:sym typeface="Arial"/>
         </a:defRPr>
       </a:lvl8pPr>
-      <a:lvl9pPr lvl="8" marR="0" rtl="0" algn="l">
+      <a:lvl9pPr marR="0" lvl="8" algn="l" rtl="0">
         <a:lnSpc>
           <a:spcPct val="100000"/>
         </a:lnSpc>
@@ -7807,7 +8029,7 @@
           <a:srgbClr val="000000"/>
         </a:buClr>
         <a:buFont typeface="Arial"/>
-        <a:defRPr b="0" i="0" sz="1400" u="none" cap="none" strike="noStrike">
+        <a:defRPr sz="1400" b="0" i="0" u="none" strike="noStrike" cap="none">
           <a:solidFill>
             <a:srgbClr val="000000"/>
           </a:solidFill>
@@ -7819,7 +8041,7 @@
       </a:lvl9pPr>
     </p:bodyStyle>
     <p:otherStyle>
-      <a:defPPr lvl="0" marR="0" rtl="0" algn="l">
+      <a:defPPr marR="0" lvl="0" algn="l" rtl="0">
         <a:lnSpc>
           <a:spcPct val="100000"/>
         </a:lnSpc>
@@ -7830,7 +8052,7 @@
           <a:spcPts val="0"/>
         </a:spcAft>
       </a:defPPr>
-      <a:lvl1pPr lvl="0" marR="0" rtl="0" algn="l">
+      <a:lvl1pPr marR="0" lvl="0" algn="l" rtl="0">
         <a:lnSpc>
           <a:spcPct val="100000"/>
         </a:lnSpc>
@@ -7844,7 +8066,7 @@
           <a:srgbClr val="000000"/>
         </a:buClr>
         <a:buFont typeface="Arial"/>
-        <a:defRPr b="0" i="0" sz="1400" u="none" cap="none" strike="noStrike">
+        <a:defRPr sz="1400" b="0" i="0" u="none" strike="noStrike" cap="none">
           <a:solidFill>
             <a:srgbClr val="000000"/>
           </a:solidFill>
@@ -7854,7 +8076,7 @@
           <a:sym typeface="Arial"/>
         </a:defRPr>
       </a:lvl1pPr>
-      <a:lvl2pPr lvl="1" marR="0" rtl="0" algn="l">
+      <a:lvl2pPr marR="0" lvl="1" algn="l" rtl="0">
         <a:lnSpc>
           <a:spcPct val="100000"/>
         </a:lnSpc>
@@ -7868,7 +8090,7 @@
           <a:srgbClr val="000000"/>
         </a:buClr>
         <a:buFont typeface="Arial"/>
-        <a:defRPr b="0" i="0" sz="1400" u="none" cap="none" strike="noStrike">
+        <a:defRPr sz="1400" b="0" i="0" u="none" strike="noStrike" cap="none">
           <a:solidFill>
             <a:srgbClr val="000000"/>
           </a:solidFill>
@@ -7878,7 +8100,7 @@
           <a:sym typeface="Arial"/>
         </a:defRPr>
       </a:lvl2pPr>
-      <a:lvl3pPr lvl="2" marR="0" rtl="0" algn="l">
+      <a:lvl3pPr marR="0" lvl="2" algn="l" rtl="0">
         <a:lnSpc>
           <a:spcPct val="100000"/>
         </a:lnSpc>
@@ -7892,7 +8114,7 @@
           <a:srgbClr val="000000"/>
         </a:buClr>
         <a:buFont typeface="Arial"/>
-        <a:defRPr b="0" i="0" sz="1400" u="none" cap="none" strike="noStrike">
+        <a:defRPr sz="1400" b="0" i="0" u="none" strike="noStrike" cap="none">
           <a:solidFill>
             <a:srgbClr val="000000"/>
           </a:solidFill>
@@ -7902,7 +8124,7 @@
           <a:sym typeface="Arial"/>
         </a:defRPr>
       </a:lvl3pPr>
-      <a:lvl4pPr lvl="3" marR="0" rtl="0" algn="l">
+      <a:lvl4pPr marR="0" lvl="3" algn="l" rtl="0">
         <a:lnSpc>
           <a:spcPct val="100000"/>
         </a:lnSpc>
@@ -7916,7 +8138,7 @@
           <a:srgbClr val="000000"/>
         </a:buClr>
         <a:buFont typeface="Arial"/>
-        <a:defRPr b="0" i="0" sz="1400" u="none" cap="none" strike="noStrike">
+        <a:defRPr sz="1400" b="0" i="0" u="none" strike="noStrike" cap="none">
           <a:solidFill>
             <a:srgbClr val="000000"/>
           </a:solidFill>
@@ -7926,7 +8148,7 @@
           <a:sym typeface="Arial"/>
         </a:defRPr>
       </a:lvl4pPr>
-      <a:lvl5pPr lvl="4" marR="0" rtl="0" algn="l">
+      <a:lvl5pPr marR="0" lvl="4" algn="l" rtl="0">
         <a:lnSpc>
           <a:spcPct val="100000"/>
         </a:lnSpc>
@@ -7940,7 +8162,7 @@
           <a:srgbClr val="000000"/>
         </a:buClr>
         <a:buFont typeface="Arial"/>
-        <a:defRPr b="0" i="0" sz="1400" u="none" cap="none" strike="noStrike">
+        <a:defRPr sz="1400" b="0" i="0" u="none" strike="noStrike" cap="none">
           <a:solidFill>
             <a:srgbClr val="000000"/>
           </a:solidFill>
@@ -7950,7 +8172,7 @@
           <a:sym typeface="Arial"/>
         </a:defRPr>
       </a:lvl5pPr>
-      <a:lvl6pPr lvl="5" marR="0" rtl="0" algn="l">
+      <a:lvl6pPr marR="0" lvl="5" algn="l" rtl="0">
         <a:lnSpc>
           <a:spcPct val="100000"/>
         </a:lnSpc>
@@ -7964,7 +8186,7 @@
           <a:srgbClr val="000000"/>
         </a:buClr>
         <a:buFont typeface="Arial"/>
-        <a:defRPr b="0" i="0" sz="1400" u="none" cap="none" strike="noStrike">
+        <a:defRPr sz="1400" b="0" i="0" u="none" strike="noStrike" cap="none">
           <a:solidFill>
             <a:srgbClr val="000000"/>
           </a:solidFill>
@@ -7974,7 +8196,7 @@
           <a:sym typeface="Arial"/>
         </a:defRPr>
       </a:lvl6pPr>
-      <a:lvl7pPr lvl="6" marR="0" rtl="0" algn="l">
+      <a:lvl7pPr marR="0" lvl="6" algn="l" rtl="0">
         <a:lnSpc>
           <a:spcPct val="100000"/>
         </a:lnSpc>
@@ -7988,7 +8210,7 @@
           <a:srgbClr val="000000"/>
         </a:buClr>
         <a:buFont typeface="Arial"/>
-        <a:defRPr b="0" i="0" sz="1400" u="none" cap="none" strike="noStrike">
+        <a:defRPr sz="1400" b="0" i="0" u="none" strike="noStrike" cap="none">
           <a:solidFill>
             <a:srgbClr val="000000"/>
           </a:solidFill>
@@ -7998,7 +8220,7 @@
           <a:sym typeface="Arial"/>
         </a:defRPr>
       </a:lvl7pPr>
-      <a:lvl8pPr lvl="7" marR="0" rtl="0" algn="l">
+      <a:lvl8pPr marR="0" lvl="7" algn="l" rtl="0">
         <a:lnSpc>
           <a:spcPct val="100000"/>
         </a:lnSpc>
@@ -8012,7 +8234,7 @@
           <a:srgbClr val="000000"/>
         </a:buClr>
         <a:buFont typeface="Arial"/>
-        <a:defRPr b="0" i="0" sz="1400" u="none" cap="none" strike="noStrike">
+        <a:defRPr sz="1400" b="0" i="0" u="none" strike="noStrike" cap="none">
           <a:solidFill>
             <a:srgbClr val="000000"/>
           </a:solidFill>
@@ -8022,7 +8244,7 @@
           <a:sym typeface="Arial"/>
         </a:defRPr>
       </a:lvl8pPr>
-      <a:lvl9pPr lvl="8" marR="0" rtl="0" algn="l">
+      <a:lvl9pPr marR="0" lvl="8" algn="l" rtl="0">
         <a:lnSpc>
           <a:spcPct val="100000"/>
         </a:lnSpc>
@@ -8036,7 +8258,7 @@
           <a:srgbClr val="000000"/>
         </a:buClr>
         <a:buFont typeface="Arial"/>
-        <a:defRPr b="0" i="0" sz="1400" u="none" cap="none" strike="noStrike">
+        <a:defRPr sz="1400" b="0" i="0" u="none" strike="noStrike" cap="none">
           <a:solidFill>
             <a:srgbClr val="000000"/>
           </a:solidFill>
@@ -8052,11 +8274,11 @@
 </file>
 
 <file path=ppt/slides/slide1.xml><?xml version="1.0" encoding="utf-8"?>
-<p:sld xmlns:a="http://schemas.openxmlformats.org/drawingml/2006/main" xmlns:r="http://schemas.openxmlformats.org/officeDocument/2006/relationships" xmlns:mc="http://schemas.openxmlformats.org/markup-compatibility/2006" xmlns:mv="urn:schemas-microsoft-com:mac:vml" xmlns:p="http://schemas.openxmlformats.org/presentationml/2006/main" xmlns:c="http://schemas.openxmlformats.org/drawingml/2006/chart" xmlns:dgm="http://schemas.openxmlformats.org/drawingml/2006/diagram" xmlns:o="urn:schemas-microsoft-com:office:office" xmlns:v="urn:schemas-microsoft-com:vml" xmlns:pvml="urn:schemas-microsoft-com:office:powerpoint" xmlns:com="http://schemas.openxmlformats.org/drawingml/2006/compatibility" xmlns:p14="http://schemas.microsoft.com/office/powerpoint/2010/main" xmlns:p15="http://schemas.microsoft.com/office/powerpoint/2012/main" xmlns:ahyp="http://schemas.microsoft.com/office/drawing/2018/hyperlinkcolor">
+<p:sld xmlns:a="http://schemas.openxmlformats.org/drawingml/2006/main" xmlns:r="http://schemas.openxmlformats.org/officeDocument/2006/relationships" xmlns:p="http://schemas.openxmlformats.org/presentationml/2006/main">
   <p:cSld>
     <p:spTree>
       <p:nvGrpSpPr>
-        <p:cNvPr id="53" name="Shape 53"/>
+        <p:cNvPr id="1" name="Shape 53"/>
         <p:cNvGrpSpPr/>
         <p:nvPr/>
       </p:nvGrpSpPr>
@@ -8071,7 +8293,9 @@
       <p:sp>
         <p:nvSpPr>
           <p:cNvPr id="54" name="Google Shape;54;p13"/>
-          <p:cNvSpPr txBox="1"/>
+          <p:cNvSpPr txBox="1">
+            <a:spLocks noGrp="1"/>
+          </p:cNvSpPr>
           <p:nvPr>
             <p:ph type="ctrTitle"/>
           </p:nvPr>
@@ -8086,12 +8310,12 @@
           </a:prstGeom>
         </p:spPr>
         <p:txBody>
-          <a:bodyPr anchorCtr="0" anchor="b" bIns="91425" lIns="91425" spcFirstLastPara="1" rIns="91425" wrap="square" tIns="91425">
+          <a:bodyPr spcFirstLastPara="1" wrap="square" lIns="91425" tIns="91425" rIns="91425" bIns="91425" anchor="b" anchorCtr="0">
             <a:normAutofit/>
           </a:bodyPr>
           <a:lstStyle/>
           <a:p>
-            <a:pPr indent="0" lvl="0" marL="0" rtl="0" algn="ctr">
+            <a:pPr marL="0" lvl="0" indent="0" algn="ctr" rtl="0">
               <a:spcBef>
                 <a:spcPts val="0"/>
               </a:spcBef>
@@ -8102,11 +8326,7 @@
             </a:pPr>
             <a:r>
               <a:rPr lang="en"/>
-              <a:t>Autism</a:t>
-            </a:r>
-            <a:r>
-              <a:rPr lang="en"/>
-              <a:t> in the United States</a:t>
+              <a:t>Autism in the United States</a:t>
             </a:r>
             <a:endParaRPr/>
           </a:p>
@@ -8115,9 +8335,11 @@
       <p:sp>
         <p:nvSpPr>
           <p:cNvPr id="55" name="Google Shape;55;p13"/>
-          <p:cNvSpPr txBox="1"/>
+          <p:cNvSpPr txBox="1">
+            <a:spLocks noGrp="1"/>
+          </p:cNvSpPr>
           <p:nvPr>
-            <p:ph idx="1" type="subTitle"/>
+            <p:ph type="subTitle" idx="1"/>
           </p:nvPr>
         </p:nvSpPr>
         <p:spPr>
@@ -8130,12 +8352,12 @@
           </a:prstGeom>
         </p:spPr>
         <p:txBody>
-          <a:bodyPr anchorCtr="0" anchor="t" bIns="91425" lIns="91425" spcFirstLastPara="1" rIns="91425" wrap="square" tIns="91425">
+          <a:bodyPr spcFirstLastPara="1" wrap="square" lIns="91425" tIns="91425" rIns="91425" bIns="91425" anchor="t" anchorCtr="0">
             <a:normAutofit/>
           </a:bodyPr>
           <a:lstStyle/>
           <a:p>
-            <a:pPr indent="0" lvl="0" marL="0" rtl="0" algn="ctr">
+            <a:pPr marL="0" lvl="0" indent="0" algn="ctr" rtl="0">
               <a:spcBef>
                 <a:spcPts val="0"/>
               </a:spcBef>
@@ -8146,11 +8368,7 @@
             </a:pPr>
             <a:r>
               <a:rPr lang="en"/>
-              <a:t>Autism</a:t>
-            </a:r>
-            <a:r>
-              <a:rPr lang="en"/>
-              <a:t> Prediction</a:t>
+              <a:t>Autism Prediction</a:t>
             </a:r>
             <a:endParaRPr/>
           </a:p>
@@ -8165,11 +8383,11 @@
 </file>
 
 <file path=ppt/slides/slide10.xml><?xml version="1.0" encoding="utf-8"?>
-<p:sld xmlns:a="http://schemas.openxmlformats.org/drawingml/2006/main" xmlns:r="http://schemas.openxmlformats.org/officeDocument/2006/relationships" xmlns:mc="http://schemas.openxmlformats.org/markup-compatibility/2006" xmlns:mv="urn:schemas-microsoft-com:mac:vml" xmlns:p="http://schemas.openxmlformats.org/presentationml/2006/main" xmlns:c="http://schemas.openxmlformats.org/drawingml/2006/chart" xmlns:dgm="http://schemas.openxmlformats.org/drawingml/2006/diagram" xmlns:o="urn:schemas-microsoft-com:office:office" xmlns:v="urn:schemas-microsoft-com:vml" xmlns:pvml="urn:schemas-microsoft-com:office:powerpoint" xmlns:com="http://schemas.openxmlformats.org/drawingml/2006/compatibility" xmlns:p14="http://schemas.microsoft.com/office/powerpoint/2010/main" xmlns:p15="http://schemas.microsoft.com/office/powerpoint/2012/main" xmlns:ahyp="http://schemas.microsoft.com/office/drawing/2018/hyperlinkcolor">
+<p:sld xmlns:a="http://schemas.openxmlformats.org/drawingml/2006/main" xmlns:r="http://schemas.openxmlformats.org/officeDocument/2006/relationships" xmlns:p="http://schemas.openxmlformats.org/presentationml/2006/main">
   <p:cSld>
     <p:spTree>
       <p:nvGrpSpPr>
-        <p:cNvPr id="104" name="Shape 104"/>
+        <p:cNvPr id="1" name="Shape 104"/>
         <p:cNvGrpSpPr/>
         <p:nvPr/>
       </p:nvGrpSpPr>
@@ -8184,7 +8402,9 @@
       <p:sp>
         <p:nvSpPr>
           <p:cNvPr id="105" name="Google Shape;105;p22"/>
-          <p:cNvSpPr txBox="1"/>
+          <p:cNvSpPr txBox="1">
+            <a:spLocks noGrp="1"/>
+          </p:cNvSpPr>
           <p:nvPr>
             <p:ph type="title"/>
           </p:nvPr>
@@ -8199,12 +8419,12 @@
           </a:prstGeom>
         </p:spPr>
         <p:txBody>
-          <a:bodyPr anchorCtr="0" anchor="ctr" bIns="91425" lIns="91425" spcFirstLastPara="1" rIns="91425" wrap="square" tIns="91425">
+          <a:bodyPr spcFirstLastPara="1" wrap="square" lIns="91425" tIns="91425" rIns="91425" bIns="91425" anchor="ctr" anchorCtr="0">
             <a:normAutofit/>
           </a:bodyPr>
           <a:lstStyle/>
           <a:p>
-            <a:pPr indent="0" lvl="0" marL="0" rtl="0" algn="ctr">
+            <a:pPr marL="0" lvl="0" indent="0" algn="ctr" rtl="0">
               <a:spcBef>
                 <a:spcPts val="0"/>
               </a:spcBef>
@@ -8230,11 +8450,11 @@
 </file>
 
 <file path=ppt/slides/slide11.xml><?xml version="1.0" encoding="utf-8"?>
-<p:sld xmlns:a="http://schemas.openxmlformats.org/drawingml/2006/main" xmlns:r="http://schemas.openxmlformats.org/officeDocument/2006/relationships" xmlns:mc="http://schemas.openxmlformats.org/markup-compatibility/2006" xmlns:mv="urn:schemas-microsoft-com:mac:vml" xmlns:p="http://schemas.openxmlformats.org/presentationml/2006/main" xmlns:c="http://schemas.openxmlformats.org/drawingml/2006/chart" xmlns:dgm="http://schemas.openxmlformats.org/drawingml/2006/diagram" xmlns:o="urn:schemas-microsoft-com:office:office" xmlns:v="urn:schemas-microsoft-com:vml" xmlns:pvml="urn:schemas-microsoft-com:office:powerpoint" xmlns:com="http://schemas.openxmlformats.org/drawingml/2006/compatibility" xmlns:p14="http://schemas.microsoft.com/office/powerpoint/2010/main" xmlns:p15="http://schemas.microsoft.com/office/powerpoint/2012/main" xmlns:ahyp="http://schemas.microsoft.com/office/drawing/2018/hyperlinkcolor">
+<p:sld xmlns:a="http://schemas.openxmlformats.org/drawingml/2006/main" xmlns:r="http://schemas.openxmlformats.org/officeDocument/2006/relationships" xmlns:p="http://schemas.openxmlformats.org/presentationml/2006/main">
   <p:cSld>
     <p:spTree>
       <p:nvGrpSpPr>
-        <p:cNvPr id="109" name="Shape 109"/>
+        <p:cNvPr id="1" name="Shape 109"/>
         <p:cNvGrpSpPr/>
         <p:nvPr/>
       </p:nvGrpSpPr>
@@ -8249,7 +8469,9 @@
       <p:sp>
         <p:nvSpPr>
           <p:cNvPr id="110" name="Google Shape;110;p23"/>
-          <p:cNvSpPr txBox="1"/>
+          <p:cNvSpPr txBox="1">
+            <a:spLocks noGrp="1"/>
+          </p:cNvSpPr>
           <p:nvPr>
             <p:ph type="title"/>
           </p:nvPr>
@@ -8264,12 +8486,12 @@
           </a:prstGeom>
         </p:spPr>
         <p:txBody>
-          <a:bodyPr anchorCtr="0" anchor="ctr" bIns="91425" lIns="91425" spcFirstLastPara="1" rIns="91425" wrap="square" tIns="91425">
+          <a:bodyPr spcFirstLastPara="1" wrap="square" lIns="91425" tIns="91425" rIns="91425" bIns="91425" anchor="ctr" anchorCtr="0">
             <a:normAutofit/>
           </a:bodyPr>
           <a:lstStyle/>
           <a:p>
-            <a:pPr indent="0" lvl="0" marL="0" rtl="0" algn="ctr">
+            <a:pPr marL="0" lvl="0" indent="0" algn="ctr" rtl="0">
               <a:spcBef>
                 <a:spcPts val="0"/>
               </a:spcBef>
@@ -8295,11 +8517,11 @@
 </file>
 
 <file path=ppt/slides/slide12.xml><?xml version="1.0" encoding="utf-8"?>
-<p:sld xmlns:a="http://schemas.openxmlformats.org/drawingml/2006/main" xmlns:r="http://schemas.openxmlformats.org/officeDocument/2006/relationships" xmlns:mc="http://schemas.openxmlformats.org/markup-compatibility/2006" xmlns:mv="urn:schemas-microsoft-com:mac:vml" xmlns:p="http://schemas.openxmlformats.org/presentationml/2006/main" xmlns:c="http://schemas.openxmlformats.org/drawingml/2006/chart" xmlns:dgm="http://schemas.openxmlformats.org/drawingml/2006/diagram" xmlns:o="urn:schemas-microsoft-com:office:office" xmlns:v="urn:schemas-microsoft-com:vml" xmlns:pvml="urn:schemas-microsoft-com:office:powerpoint" xmlns:com="http://schemas.openxmlformats.org/drawingml/2006/compatibility" xmlns:p14="http://schemas.microsoft.com/office/powerpoint/2010/main" xmlns:p15="http://schemas.microsoft.com/office/powerpoint/2012/main" xmlns:ahyp="http://schemas.microsoft.com/office/drawing/2018/hyperlinkcolor">
+<p:sld xmlns:a="http://schemas.openxmlformats.org/drawingml/2006/main" xmlns:r="http://schemas.openxmlformats.org/officeDocument/2006/relationships" xmlns:p="http://schemas.openxmlformats.org/presentationml/2006/main">
   <p:cSld>
     <p:spTree>
       <p:nvGrpSpPr>
-        <p:cNvPr id="114" name="Shape 114"/>
+        <p:cNvPr id="1" name="Shape 114"/>
         <p:cNvGrpSpPr/>
         <p:nvPr/>
       </p:nvGrpSpPr>
@@ -8314,7 +8536,9 @@
       <p:sp>
         <p:nvSpPr>
           <p:cNvPr id="115" name="Google Shape;115;p24"/>
-          <p:cNvSpPr txBox="1"/>
+          <p:cNvSpPr txBox="1">
+            <a:spLocks noGrp="1"/>
+          </p:cNvSpPr>
           <p:nvPr>
             <p:ph type="title"/>
           </p:nvPr>
@@ -8329,12 +8553,12 @@
           </a:prstGeom>
         </p:spPr>
         <p:txBody>
-          <a:bodyPr anchorCtr="0" anchor="ctr" bIns="91425" lIns="91425" spcFirstLastPara="1" rIns="91425" wrap="square" tIns="91425">
+          <a:bodyPr spcFirstLastPara="1" wrap="square" lIns="91425" tIns="91425" rIns="91425" bIns="91425" anchor="ctr" anchorCtr="0">
             <a:normAutofit/>
           </a:bodyPr>
           <a:lstStyle/>
           <a:p>
-            <a:pPr indent="0" lvl="0" marL="0" rtl="0" algn="ctr">
+            <a:pPr marL="0" lvl="0" indent="0" algn="ctr" rtl="0">
               <a:spcBef>
                 <a:spcPts val="0"/>
               </a:spcBef>
@@ -8360,11 +8584,11 @@
 </file>
 
 <file path=ppt/slides/slide13.xml><?xml version="1.0" encoding="utf-8"?>
-<p:sld xmlns:a="http://schemas.openxmlformats.org/drawingml/2006/main" xmlns:r="http://schemas.openxmlformats.org/officeDocument/2006/relationships" xmlns:mc="http://schemas.openxmlformats.org/markup-compatibility/2006" xmlns:mv="urn:schemas-microsoft-com:mac:vml" xmlns:p="http://schemas.openxmlformats.org/presentationml/2006/main" xmlns:c="http://schemas.openxmlformats.org/drawingml/2006/chart" xmlns:dgm="http://schemas.openxmlformats.org/drawingml/2006/diagram" xmlns:o="urn:schemas-microsoft-com:office:office" xmlns:v="urn:schemas-microsoft-com:vml" xmlns:pvml="urn:schemas-microsoft-com:office:powerpoint" xmlns:com="http://schemas.openxmlformats.org/drawingml/2006/compatibility" xmlns:p14="http://schemas.microsoft.com/office/powerpoint/2010/main" xmlns:p15="http://schemas.microsoft.com/office/powerpoint/2012/main" xmlns:ahyp="http://schemas.microsoft.com/office/drawing/2018/hyperlinkcolor">
+<p:sld xmlns:a="http://schemas.openxmlformats.org/drawingml/2006/main" xmlns:r="http://schemas.openxmlformats.org/officeDocument/2006/relationships" xmlns:p="http://schemas.openxmlformats.org/presentationml/2006/main">
   <p:cSld>
     <p:spTree>
       <p:nvGrpSpPr>
-        <p:cNvPr id="119" name="Shape 119"/>
+        <p:cNvPr id="1" name="Shape 119"/>
         <p:cNvGrpSpPr/>
         <p:nvPr/>
       </p:nvGrpSpPr>
@@ -8379,7 +8603,9 @@
       <p:sp>
         <p:nvSpPr>
           <p:cNvPr id="120" name="Google Shape;120;p25"/>
-          <p:cNvSpPr txBox="1"/>
+          <p:cNvSpPr txBox="1">
+            <a:spLocks noGrp="1"/>
+          </p:cNvSpPr>
           <p:nvPr>
             <p:ph type="title"/>
           </p:nvPr>
@@ -8394,23 +8620,20 @@
           </a:prstGeom>
         </p:spPr>
         <p:txBody>
-          <a:bodyPr anchorCtr="0" anchor="t" bIns="91425" lIns="91425" spcFirstLastPara="1" rIns="91425" wrap="square" tIns="91425">
+          <a:bodyPr spcFirstLastPara="1" wrap="square" lIns="91425" tIns="91425" rIns="91425" bIns="91425" anchor="t" anchorCtr="0">
             <a:normAutofit fontScale="90000"/>
           </a:bodyPr>
           <a:lstStyle/>
           <a:p>
-            <a:pPr indent="0" lvl="0" marL="0" rtl="0" algn="l">
-              <a:spcBef>
-                <a:spcPts val="0"/>
-              </a:spcBef>
-              <a:spcAft>
-                <a:spcPts val="0"/>
-              </a:spcAft>
-              <a:buNone/>
-            </a:pPr>
-            <a:r>
-              <a:t/>
-            </a:r>
+            <a:pPr marL="0" lvl="0" indent="0" algn="l" rtl="0">
+              <a:spcBef>
+                <a:spcPts val="0"/>
+              </a:spcBef>
+              <a:spcAft>
+                <a:spcPts val="0"/>
+              </a:spcAft>
+              <a:buNone/>
+            </a:pPr>
             <a:endParaRPr/>
           </a:p>
         </p:txBody>
@@ -8418,9 +8641,11 @@
       <p:sp>
         <p:nvSpPr>
           <p:cNvPr id="121" name="Google Shape;121;p25"/>
-          <p:cNvSpPr txBox="1"/>
+          <p:cNvSpPr txBox="1">
+            <a:spLocks noGrp="1"/>
+          </p:cNvSpPr>
           <p:nvPr>
-            <p:ph idx="1" type="body"/>
+            <p:ph type="body" idx="1"/>
           </p:nvPr>
         </p:nvSpPr>
         <p:spPr>
@@ -8433,12 +8658,12 @@
           </a:prstGeom>
         </p:spPr>
         <p:txBody>
-          <a:bodyPr anchorCtr="0" anchor="t" bIns="91425" lIns="91425" spcFirstLastPara="1" rIns="91425" wrap="square" tIns="91425">
+          <a:bodyPr spcFirstLastPara="1" wrap="square" lIns="91425" tIns="91425" rIns="91425" bIns="91425" anchor="t" anchorCtr="0">
             <a:normAutofit/>
           </a:bodyPr>
           <a:lstStyle/>
           <a:p>
-            <a:pPr indent="0" lvl="0" marL="0" rtl="0" algn="l">
+            <a:pPr marL="0" lvl="0" indent="0" algn="l" rtl="0">
               <a:spcBef>
                 <a:spcPts val="0"/>
               </a:spcBef>
@@ -8447,9 +8672,6 @@
               </a:spcAft>
               <a:buNone/>
             </a:pPr>
-            <a:r>
-              <a:t/>
-            </a:r>
             <a:endParaRPr/>
           </a:p>
         </p:txBody>
@@ -8495,42 +8717,39 @@
           </a:xfrm>
           <a:prstGeom prst="star5">
             <a:avLst>
-              <a:gd fmla="val 19098" name="adj"/>
-              <a:gd fmla="val 105146" name="hf"/>
-              <a:gd fmla="val 110557" name="vf"/>
+              <a:gd name="adj" fmla="val 19098"/>
+              <a:gd name="hf" fmla="val 105146"/>
+              <a:gd name="vf" fmla="val 110557"/>
             </a:avLst>
           </a:prstGeom>
           <a:solidFill>
             <a:srgbClr val="FFFF00"/>
           </a:solidFill>
-          <a:ln cap="flat" cmpd="sng" w="9525">
+          <a:ln w="9525" cap="flat" cmpd="sng">
             <a:solidFill>
               <a:srgbClr val="FFFF00"/>
             </a:solidFill>
             <a:prstDash val="solid"/>
             <a:round/>
-            <a:headEnd len="sm" w="sm" type="none"/>
-            <a:tailEnd len="sm" w="sm" type="none"/>
+            <a:headEnd type="none" w="sm" len="sm"/>
+            <a:tailEnd type="none" w="sm" len="sm"/>
           </a:ln>
         </p:spPr>
         <p:txBody>
-          <a:bodyPr anchorCtr="0" anchor="ctr" bIns="91425" lIns="91425" spcFirstLastPara="1" rIns="91425" wrap="square" tIns="91425">
+          <a:bodyPr spcFirstLastPara="1" wrap="square" lIns="91425" tIns="91425" rIns="91425" bIns="91425" anchor="ctr" anchorCtr="0">
             <a:noAutofit/>
           </a:bodyPr>
           <a:lstStyle/>
           <a:p>
-            <a:pPr indent="0" lvl="0" marL="0" rtl="0" algn="l">
-              <a:spcBef>
-                <a:spcPts val="0"/>
-              </a:spcBef>
-              <a:spcAft>
-                <a:spcPts val="0"/>
-              </a:spcAft>
-              <a:buNone/>
-            </a:pPr>
-            <a:r>
-              <a:t/>
-            </a:r>
+            <a:pPr marL="0" lvl="0" indent="0" algn="l" rtl="0">
+              <a:spcBef>
+                <a:spcPts val="0"/>
+              </a:spcBef>
+              <a:spcAft>
+                <a:spcPts val="0"/>
+              </a:spcAft>
+              <a:buNone/>
+            </a:pPr>
             <a:endParaRPr/>
           </a:p>
         </p:txBody>
@@ -8544,11 +8763,11 @@
 </file>
 
 <file path=ppt/slides/slide14.xml><?xml version="1.0" encoding="utf-8"?>
-<p:sld xmlns:a="http://schemas.openxmlformats.org/drawingml/2006/main" xmlns:r="http://schemas.openxmlformats.org/officeDocument/2006/relationships" xmlns:mc="http://schemas.openxmlformats.org/markup-compatibility/2006" xmlns:mv="urn:schemas-microsoft-com:mac:vml" xmlns:p="http://schemas.openxmlformats.org/presentationml/2006/main" xmlns:c="http://schemas.openxmlformats.org/drawingml/2006/chart" xmlns:dgm="http://schemas.openxmlformats.org/drawingml/2006/diagram" xmlns:o="urn:schemas-microsoft-com:office:office" xmlns:v="urn:schemas-microsoft-com:vml" xmlns:pvml="urn:schemas-microsoft-com:office:powerpoint" xmlns:com="http://schemas.openxmlformats.org/drawingml/2006/compatibility" xmlns:p14="http://schemas.microsoft.com/office/powerpoint/2010/main" xmlns:p15="http://schemas.microsoft.com/office/powerpoint/2012/main" xmlns:ahyp="http://schemas.microsoft.com/office/drawing/2018/hyperlinkcolor">
+<p:sld xmlns:a="http://schemas.openxmlformats.org/drawingml/2006/main" xmlns:r="http://schemas.openxmlformats.org/officeDocument/2006/relationships" xmlns:p="http://schemas.openxmlformats.org/presentationml/2006/main">
   <p:cSld>
     <p:spTree>
       <p:nvGrpSpPr>
-        <p:cNvPr id="127" name="Shape 127"/>
+        <p:cNvPr id="1" name="Shape 127"/>
         <p:cNvGrpSpPr/>
         <p:nvPr/>
       </p:nvGrpSpPr>
@@ -8563,7 +8782,9 @@
       <p:sp>
         <p:nvSpPr>
           <p:cNvPr id="128" name="Google Shape;128;p26"/>
-          <p:cNvSpPr txBox="1"/>
+          <p:cNvSpPr txBox="1">
+            <a:spLocks noGrp="1"/>
+          </p:cNvSpPr>
           <p:nvPr>
             <p:ph type="title"/>
           </p:nvPr>
@@ -8578,12 +8799,12 @@
           </a:prstGeom>
         </p:spPr>
         <p:txBody>
-          <a:bodyPr anchorCtr="0" anchor="t" bIns="91425" lIns="91425" spcFirstLastPara="1" rIns="91425" wrap="square" tIns="91425">
+          <a:bodyPr spcFirstLastPara="1" wrap="square" lIns="91425" tIns="91425" rIns="91425" bIns="91425" anchor="t" anchorCtr="0">
             <a:normAutofit fontScale="90000"/>
           </a:bodyPr>
           <a:lstStyle/>
           <a:p>
-            <a:pPr indent="0" lvl="0" marL="0" rtl="0" algn="l">
+            <a:pPr marL="0" lvl="0" indent="0" algn="l" rtl="0">
               <a:spcBef>
                 <a:spcPts val="0"/>
               </a:spcBef>
@@ -8603,9 +8824,11 @@
       <p:sp>
         <p:nvSpPr>
           <p:cNvPr id="129" name="Google Shape;129;p26"/>
-          <p:cNvSpPr txBox="1"/>
+          <p:cNvSpPr txBox="1">
+            <a:spLocks noGrp="1"/>
+          </p:cNvSpPr>
           <p:nvPr>
-            <p:ph idx="1" type="body"/>
+            <p:ph type="body" idx="1"/>
           </p:nvPr>
         </p:nvSpPr>
         <p:spPr>
@@ -8618,12 +8841,12 @@
           </a:prstGeom>
         </p:spPr>
         <p:txBody>
-          <a:bodyPr anchorCtr="0" anchor="t" bIns="91425" lIns="91425" spcFirstLastPara="1" rIns="91425" wrap="square" tIns="91425">
+          <a:bodyPr spcFirstLastPara="1" wrap="square" lIns="91425" tIns="91425" rIns="91425" bIns="91425" anchor="t" anchorCtr="0">
             <a:normAutofit/>
           </a:bodyPr>
           <a:lstStyle/>
           <a:p>
-            <a:pPr indent="0" lvl="0" marL="0" rtl="0" algn="l">
+            <a:pPr marL="0" lvl="0" indent="0" algn="l" rtl="0">
               <a:spcBef>
                 <a:spcPts val="0"/>
               </a:spcBef>
@@ -8644,7 +8867,7 @@
             <a:endParaRPr/>
           </a:p>
           <a:p>
-            <a:pPr indent="0" lvl="0" marL="0" rtl="0" algn="l">
+            <a:pPr marL="0" lvl="0" indent="0" algn="l" rtl="0">
               <a:spcBef>
                 <a:spcPts val="1200"/>
               </a:spcBef>
@@ -8675,11 +8898,11 @@
 </file>
 
 <file path=ppt/slides/slide15.xml><?xml version="1.0" encoding="utf-8"?>
-<p:sld xmlns:a="http://schemas.openxmlformats.org/drawingml/2006/main" xmlns:r="http://schemas.openxmlformats.org/officeDocument/2006/relationships" xmlns:mc="http://schemas.openxmlformats.org/markup-compatibility/2006" xmlns:mv="urn:schemas-microsoft-com:mac:vml" xmlns:p="http://schemas.openxmlformats.org/presentationml/2006/main" xmlns:c="http://schemas.openxmlformats.org/drawingml/2006/chart" xmlns:dgm="http://schemas.openxmlformats.org/drawingml/2006/diagram" xmlns:o="urn:schemas-microsoft-com:office:office" xmlns:v="urn:schemas-microsoft-com:vml" xmlns:pvml="urn:schemas-microsoft-com:office:powerpoint" xmlns:com="http://schemas.openxmlformats.org/drawingml/2006/compatibility" xmlns:p14="http://schemas.microsoft.com/office/powerpoint/2010/main" xmlns:p15="http://schemas.microsoft.com/office/powerpoint/2012/main" xmlns:ahyp="http://schemas.microsoft.com/office/drawing/2018/hyperlinkcolor">
+<p:sld xmlns:a="http://schemas.openxmlformats.org/drawingml/2006/main" xmlns:r="http://schemas.openxmlformats.org/officeDocument/2006/relationships" xmlns:p="http://schemas.openxmlformats.org/presentationml/2006/main">
   <p:cSld>
     <p:spTree>
       <p:nvGrpSpPr>
-        <p:cNvPr id="133" name="Shape 133"/>
+        <p:cNvPr id="1" name="Shape 133"/>
         <p:cNvGrpSpPr/>
         <p:nvPr/>
       </p:nvGrpSpPr>
@@ -8694,7 +8917,9 @@
       <p:sp>
         <p:nvSpPr>
           <p:cNvPr id="134" name="Google Shape;134;p27"/>
-          <p:cNvSpPr txBox="1"/>
+          <p:cNvSpPr txBox="1">
+            <a:spLocks noGrp="1"/>
+          </p:cNvSpPr>
           <p:nvPr>
             <p:ph type="title"/>
           </p:nvPr>
@@ -8709,12 +8934,12 @@
           </a:prstGeom>
         </p:spPr>
         <p:txBody>
-          <a:bodyPr anchorCtr="0" anchor="t" bIns="91425" lIns="91425" spcFirstLastPara="1" rIns="91425" wrap="square" tIns="91425">
+          <a:bodyPr spcFirstLastPara="1" wrap="square" lIns="91425" tIns="91425" rIns="91425" bIns="91425" anchor="t" anchorCtr="0">
             <a:normAutofit fontScale="90000"/>
           </a:bodyPr>
           <a:lstStyle/>
           <a:p>
-            <a:pPr indent="0" lvl="0" marL="0" rtl="0" algn="l">
+            <a:pPr marL="0" lvl="0" indent="0" algn="l" rtl="0">
               <a:spcBef>
                 <a:spcPts val="0"/>
               </a:spcBef>
@@ -8734,9 +8959,11 @@
       <p:sp>
         <p:nvSpPr>
           <p:cNvPr id="135" name="Google Shape;135;p27"/>
-          <p:cNvSpPr txBox="1"/>
+          <p:cNvSpPr txBox="1">
+            <a:spLocks noGrp="1"/>
+          </p:cNvSpPr>
           <p:nvPr>
-            <p:ph idx="1" type="body"/>
+            <p:ph type="body" idx="1"/>
           </p:nvPr>
         </p:nvSpPr>
         <p:spPr>
@@ -8749,12 +8976,12 @@
           </a:prstGeom>
         </p:spPr>
         <p:txBody>
-          <a:bodyPr anchorCtr="0" anchor="t" bIns="91425" lIns="91425" spcFirstLastPara="1" rIns="91425" wrap="square" tIns="91425">
+          <a:bodyPr spcFirstLastPara="1" wrap="square" lIns="91425" tIns="91425" rIns="91425" bIns="91425" anchor="t" anchorCtr="0">
             <a:normAutofit/>
           </a:bodyPr>
           <a:lstStyle/>
           <a:p>
-            <a:pPr indent="0" lvl="0" marL="0" rtl="0" algn="l">
+            <a:pPr marL="0" lvl="0" indent="0" algn="l" rtl="0">
               <a:spcBef>
                 <a:spcPts val="0"/>
               </a:spcBef>
@@ -8764,7 +8991,7 @@
               <a:buNone/>
             </a:pPr>
             <a:r>
-              <a:rPr lang="en" u="sng">
+              <a:rPr lang="en" u="sng" dirty="0">
                 <a:solidFill>
                   <a:schemeClr val="hlink"/>
                 </a:solidFill>
@@ -8772,10 +8999,10 @@
               </a:rPr>
               <a:t>https://app.quickdatabasediagrams.com</a:t>
             </a:r>
-            <a:endParaRPr/>
-          </a:p>
-          <a:p>
-            <a:pPr indent="0" lvl="0" marL="0" rtl="0" algn="l">
+            <a:endParaRPr dirty="0"/>
+          </a:p>
+          <a:p>
+            <a:pPr marL="0" lvl="0" indent="0" algn="l" rtl="0">
               <a:spcBef>
                 <a:spcPts val="1200"/>
               </a:spcBef>
@@ -8785,26 +9012,41 @@
               <a:buNone/>
             </a:pPr>
             <a:r>
-              <a:rPr lang="en"/>
-              <a:t>PostgreSQL</a:t>
+              <a:rPr lang="en" dirty="0"/>
+              <a:t>PostgreSQL 11</a:t>
             </a:r>
-            <a:endParaRPr/>
-          </a:p>
-          <a:p>
-            <a:pPr indent="0" lvl="0" marL="0" rtl="0" algn="l">
+          </a:p>
+          <a:p>
+            <a:pPr marL="0" lvl="0" indent="0" algn="l" rtl="0">
               <a:spcBef>
                 <a:spcPts val="1200"/>
               </a:spcBef>
               <a:spcAft>
+                <a:spcPts val="0"/>
+              </a:spcAft>
+              <a:buNone/>
+            </a:pPr>
+            <a:r>
+              <a:rPr lang="en" dirty="0"/>
+              <a:t>PGAdmin 4</a:t>
+            </a:r>
+            <a:endParaRPr dirty="0"/>
+          </a:p>
+          <a:p>
+            <a:pPr marL="0" lvl="0" indent="0" algn="l" rtl="0">
+              <a:spcBef>
                 <a:spcPts val="1200"/>
+              </a:spcBef>
+              <a:spcAft>
+                <a:spcPts val="1200"/>
               </a:spcAft>
               <a:buNone/>
             </a:pPr>
             <a:r>
-              <a:rPr lang="en"/>
+              <a:rPr lang="en" dirty="0"/>
               <a:t>SQLAlchemy 1.4.22</a:t>
             </a:r>
-            <a:endParaRPr/>
+            <a:endParaRPr dirty="0"/>
           </a:p>
         </p:txBody>
       </p:sp>
@@ -8817,11 +9059,11 @@
 </file>
 
 <file path=ppt/slides/slide16.xml><?xml version="1.0" encoding="utf-8"?>
-<p:sld xmlns:a="http://schemas.openxmlformats.org/drawingml/2006/main" xmlns:r="http://schemas.openxmlformats.org/officeDocument/2006/relationships" xmlns:mc="http://schemas.openxmlformats.org/markup-compatibility/2006" xmlns:mv="urn:schemas-microsoft-com:mac:vml" xmlns:p="http://schemas.openxmlformats.org/presentationml/2006/main" xmlns:c="http://schemas.openxmlformats.org/drawingml/2006/chart" xmlns:dgm="http://schemas.openxmlformats.org/drawingml/2006/diagram" xmlns:o="urn:schemas-microsoft-com:office:office" xmlns:v="urn:schemas-microsoft-com:vml" xmlns:pvml="urn:schemas-microsoft-com:office:powerpoint" xmlns:com="http://schemas.openxmlformats.org/drawingml/2006/compatibility" xmlns:p14="http://schemas.microsoft.com/office/powerpoint/2010/main" xmlns:p15="http://schemas.microsoft.com/office/powerpoint/2012/main" xmlns:ahyp="http://schemas.microsoft.com/office/drawing/2018/hyperlinkcolor">
+<p:sld xmlns:a="http://schemas.openxmlformats.org/drawingml/2006/main" xmlns:r="http://schemas.openxmlformats.org/officeDocument/2006/relationships" xmlns:p="http://schemas.openxmlformats.org/presentationml/2006/main">
   <p:cSld>
     <p:spTree>
       <p:nvGrpSpPr>
-        <p:cNvPr id="139" name="Shape 139"/>
+        <p:cNvPr id="1" name="Shape 139"/>
         <p:cNvGrpSpPr/>
         <p:nvPr/>
       </p:nvGrpSpPr>
@@ -8836,7 +9078,9 @@
       <p:sp>
         <p:nvSpPr>
           <p:cNvPr id="140" name="Google Shape;140;p28"/>
-          <p:cNvSpPr txBox="1"/>
+          <p:cNvSpPr txBox="1">
+            <a:spLocks noGrp="1"/>
+          </p:cNvSpPr>
           <p:nvPr>
             <p:ph type="title"/>
           </p:nvPr>
@@ -8851,12 +9095,12 @@
           </a:prstGeom>
         </p:spPr>
         <p:txBody>
-          <a:bodyPr anchorCtr="0" anchor="t" bIns="91425" lIns="91425" spcFirstLastPara="1" rIns="91425" wrap="square" tIns="91425">
+          <a:bodyPr spcFirstLastPara="1" wrap="square" lIns="91425" tIns="91425" rIns="91425" bIns="91425" anchor="t" anchorCtr="0">
             <a:normAutofit fontScale="90000"/>
           </a:bodyPr>
           <a:lstStyle/>
           <a:p>
-            <a:pPr indent="0" lvl="0" marL="0" marR="0" rtl="0" algn="l">
+            <a:pPr marL="0" marR="0" lvl="0" indent="0" algn="l" rtl="0">
               <a:lnSpc>
                 <a:spcPct val="100000"/>
               </a:lnSpc>
@@ -8879,9 +9123,11 @@
       <p:sp>
         <p:nvSpPr>
           <p:cNvPr id="141" name="Google Shape;141;p28"/>
-          <p:cNvSpPr txBox="1"/>
+          <p:cNvSpPr txBox="1">
+            <a:spLocks noGrp="1"/>
+          </p:cNvSpPr>
           <p:nvPr>
-            <p:ph idx="1" type="body"/>
+            <p:ph type="body" idx="1"/>
           </p:nvPr>
         </p:nvSpPr>
         <p:spPr>
@@ -8894,12 +9140,12 @@
           </a:prstGeom>
         </p:spPr>
         <p:txBody>
-          <a:bodyPr anchorCtr="0" anchor="t" bIns="91425" lIns="91425" spcFirstLastPara="1" rIns="91425" wrap="square" tIns="91425">
+          <a:bodyPr spcFirstLastPara="1" wrap="square" lIns="91425" tIns="91425" rIns="91425" bIns="91425" anchor="t" anchorCtr="0">
             <a:normAutofit/>
           </a:bodyPr>
           <a:lstStyle/>
           <a:p>
-            <a:pPr indent="0" lvl="0" marL="0" rtl="0" algn="l">
+            <a:pPr marL="0" lvl="0" indent="0" algn="l" rtl="0">
               <a:spcBef>
                 <a:spcPts val="0"/>
               </a:spcBef>
@@ -8908,9 +9154,6 @@
               </a:spcAft>
               <a:buNone/>
             </a:pPr>
-            <a:r>
-              <a:t/>
-            </a:r>
             <a:endParaRPr/>
           </a:p>
         </p:txBody>
@@ -8924,11 +9167,11 @@
 </file>
 
 <file path=ppt/slides/slide17.xml><?xml version="1.0" encoding="utf-8"?>
-<p:sld xmlns:a="http://schemas.openxmlformats.org/drawingml/2006/main" xmlns:r="http://schemas.openxmlformats.org/officeDocument/2006/relationships" xmlns:mc="http://schemas.openxmlformats.org/markup-compatibility/2006" xmlns:mv="urn:schemas-microsoft-com:mac:vml" xmlns:p="http://schemas.openxmlformats.org/presentationml/2006/main" xmlns:c="http://schemas.openxmlformats.org/drawingml/2006/chart" xmlns:dgm="http://schemas.openxmlformats.org/drawingml/2006/diagram" xmlns:o="urn:schemas-microsoft-com:office:office" xmlns:v="urn:schemas-microsoft-com:vml" xmlns:pvml="urn:schemas-microsoft-com:office:powerpoint" xmlns:com="http://schemas.openxmlformats.org/drawingml/2006/compatibility" xmlns:p14="http://schemas.microsoft.com/office/powerpoint/2010/main" xmlns:p15="http://schemas.microsoft.com/office/powerpoint/2012/main" xmlns:ahyp="http://schemas.microsoft.com/office/drawing/2018/hyperlinkcolor">
+<p:sld xmlns:a="http://schemas.openxmlformats.org/drawingml/2006/main" xmlns:r="http://schemas.openxmlformats.org/officeDocument/2006/relationships" xmlns:p="http://schemas.openxmlformats.org/presentationml/2006/main">
   <p:cSld>
     <p:spTree>
       <p:nvGrpSpPr>
-        <p:cNvPr id="145" name="Shape 145"/>
+        <p:cNvPr id="1" name="Shape 145"/>
         <p:cNvGrpSpPr/>
         <p:nvPr/>
       </p:nvGrpSpPr>
@@ -8943,7 +9186,9 @@
       <p:sp>
         <p:nvSpPr>
           <p:cNvPr id="146" name="Google Shape;146;p29"/>
-          <p:cNvSpPr txBox="1"/>
+          <p:cNvSpPr txBox="1">
+            <a:spLocks noGrp="1"/>
+          </p:cNvSpPr>
           <p:nvPr>
             <p:ph type="title"/>
           </p:nvPr>
@@ -8958,12 +9203,12 @@
           </a:prstGeom>
         </p:spPr>
         <p:txBody>
-          <a:bodyPr anchorCtr="0" anchor="t" bIns="91425" lIns="91425" spcFirstLastPara="1" rIns="91425" wrap="square" tIns="91425">
+          <a:bodyPr spcFirstLastPara="1" wrap="square" lIns="91425" tIns="91425" rIns="91425" bIns="91425" anchor="t" anchorCtr="0">
             <a:normAutofit fontScale="90000"/>
           </a:bodyPr>
           <a:lstStyle/>
           <a:p>
-            <a:pPr indent="0" lvl="0" marL="0" marR="0" rtl="0" algn="l">
+            <a:pPr marL="0" marR="0" lvl="0" indent="0" algn="l" rtl="0">
               <a:lnSpc>
                 <a:spcPct val="100000"/>
               </a:lnSpc>
@@ -8982,18 +9227,15 @@
             <a:endParaRPr/>
           </a:p>
           <a:p>
-            <a:pPr indent="0" lvl="0" marL="0" rtl="0" algn="l">
-              <a:spcBef>
-                <a:spcPts val="0"/>
-              </a:spcBef>
-              <a:spcAft>
-                <a:spcPts val="0"/>
-              </a:spcAft>
-              <a:buNone/>
-            </a:pPr>
-            <a:r>
-              <a:t/>
-            </a:r>
+            <a:pPr marL="0" lvl="0" indent="0" algn="l" rtl="0">
+              <a:spcBef>
+                <a:spcPts val="0"/>
+              </a:spcBef>
+              <a:spcAft>
+                <a:spcPts val="0"/>
+              </a:spcAft>
+              <a:buNone/>
+            </a:pPr>
             <a:endParaRPr/>
           </a:p>
         </p:txBody>
@@ -9001,9 +9243,11 @@
       <p:sp>
         <p:nvSpPr>
           <p:cNvPr id="147" name="Google Shape;147;p29"/>
-          <p:cNvSpPr txBox="1"/>
+          <p:cNvSpPr txBox="1">
+            <a:spLocks noGrp="1"/>
+          </p:cNvSpPr>
           <p:nvPr>
-            <p:ph idx="1" type="body"/>
+            <p:ph type="body" idx="1"/>
           </p:nvPr>
         </p:nvSpPr>
         <p:spPr>
@@ -9016,12 +9260,12 @@
           </a:prstGeom>
         </p:spPr>
         <p:txBody>
-          <a:bodyPr anchorCtr="0" anchor="t" bIns="91425" lIns="91425" spcFirstLastPara="1" rIns="91425" wrap="square" tIns="91425">
+          <a:bodyPr spcFirstLastPara="1" wrap="square" lIns="91425" tIns="91425" rIns="91425" bIns="91425" anchor="t" anchorCtr="0">
             <a:normAutofit/>
           </a:bodyPr>
           <a:lstStyle/>
           <a:p>
-            <a:pPr indent="0" lvl="0" marL="0" rtl="0" algn="l">
+            <a:pPr marL="0" lvl="0" indent="0" algn="l" rtl="0">
               <a:spcBef>
                 <a:spcPts val="0"/>
               </a:spcBef>
@@ -9030,9 +9274,6 @@
               </a:spcAft>
               <a:buNone/>
             </a:pPr>
-            <a:r>
-              <a:t/>
-            </a:r>
             <a:endParaRPr/>
           </a:p>
         </p:txBody>
@@ -9046,11 +9287,11 @@
 </file>
 
 <file path=ppt/slides/slide18.xml><?xml version="1.0" encoding="utf-8"?>
-<p:sld xmlns:a="http://schemas.openxmlformats.org/drawingml/2006/main" xmlns:r="http://schemas.openxmlformats.org/officeDocument/2006/relationships" xmlns:mc="http://schemas.openxmlformats.org/markup-compatibility/2006" xmlns:mv="urn:schemas-microsoft-com:mac:vml" xmlns:p="http://schemas.openxmlformats.org/presentationml/2006/main" xmlns:c="http://schemas.openxmlformats.org/drawingml/2006/chart" xmlns:dgm="http://schemas.openxmlformats.org/drawingml/2006/diagram" xmlns:o="urn:schemas-microsoft-com:office:office" xmlns:v="urn:schemas-microsoft-com:vml" xmlns:pvml="urn:schemas-microsoft-com:office:powerpoint" xmlns:com="http://schemas.openxmlformats.org/drawingml/2006/compatibility" xmlns:p14="http://schemas.microsoft.com/office/powerpoint/2010/main" xmlns:p15="http://schemas.microsoft.com/office/powerpoint/2012/main" xmlns:ahyp="http://schemas.microsoft.com/office/drawing/2018/hyperlinkcolor">
+<p:sld xmlns:a="http://schemas.openxmlformats.org/drawingml/2006/main" xmlns:r="http://schemas.openxmlformats.org/officeDocument/2006/relationships" xmlns:p="http://schemas.openxmlformats.org/presentationml/2006/main">
   <p:cSld>
     <p:spTree>
       <p:nvGrpSpPr>
-        <p:cNvPr id="151" name="Shape 151"/>
+        <p:cNvPr id="1" name="Shape 151"/>
         <p:cNvGrpSpPr/>
         <p:nvPr/>
       </p:nvGrpSpPr>
@@ -9065,7 +9306,9 @@
       <p:sp>
         <p:nvSpPr>
           <p:cNvPr id="152" name="Google Shape;152;p30"/>
-          <p:cNvSpPr txBox="1"/>
+          <p:cNvSpPr txBox="1">
+            <a:spLocks noGrp="1"/>
+          </p:cNvSpPr>
           <p:nvPr>
             <p:ph type="title"/>
           </p:nvPr>
@@ -9080,12 +9323,12 @@
           </a:prstGeom>
         </p:spPr>
         <p:txBody>
-          <a:bodyPr anchorCtr="0" anchor="t" bIns="91425" lIns="91425" spcFirstLastPara="1" rIns="91425" wrap="square" tIns="91425">
+          <a:bodyPr spcFirstLastPara="1" wrap="square" lIns="91425" tIns="91425" rIns="91425" bIns="91425" anchor="t" anchorCtr="0">
             <a:normAutofit fontScale="90000"/>
           </a:bodyPr>
           <a:lstStyle/>
           <a:p>
-            <a:pPr indent="0" lvl="0" marL="0" rtl="0" algn="l">
+            <a:pPr marL="0" lvl="0" indent="0" algn="l" rtl="0">
               <a:spcBef>
                 <a:spcPts val="0"/>
               </a:spcBef>
@@ -9096,11 +9339,7 @@
             </a:pPr>
             <a:r>
               <a:rPr lang="en"/>
-              <a:t>Dashboard </a:t>
-            </a:r>
-            <a:r>
-              <a:rPr lang="en"/>
-              <a:t>Blueprint</a:t>
+              <a:t>Dashboard Blueprint</a:t>
             </a:r>
             <a:endParaRPr/>
           </a:p>
@@ -9109,9 +9348,11 @@
       <p:sp>
         <p:nvSpPr>
           <p:cNvPr id="153" name="Google Shape;153;p30"/>
-          <p:cNvSpPr txBox="1"/>
+          <p:cNvSpPr txBox="1">
+            <a:spLocks noGrp="1"/>
+          </p:cNvSpPr>
           <p:nvPr>
-            <p:ph idx="1" type="body"/>
+            <p:ph type="body" idx="1"/>
           </p:nvPr>
         </p:nvSpPr>
         <p:spPr>
@@ -9124,12 +9365,12 @@
           </a:prstGeom>
         </p:spPr>
         <p:txBody>
-          <a:bodyPr anchorCtr="0" anchor="t" bIns="91425" lIns="91425" spcFirstLastPara="1" rIns="91425" wrap="square" tIns="91425">
+          <a:bodyPr spcFirstLastPara="1" wrap="square" lIns="91425" tIns="91425" rIns="91425" bIns="91425" anchor="t" anchorCtr="0">
             <a:normAutofit/>
           </a:bodyPr>
           <a:lstStyle/>
           <a:p>
-            <a:pPr indent="0" lvl="0" marL="0" rtl="0" algn="l">
+            <a:pPr marL="0" lvl="0" indent="0" algn="l" rtl="0">
               <a:spcBef>
                 <a:spcPts val="0"/>
               </a:spcBef>
@@ -9138,9 +9379,6 @@
               </a:spcAft>
               <a:buNone/>
             </a:pPr>
-            <a:r>
-              <a:t/>
-            </a:r>
             <a:endParaRPr/>
           </a:p>
         </p:txBody>
@@ -9154,11 +9392,11 @@
 </file>
 
 <file path=ppt/slides/slide19.xml><?xml version="1.0" encoding="utf-8"?>
-<p:sld xmlns:a="http://schemas.openxmlformats.org/drawingml/2006/main" xmlns:r="http://schemas.openxmlformats.org/officeDocument/2006/relationships" xmlns:mc="http://schemas.openxmlformats.org/markup-compatibility/2006" xmlns:mv="urn:schemas-microsoft-com:mac:vml" xmlns:p="http://schemas.openxmlformats.org/presentationml/2006/main" xmlns:c="http://schemas.openxmlformats.org/drawingml/2006/chart" xmlns:dgm="http://schemas.openxmlformats.org/drawingml/2006/diagram" xmlns:o="urn:schemas-microsoft-com:office:office" xmlns:v="urn:schemas-microsoft-com:vml" xmlns:pvml="urn:schemas-microsoft-com:office:powerpoint" xmlns:com="http://schemas.openxmlformats.org/drawingml/2006/compatibility" xmlns:p14="http://schemas.microsoft.com/office/powerpoint/2010/main" xmlns:p15="http://schemas.microsoft.com/office/powerpoint/2012/main" xmlns:ahyp="http://schemas.microsoft.com/office/drawing/2018/hyperlinkcolor">
+<p:sld xmlns:a="http://schemas.openxmlformats.org/drawingml/2006/main" xmlns:r="http://schemas.openxmlformats.org/officeDocument/2006/relationships" xmlns:p="http://schemas.openxmlformats.org/presentationml/2006/main">
   <p:cSld>
     <p:spTree>
       <p:nvGrpSpPr>
-        <p:cNvPr id="157" name="Shape 157"/>
+        <p:cNvPr id="1" name="Shape 157"/>
         <p:cNvGrpSpPr/>
         <p:nvPr/>
       </p:nvGrpSpPr>
@@ -9173,7 +9411,9 @@
       <p:sp>
         <p:nvSpPr>
           <p:cNvPr id="158" name="Google Shape;158;p31"/>
-          <p:cNvSpPr txBox="1"/>
+          <p:cNvSpPr txBox="1">
+            <a:spLocks noGrp="1"/>
+          </p:cNvSpPr>
           <p:nvPr>
             <p:ph type="title"/>
           </p:nvPr>
@@ -9188,12 +9428,12 @@
           </a:prstGeom>
         </p:spPr>
         <p:txBody>
-          <a:bodyPr anchorCtr="0" anchor="t" bIns="91425" lIns="91425" spcFirstLastPara="1" rIns="91425" wrap="square" tIns="91425">
+          <a:bodyPr spcFirstLastPara="1" wrap="square" lIns="91425" tIns="91425" rIns="91425" bIns="91425" anchor="t" anchorCtr="0">
             <a:normAutofit fontScale="90000"/>
           </a:bodyPr>
           <a:lstStyle/>
           <a:p>
-            <a:pPr indent="0" lvl="0" marL="0" rtl="0" algn="l">
+            <a:pPr marL="0" lvl="0" indent="0" algn="l" rtl="0">
               <a:spcBef>
                 <a:spcPts val="0"/>
               </a:spcBef>
@@ -9213,9 +9453,11 @@
       <p:sp>
         <p:nvSpPr>
           <p:cNvPr id="159" name="Google Shape;159;p31"/>
-          <p:cNvSpPr txBox="1"/>
+          <p:cNvSpPr txBox="1">
+            <a:spLocks noGrp="1"/>
+          </p:cNvSpPr>
           <p:nvPr>
-            <p:ph idx="1" type="body"/>
+            <p:ph type="body" idx="1"/>
           </p:nvPr>
         </p:nvSpPr>
         <p:spPr>
@@ -9228,12 +9470,12 @@
           </a:prstGeom>
         </p:spPr>
         <p:txBody>
-          <a:bodyPr anchorCtr="0" anchor="t" bIns="91425" lIns="91425" spcFirstLastPara="1" rIns="91425" wrap="square" tIns="91425">
+          <a:bodyPr spcFirstLastPara="1" wrap="square" lIns="91425" tIns="91425" rIns="91425" bIns="91425" anchor="t" anchorCtr="0">
             <a:normAutofit/>
           </a:bodyPr>
           <a:lstStyle/>
           <a:p>
-            <a:pPr indent="0" lvl="0" marL="0" rtl="0" algn="l">
+            <a:pPr marL="0" lvl="0" indent="0" algn="l" rtl="0">
               <a:spcBef>
                 <a:spcPts val="0"/>
               </a:spcBef>
@@ -9249,7 +9491,7 @@
             <a:endParaRPr/>
           </a:p>
           <a:p>
-            <a:pPr indent="0" lvl="0" marL="0" rtl="0" algn="l">
+            <a:pPr marL="0" lvl="0" indent="0" algn="l" rtl="0">
               <a:spcBef>
                 <a:spcPts val="1200"/>
               </a:spcBef>
@@ -9265,7 +9507,7 @@
             <a:endParaRPr/>
           </a:p>
           <a:p>
-            <a:pPr indent="0" lvl="0" marL="0" rtl="0" algn="l">
+            <a:pPr marL="0" lvl="0" indent="0" algn="l" rtl="0">
               <a:spcBef>
                 <a:spcPts val="1200"/>
               </a:spcBef>
@@ -9281,7 +9523,7 @@
             <a:endParaRPr/>
           </a:p>
           <a:p>
-            <a:pPr indent="0" lvl="0" marL="0" rtl="0" algn="l">
+            <a:pPr marL="0" lvl="0" indent="0" algn="l" rtl="0">
               <a:spcBef>
                 <a:spcPts val="1200"/>
               </a:spcBef>
@@ -9307,11 +9549,11 @@
 </file>
 
 <file path=ppt/slides/slide2.xml><?xml version="1.0" encoding="utf-8"?>
-<p:sld xmlns:a="http://schemas.openxmlformats.org/drawingml/2006/main" xmlns:r="http://schemas.openxmlformats.org/officeDocument/2006/relationships" xmlns:mc="http://schemas.openxmlformats.org/markup-compatibility/2006" xmlns:mv="urn:schemas-microsoft-com:mac:vml" xmlns:p="http://schemas.openxmlformats.org/presentationml/2006/main" xmlns:c="http://schemas.openxmlformats.org/drawingml/2006/chart" xmlns:dgm="http://schemas.openxmlformats.org/drawingml/2006/diagram" xmlns:o="urn:schemas-microsoft-com:office:office" xmlns:v="urn:schemas-microsoft-com:vml" xmlns:pvml="urn:schemas-microsoft-com:office:powerpoint" xmlns:com="http://schemas.openxmlformats.org/drawingml/2006/compatibility" xmlns:p14="http://schemas.microsoft.com/office/powerpoint/2010/main" xmlns:p15="http://schemas.microsoft.com/office/powerpoint/2012/main" xmlns:ahyp="http://schemas.microsoft.com/office/drawing/2018/hyperlinkcolor">
+<p:sld xmlns:a="http://schemas.openxmlformats.org/drawingml/2006/main" xmlns:r="http://schemas.openxmlformats.org/officeDocument/2006/relationships" xmlns:p="http://schemas.openxmlformats.org/presentationml/2006/main">
   <p:cSld>
     <p:spTree>
       <p:nvGrpSpPr>
-        <p:cNvPr id="59" name="Shape 59"/>
+        <p:cNvPr id="1" name="Shape 59"/>
         <p:cNvGrpSpPr/>
         <p:nvPr/>
       </p:nvGrpSpPr>
@@ -9326,7 +9568,9 @@
       <p:sp>
         <p:nvSpPr>
           <p:cNvPr id="60" name="Google Shape;60;p14"/>
-          <p:cNvSpPr txBox="1"/>
+          <p:cNvSpPr txBox="1">
+            <a:spLocks noGrp="1"/>
+          </p:cNvSpPr>
           <p:nvPr>
             <p:ph type="title"/>
           </p:nvPr>
@@ -9341,12 +9585,12 @@
           </a:prstGeom>
         </p:spPr>
         <p:txBody>
-          <a:bodyPr anchorCtr="0" anchor="t" bIns="91425" lIns="91425" spcFirstLastPara="1" rIns="91425" wrap="square" tIns="91425">
+          <a:bodyPr spcFirstLastPara="1" wrap="square" lIns="91425" tIns="91425" rIns="91425" bIns="91425" anchor="t" anchorCtr="0">
             <a:normAutofit fontScale="90000"/>
           </a:bodyPr>
           <a:lstStyle/>
           <a:p>
-            <a:pPr indent="0" lvl="0" marL="0" rtl="0" algn="l">
+            <a:pPr marL="0" lvl="0" indent="0" algn="l" rtl="0">
               <a:spcBef>
                 <a:spcPts val="0"/>
               </a:spcBef>
@@ -9366,9 +9610,11 @@
       <p:sp>
         <p:nvSpPr>
           <p:cNvPr id="61" name="Google Shape;61;p14"/>
-          <p:cNvSpPr txBox="1"/>
+          <p:cNvSpPr txBox="1">
+            <a:spLocks noGrp="1"/>
+          </p:cNvSpPr>
           <p:nvPr>
-            <p:ph idx="1" type="body"/>
+            <p:ph type="body" idx="1"/>
           </p:nvPr>
         </p:nvSpPr>
         <p:spPr>
@@ -9381,12 +9627,12 @@
           </a:prstGeom>
         </p:spPr>
         <p:txBody>
-          <a:bodyPr anchorCtr="0" anchor="t" bIns="91425" lIns="91425" spcFirstLastPara="1" rIns="91425" wrap="square" tIns="91425">
+          <a:bodyPr spcFirstLastPara="1" wrap="square" lIns="91425" tIns="91425" rIns="91425" bIns="91425" anchor="t" anchorCtr="0">
             <a:normAutofit/>
           </a:bodyPr>
           <a:lstStyle/>
           <a:p>
-            <a:pPr indent="-342900" lvl="0" marL="457200" rtl="0" algn="l">
+            <a:pPr marL="457200" lvl="0" indent="-342900" algn="l" rtl="0">
               <a:spcBef>
                 <a:spcPts val="0"/>
               </a:spcBef>
@@ -9398,140 +9644,80 @@
             </a:pPr>
             <a:r>
               <a:rPr lang="en"/>
-              <a:t>Autism is a newer Diagnosis within the DSM and has </a:t>
+              <a:t>Autism is a newer Diagnosis within the DSM and has recently been re categorized in the DSM 5</a:t>
             </a:r>
+            <a:endParaRPr/>
+          </a:p>
+          <a:p>
+            <a:pPr marL="457200" lvl="0" indent="-342900" algn="l" rtl="0">
+              <a:spcBef>
+                <a:spcPts val="0"/>
+              </a:spcBef>
+              <a:spcAft>
+                <a:spcPts val="0"/>
+              </a:spcAft>
+              <a:buSzPts val="1800"/>
+              <a:buChar char="-"/>
+            </a:pPr>
             <a:r>
               <a:rPr lang="en"/>
-              <a:t>recently</a:t>
+              <a:t>-Autism diagnosis continue to rise to help provide necessary resources there is much to learn</a:t>
             </a:r>
+            <a:endParaRPr/>
+          </a:p>
+          <a:p>
+            <a:pPr marL="914400" lvl="1" indent="-317500" algn="l" rtl="0">
+              <a:spcBef>
+                <a:spcPts val="0"/>
+              </a:spcBef>
+              <a:spcAft>
+                <a:spcPts val="0"/>
+              </a:spcAft>
+              <a:buSzPts val="1400"/>
+              <a:buChar char="-"/>
+            </a:pPr>
             <a:r>
               <a:rPr lang="en"/>
-              <a:t> been </a:t>
+              <a:t>Including how many individuals will need help and what kinds of help</a:t>
             </a:r>
+            <a:endParaRPr/>
+          </a:p>
+          <a:p>
+            <a:pPr marL="914400" lvl="1" indent="-317500" algn="l" rtl="0">
+              <a:spcBef>
+                <a:spcPts val="0"/>
+              </a:spcBef>
+              <a:spcAft>
+                <a:spcPts val="0"/>
+              </a:spcAft>
+              <a:buSzPts val="1400"/>
+              <a:buChar char="-"/>
+            </a:pPr>
             <a:r>
               <a:rPr lang="en"/>
-              <a:t>re categorized</a:t>
+              <a:t>Find efficient (quick and accurate ways to diagnosis Autism)</a:t>
             </a:r>
+            <a:endParaRPr/>
+          </a:p>
+          <a:p>
+            <a:pPr marL="457200" lvl="0" indent="-342900" algn="l" rtl="0">
+              <a:spcBef>
+                <a:spcPts val="0"/>
+              </a:spcBef>
+              <a:spcAft>
+                <a:spcPts val="0"/>
+              </a:spcAft>
+              <a:buSzPts val="1800"/>
+              <a:buChar char="-"/>
+            </a:pPr>
             <a:r>
               <a:rPr lang="en"/>
-              <a:t> in the DSM 5</a:t>
+              <a:t>It often time can take a year to two to see a doctor to get an official diagnosis, which may prevent treatment</a:t>
             </a:r>
             <a:endParaRPr/>
           </a:p>
           <a:p>
-            <a:pPr indent="-342900" lvl="0" marL="457200" rtl="0" algn="l">
-              <a:spcBef>
-                <a:spcPts val="0"/>
-              </a:spcBef>
-              <a:spcAft>
-                <a:spcPts val="0"/>
-              </a:spcAft>
-              <a:buSzPts val="1800"/>
-              <a:buChar char="-"/>
-            </a:pPr>
-            <a:r>
-              <a:rPr lang="en"/>
-              <a:t>-Autism </a:t>
-            </a:r>
-            <a:r>
-              <a:rPr lang="en"/>
-              <a:t>diagnosis</a:t>
-            </a:r>
-            <a:r>
-              <a:rPr lang="en"/>
-              <a:t> continue to rise to help provide </a:t>
-            </a:r>
-            <a:r>
-              <a:rPr lang="en"/>
-              <a:t>necessary</a:t>
-            </a:r>
-            <a:r>
-              <a:rPr lang="en"/>
-              <a:t> resources there is much to learn</a:t>
-            </a:r>
-            <a:endParaRPr/>
-          </a:p>
-          <a:p>
-            <a:pPr indent="-317500" lvl="1" marL="914400" rtl="0" algn="l">
-              <a:spcBef>
-                <a:spcPts val="0"/>
-              </a:spcBef>
-              <a:spcAft>
-                <a:spcPts val="0"/>
-              </a:spcAft>
-              <a:buSzPts val="1400"/>
-              <a:buChar char="-"/>
-            </a:pPr>
-            <a:r>
-              <a:rPr lang="en"/>
-              <a:t>Including</a:t>
-            </a:r>
-            <a:r>
-              <a:rPr lang="en"/>
-              <a:t> how many individuals will need help and what kinds of help</a:t>
-            </a:r>
-            <a:endParaRPr/>
-          </a:p>
-          <a:p>
-            <a:pPr indent="-317500" lvl="1" marL="914400" rtl="0" algn="l">
-              <a:spcBef>
-                <a:spcPts val="0"/>
-              </a:spcBef>
-              <a:spcAft>
-                <a:spcPts val="0"/>
-              </a:spcAft>
-              <a:buSzPts val="1400"/>
-              <a:buChar char="-"/>
-            </a:pPr>
-            <a:r>
-              <a:rPr lang="en"/>
-              <a:t>Find </a:t>
-            </a:r>
-            <a:r>
-              <a:rPr lang="en"/>
-              <a:t>efficient</a:t>
-            </a:r>
-            <a:r>
-              <a:rPr lang="en"/>
-              <a:t> (quick and </a:t>
-            </a:r>
-            <a:r>
-              <a:rPr lang="en"/>
-              <a:t>accurate</a:t>
-            </a:r>
-            <a:r>
-              <a:rPr lang="en"/>
-              <a:t> ways to diagnosis Autism)</a:t>
-            </a:r>
-            <a:endParaRPr/>
-          </a:p>
-          <a:p>
-            <a:pPr indent="-342900" lvl="0" marL="457200" rtl="0" algn="l">
-              <a:spcBef>
-                <a:spcPts val="0"/>
-              </a:spcBef>
-              <a:spcAft>
-                <a:spcPts val="0"/>
-              </a:spcAft>
-              <a:buSzPts val="1800"/>
-              <a:buChar char="-"/>
-            </a:pPr>
-            <a:r>
-              <a:rPr lang="en"/>
-              <a:t>It often time can take a year to two to see a doctor to get an </a:t>
-            </a:r>
-            <a:r>
-              <a:rPr lang="en"/>
-              <a:t>official</a:t>
-            </a:r>
-            <a:r>
-              <a:rPr lang="en"/>
-              <a:t> diagnosis, which may prevent treatment</a:t>
-            </a:r>
-            <a:endParaRPr/>
-          </a:p>
-          <a:p>
-            <a:pPr indent="-342900" lvl="0" marL="457200" rtl="0" algn="l">
+            <a:pPr marL="457200" lvl="0" indent="-342900" algn="l" rtl="0">
               <a:spcBef>
                 <a:spcPts val="0"/>
               </a:spcBef>
@@ -9558,11 +9744,11 @@
 </file>
 
 <file path=ppt/slides/slide3.xml><?xml version="1.0" encoding="utf-8"?>
-<p:sld xmlns:a="http://schemas.openxmlformats.org/drawingml/2006/main" xmlns:r="http://schemas.openxmlformats.org/officeDocument/2006/relationships" xmlns:mc="http://schemas.openxmlformats.org/markup-compatibility/2006" xmlns:mv="urn:schemas-microsoft-com:mac:vml" xmlns:p="http://schemas.openxmlformats.org/presentationml/2006/main" xmlns:c="http://schemas.openxmlformats.org/drawingml/2006/chart" xmlns:dgm="http://schemas.openxmlformats.org/drawingml/2006/diagram" xmlns:o="urn:schemas-microsoft-com:office:office" xmlns:v="urn:schemas-microsoft-com:vml" xmlns:pvml="urn:schemas-microsoft-com:office:powerpoint" xmlns:com="http://schemas.openxmlformats.org/drawingml/2006/compatibility" xmlns:p14="http://schemas.microsoft.com/office/powerpoint/2010/main" xmlns:p15="http://schemas.microsoft.com/office/powerpoint/2012/main" xmlns:ahyp="http://schemas.microsoft.com/office/drawing/2018/hyperlinkcolor">
+<p:sld xmlns:a="http://schemas.openxmlformats.org/drawingml/2006/main" xmlns:r="http://schemas.openxmlformats.org/officeDocument/2006/relationships" xmlns:p="http://schemas.openxmlformats.org/presentationml/2006/main">
   <p:cSld>
     <p:spTree>
       <p:nvGrpSpPr>
-        <p:cNvPr id="65" name="Shape 65"/>
+        <p:cNvPr id="1" name="Shape 65"/>
         <p:cNvGrpSpPr/>
         <p:nvPr/>
       </p:nvGrpSpPr>
@@ -9577,7 +9763,9 @@
       <p:sp>
         <p:nvSpPr>
           <p:cNvPr id="66" name="Google Shape;66;p15"/>
-          <p:cNvSpPr txBox="1"/>
+          <p:cNvSpPr txBox="1">
+            <a:spLocks noGrp="1"/>
+          </p:cNvSpPr>
           <p:nvPr>
             <p:ph type="title"/>
           </p:nvPr>
@@ -9592,12 +9780,12 @@
           </a:prstGeom>
         </p:spPr>
         <p:txBody>
-          <a:bodyPr anchorCtr="0" anchor="t" bIns="91425" lIns="91425" spcFirstLastPara="1" rIns="91425" wrap="square" tIns="91425">
+          <a:bodyPr spcFirstLastPara="1" wrap="square" lIns="91425" tIns="91425" rIns="91425" bIns="91425" anchor="t" anchorCtr="0">
             <a:normAutofit fontScale="90000"/>
           </a:bodyPr>
           <a:lstStyle/>
           <a:p>
-            <a:pPr indent="0" lvl="0" marL="0" rtl="0" algn="l">
+            <a:pPr marL="0" lvl="0" indent="0" algn="l" rtl="0">
               <a:spcBef>
                 <a:spcPts val="0"/>
               </a:spcBef>
@@ -9617,9 +9805,11 @@
       <p:sp>
         <p:nvSpPr>
           <p:cNvPr id="67" name="Google Shape;67;p15"/>
-          <p:cNvSpPr txBox="1"/>
+          <p:cNvSpPr txBox="1">
+            <a:spLocks noGrp="1"/>
+          </p:cNvSpPr>
           <p:nvPr>
-            <p:ph idx="1" type="body"/>
+            <p:ph type="body" idx="1"/>
           </p:nvPr>
         </p:nvSpPr>
         <p:spPr>
@@ -9632,27 +9822,24 @@
           </a:prstGeom>
         </p:spPr>
         <p:txBody>
-          <a:bodyPr anchorCtr="0" anchor="t" bIns="91425" lIns="91425" spcFirstLastPara="1" rIns="91425" wrap="square" tIns="91425">
+          <a:bodyPr spcFirstLastPara="1" wrap="square" lIns="91425" tIns="91425" rIns="91425" bIns="91425" anchor="t" anchorCtr="0">
             <a:normAutofit/>
           </a:bodyPr>
           <a:lstStyle/>
           <a:p>
-            <a:pPr indent="0" lvl="0" marL="0" rtl="0" algn="l">
-              <a:spcBef>
-                <a:spcPts val="0"/>
-              </a:spcBef>
-              <a:spcAft>
-                <a:spcPts val="0"/>
-              </a:spcAft>
-              <a:buNone/>
-            </a:pPr>
-            <a:r>
-              <a:t/>
-            </a:r>
+            <a:pPr marL="0" lvl="0" indent="0" algn="l" rtl="0">
+              <a:spcBef>
+                <a:spcPts val="0"/>
+              </a:spcBef>
+              <a:spcAft>
+                <a:spcPts val="0"/>
+              </a:spcAft>
+              <a:buNone/>
+            </a:pPr>
             <a:endParaRPr/>
           </a:p>
           <a:p>
-            <a:pPr indent="0" lvl="0" marL="0" rtl="0" algn="l">
+            <a:pPr marL="0" lvl="0" indent="0" algn="l" rtl="0">
               <a:spcBef>
                 <a:spcPts val="1200"/>
               </a:spcBef>
@@ -9677,7 +9864,7 @@
             </a:endParaRPr>
           </a:p>
           <a:p>
-            <a:pPr indent="0" lvl="0" marL="0" rtl="0" algn="l">
+            <a:pPr marL="0" lvl="0" indent="0" algn="l" rtl="0">
               <a:spcBef>
                 <a:spcPts val="1200"/>
               </a:spcBef>
@@ -9702,7 +9889,7 @@
             </a:endParaRPr>
           </a:p>
           <a:p>
-            <a:pPr indent="0" lvl="0" marL="0" rtl="0" algn="l">
+            <a:pPr marL="0" lvl="0" indent="0" algn="l" rtl="0">
               <a:spcBef>
                 <a:spcPts val="1200"/>
               </a:spcBef>
@@ -9711,9 +9898,6 @@
               </a:spcAft>
               <a:buNone/>
             </a:pPr>
-            <a:r>
-              <a:t/>
-            </a:r>
             <a:endParaRPr u="sng">
               <a:solidFill>
                 <a:schemeClr val="hlink"/>
@@ -9721,7 +9905,7 @@
             </a:endParaRPr>
           </a:p>
           <a:p>
-            <a:pPr indent="0" lvl="0" marL="0" rtl="0" algn="l">
+            <a:pPr marL="0" lvl="0" indent="0" algn="l" rtl="0">
               <a:spcBef>
                 <a:spcPts val="1200"/>
               </a:spcBef>
@@ -9730,13 +9914,10 @@
               </a:spcAft>
               <a:buNone/>
             </a:pPr>
-            <a:r>
-              <a:t/>
-            </a:r>
             <a:endParaRPr/>
           </a:p>
           <a:p>
-            <a:pPr indent="0" lvl="0" marL="0" rtl="0" algn="l">
+            <a:pPr marL="0" lvl="0" indent="0" algn="l" rtl="0">
               <a:spcBef>
                 <a:spcPts val="1200"/>
               </a:spcBef>
@@ -9745,9 +9926,6 @@
               </a:spcAft>
               <a:buNone/>
             </a:pPr>
-            <a:r>
-              <a:t/>
-            </a:r>
             <a:endParaRPr/>
           </a:p>
         </p:txBody>
@@ -9761,11 +9939,11 @@
 </file>
 
 <file path=ppt/slides/slide4.xml><?xml version="1.0" encoding="utf-8"?>
-<p:sld xmlns:a="http://schemas.openxmlformats.org/drawingml/2006/main" xmlns:r="http://schemas.openxmlformats.org/officeDocument/2006/relationships" xmlns:mc="http://schemas.openxmlformats.org/markup-compatibility/2006" xmlns:mv="urn:schemas-microsoft-com:mac:vml" xmlns:p="http://schemas.openxmlformats.org/presentationml/2006/main" xmlns:c="http://schemas.openxmlformats.org/drawingml/2006/chart" xmlns:dgm="http://schemas.openxmlformats.org/drawingml/2006/diagram" xmlns:o="urn:schemas-microsoft-com:office:office" xmlns:v="urn:schemas-microsoft-com:vml" xmlns:pvml="urn:schemas-microsoft-com:office:powerpoint" xmlns:com="http://schemas.openxmlformats.org/drawingml/2006/compatibility" xmlns:p14="http://schemas.microsoft.com/office/powerpoint/2010/main" xmlns:p15="http://schemas.microsoft.com/office/powerpoint/2012/main" xmlns:ahyp="http://schemas.microsoft.com/office/drawing/2018/hyperlinkcolor">
+<p:sld xmlns:a="http://schemas.openxmlformats.org/drawingml/2006/main" xmlns:r="http://schemas.openxmlformats.org/officeDocument/2006/relationships" xmlns:p="http://schemas.openxmlformats.org/presentationml/2006/main">
   <p:cSld>
     <p:spTree>
       <p:nvGrpSpPr>
-        <p:cNvPr id="71" name="Shape 71"/>
+        <p:cNvPr id="1" name="Shape 71"/>
         <p:cNvGrpSpPr/>
         <p:nvPr/>
       </p:nvGrpSpPr>
@@ -9780,7 +9958,9 @@
       <p:sp>
         <p:nvSpPr>
           <p:cNvPr id="72" name="Google Shape;72;p16"/>
-          <p:cNvSpPr txBox="1"/>
+          <p:cNvSpPr txBox="1">
+            <a:spLocks noGrp="1"/>
+          </p:cNvSpPr>
           <p:nvPr>
             <p:ph type="title"/>
           </p:nvPr>
@@ -9795,12 +9975,12 @@
           </a:prstGeom>
         </p:spPr>
         <p:txBody>
-          <a:bodyPr anchorCtr="0" anchor="t" bIns="91425" lIns="91425" spcFirstLastPara="1" rIns="91425" wrap="square" tIns="91425">
+          <a:bodyPr spcFirstLastPara="1" wrap="square" lIns="91425" tIns="91425" rIns="91425" bIns="91425" anchor="t" anchorCtr="0">
             <a:normAutofit fontScale="90000"/>
           </a:bodyPr>
           <a:lstStyle/>
           <a:p>
-            <a:pPr indent="0" lvl="0" marL="0" marR="0" rtl="0" algn="l">
+            <a:pPr marL="0" marR="0" lvl="0" indent="0" algn="l" rtl="0">
               <a:lnSpc>
                 <a:spcPct val="100000"/>
               </a:lnSpc>
@@ -9823,9 +10003,11 @@
       <p:sp>
         <p:nvSpPr>
           <p:cNvPr id="73" name="Google Shape;73;p16"/>
-          <p:cNvSpPr txBox="1"/>
+          <p:cNvSpPr txBox="1">
+            <a:spLocks noGrp="1"/>
+          </p:cNvSpPr>
           <p:nvPr>
-            <p:ph idx="1" type="body"/>
+            <p:ph type="body" idx="1"/>
           </p:nvPr>
         </p:nvSpPr>
         <p:spPr>
@@ -9838,12 +10020,12 @@
           </a:prstGeom>
         </p:spPr>
         <p:txBody>
-          <a:bodyPr anchorCtr="0" anchor="t" bIns="91425" lIns="91425" spcFirstLastPara="1" rIns="91425" wrap="square" tIns="91425">
+          <a:bodyPr spcFirstLastPara="1" wrap="square" lIns="91425" tIns="91425" rIns="91425" bIns="91425" anchor="t" anchorCtr="0">
             <a:normAutofit/>
           </a:bodyPr>
           <a:lstStyle/>
           <a:p>
-            <a:pPr indent="-342900" lvl="0" marL="457200" rtl="0" algn="l">
+            <a:pPr marL="457200" lvl="0" indent="-342900" algn="l" rtl="0">
               <a:spcBef>
                 <a:spcPts val="0"/>
               </a:spcBef>
@@ -9860,7 +10042,7 @@
             <a:endParaRPr/>
           </a:p>
           <a:p>
-            <a:pPr indent="-342900" lvl="0" marL="457200" rtl="0" algn="l">
+            <a:pPr marL="457200" lvl="0" indent="-342900" algn="l" rtl="0">
               <a:spcBef>
                 <a:spcPts val="0"/>
               </a:spcBef>
@@ -9877,7 +10059,7 @@
             <a:endParaRPr/>
           </a:p>
           <a:p>
-            <a:pPr indent="-342900" lvl="0" marL="457200" rtl="0" algn="l">
+            <a:pPr marL="457200" lvl="0" indent="-342900" algn="l" rtl="0">
               <a:spcBef>
                 <a:spcPts val="0"/>
               </a:spcBef>
@@ -9889,15 +10071,7 @@
             </a:pPr>
             <a:r>
               <a:rPr lang="en"/>
-              <a:t>How can we predict a </a:t>
-            </a:r>
-            <a:r>
-              <a:rPr lang="en"/>
-              <a:t>diagnosis</a:t>
-            </a:r>
-            <a:r>
-              <a:rPr lang="en"/>
-              <a:t> in the 0-2 year old range?</a:t>
+              <a:t>How can we predict a diagnosis in the 0-2 year old range?</a:t>
             </a:r>
             <a:endParaRPr/>
           </a:p>
@@ -9912,11 +10086,11 @@
 </file>
 
 <file path=ppt/slides/slide5.xml><?xml version="1.0" encoding="utf-8"?>
-<p:sld xmlns:a="http://schemas.openxmlformats.org/drawingml/2006/main" xmlns:r="http://schemas.openxmlformats.org/officeDocument/2006/relationships" xmlns:mc="http://schemas.openxmlformats.org/markup-compatibility/2006" xmlns:mv="urn:schemas-microsoft-com:mac:vml" xmlns:p="http://schemas.openxmlformats.org/presentationml/2006/main" xmlns:c="http://schemas.openxmlformats.org/drawingml/2006/chart" xmlns:dgm="http://schemas.openxmlformats.org/drawingml/2006/diagram" xmlns:o="urn:schemas-microsoft-com:office:office" xmlns:v="urn:schemas-microsoft-com:vml" xmlns:pvml="urn:schemas-microsoft-com:office:powerpoint" xmlns:com="http://schemas.openxmlformats.org/drawingml/2006/compatibility" xmlns:p14="http://schemas.microsoft.com/office/powerpoint/2010/main" xmlns:p15="http://schemas.microsoft.com/office/powerpoint/2012/main" xmlns:ahyp="http://schemas.microsoft.com/office/drawing/2018/hyperlinkcolor">
+<p:sld xmlns:a="http://schemas.openxmlformats.org/drawingml/2006/main" xmlns:r="http://schemas.openxmlformats.org/officeDocument/2006/relationships" xmlns:p="http://schemas.openxmlformats.org/presentationml/2006/main">
   <p:cSld>
     <p:spTree>
       <p:nvGrpSpPr>
-        <p:cNvPr id="77" name="Shape 77"/>
+        <p:cNvPr id="1" name="Shape 77"/>
         <p:cNvGrpSpPr/>
         <p:nvPr/>
       </p:nvGrpSpPr>
@@ -9931,7 +10105,9 @@
       <p:sp>
         <p:nvSpPr>
           <p:cNvPr id="78" name="Google Shape;78;p17"/>
-          <p:cNvSpPr txBox="1"/>
+          <p:cNvSpPr txBox="1">
+            <a:spLocks noGrp="1"/>
+          </p:cNvSpPr>
           <p:nvPr>
             <p:ph type="title"/>
           </p:nvPr>
@@ -9946,12 +10122,12 @@
           </a:prstGeom>
         </p:spPr>
         <p:txBody>
-          <a:bodyPr anchorCtr="0" anchor="t" bIns="91425" lIns="91425" spcFirstLastPara="1" rIns="91425" wrap="square" tIns="91425">
+          <a:bodyPr spcFirstLastPara="1" wrap="square" lIns="91425" tIns="91425" rIns="91425" bIns="91425" anchor="t" anchorCtr="0">
             <a:normAutofit fontScale="90000"/>
           </a:bodyPr>
           <a:lstStyle/>
           <a:p>
-            <a:pPr indent="0" lvl="0" marL="0" rtl="0" algn="l">
+            <a:pPr marL="0" lvl="0" indent="0" algn="l" rtl="0">
               <a:spcBef>
                 <a:spcPts val="0"/>
               </a:spcBef>
@@ -9971,9 +10147,11 @@
       <p:sp>
         <p:nvSpPr>
           <p:cNvPr id="79" name="Google Shape;79;p17"/>
-          <p:cNvSpPr txBox="1"/>
+          <p:cNvSpPr txBox="1">
+            <a:spLocks noGrp="1"/>
+          </p:cNvSpPr>
           <p:nvPr>
-            <p:ph idx="1" type="body"/>
+            <p:ph type="body" idx="1"/>
           </p:nvPr>
         </p:nvSpPr>
         <p:spPr>
@@ -9986,12 +10164,12 @@
           </a:prstGeom>
         </p:spPr>
         <p:txBody>
-          <a:bodyPr anchorCtr="0" anchor="t" bIns="91425" lIns="91425" spcFirstLastPara="1" rIns="91425" wrap="square" tIns="91425">
+          <a:bodyPr spcFirstLastPara="1" wrap="square" lIns="91425" tIns="91425" rIns="91425" bIns="91425" anchor="t" anchorCtr="0">
             <a:normAutofit fontScale="85000" lnSpcReduction="10000"/>
           </a:bodyPr>
           <a:lstStyle/>
           <a:p>
-            <a:pPr indent="0" lvl="0" marL="0" rtl="0" algn="l">
+            <a:pPr marL="0" lvl="0" indent="0" algn="l" rtl="0">
               <a:spcBef>
                 <a:spcPts val="0"/>
               </a:spcBef>
@@ -10002,40 +10180,12 @@
             </a:pPr>
             <a:r>
               <a:rPr lang="en"/>
-              <a:t>Used </a:t>
-            </a:r>
-            <a:r>
-              <a:rPr lang="en"/>
-              <a:t>multiple</a:t>
-            </a:r>
-            <a:r>
-              <a:rPr lang="en"/>
-              <a:t> linear </a:t>
-            </a:r>
-            <a:r>
-              <a:rPr lang="en"/>
-              <a:t>regression</a:t>
-            </a:r>
-            <a:r>
-              <a:rPr lang="en"/>
-              <a:t> as it is useful for modelling the </a:t>
-            </a:r>
-            <a:r>
-              <a:rPr lang="en"/>
-              <a:t>relationship</a:t>
-            </a:r>
-            <a:r>
-              <a:rPr lang="en"/>
-              <a:t> between a numeric outcome or </a:t>
-            </a:r>
-            <a:r>
-              <a:rPr lang="en"/>
-              <a:t>dependent variable (Y) and multiple explanatory or independent variables (X)</a:t>
+              <a:t>Used multiple linear regression as it is useful for modelling the relationship between a numeric outcome or dependent variable (Y) and multiple explanatory or independent variables (X)</a:t>
             </a:r>
             <a:endParaRPr/>
           </a:p>
           <a:p>
-            <a:pPr indent="0" lvl="0" marL="0" rtl="0" algn="l">
+            <a:pPr marL="0" lvl="0" indent="0" algn="l" rtl="0">
               <a:spcBef>
                 <a:spcPts val="1200"/>
               </a:spcBef>
@@ -10051,7 +10201,7 @@
             <a:endParaRPr/>
           </a:p>
           <a:p>
-            <a:pPr indent="0" lvl="0" marL="0" rtl="0" algn="l">
+            <a:pPr marL="0" lvl="0" indent="0" algn="l" rtl="0">
               <a:spcBef>
                 <a:spcPts val="1200"/>
               </a:spcBef>
@@ -10067,7 +10217,7 @@
             <a:endParaRPr/>
           </a:p>
           <a:p>
-            <a:pPr indent="0" lvl="0" marL="0" rtl="0" algn="l">
+            <a:pPr marL="0" lvl="0" indent="0" algn="l" rtl="0">
               <a:spcBef>
                 <a:spcPts val="1200"/>
               </a:spcBef>
@@ -10083,7 +10233,7 @@
             <a:endParaRPr/>
           </a:p>
           <a:p>
-            <a:pPr indent="0" lvl="0" marL="0" rtl="0" algn="l">
+            <a:pPr marL="0" lvl="0" indent="0" algn="l" rtl="0">
               <a:spcBef>
                 <a:spcPts val="1200"/>
               </a:spcBef>
@@ -10099,7 +10249,7 @@
             <a:endParaRPr/>
           </a:p>
           <a:p>
-            <a:pPr indent="0" lvl="0" marL="0" rtl="0" algn="l">
+            <a:pPr marL="0" lvl="0" indent="0" algn="l" rtl="0">
               <a:spcBef>
                 <a:spcPts val="1200"/>
               </a:spcBef>
@@ -10115,7 +10265,7 @@
             <a:endParaRPr/>
           </a:p>
           <a:p>
-            <a:pPr indent="0" lvl="0" marL="0" rtl="0" algn="l">
+            <a:pPr marL="0" lvl="0" indent="0" algn="l" rtl="0">
               <a:spcBef>
                 <a:spcPts val="1200"/>
               </a:spcBef>
@@ -10141,11 +10291,11 @@
 </file>
 
 <file path=ppt/slides/slide6.xml><?xml version="1.0" encoding="utf-8"?>
-<p:sld xmlns:a="http://schemas.openxmlformats.org/drawingml/2006/main" xmlns:r="http://schemas.openxmlformats.org/officeDocument/2006/relationships" xmlns:mc="http://schemas.openxmlformats.org/markup-compatibility/2006" xmlns:mv="urn:schemas-microsoft-com:mac:vml" xmlns:p="http://schemas.openxmlformats.org/presentationml/2006/main" xmlns:c="http://schemas.openxmlformats.org/drawingml/2006/chart" xmlns:dgm="http://schemas.openxmlformats.org/drawingml/2006/diagram" xmlns:o="urn:schemas-microsoft-com:office:office" xmlns:v="urn:schemas-microsoft-com:vml" xmlns:pvml="urn:schemas-microsoft-com:office:powerpoint" xmlns:com="http://schemas.openxmlformats.org/drawingml/2006/compatibility" xmlns:p14="http://schemas.microsoft.com/office/powerpoint/2010/main" xmlns:p15="http://schemas.microsoft.com/office/powerpoint/2012/main" xmlns:ahyp="http://schemas.microsoft.com/office/drawing/2018/hyperlinkcolor">
+<p:sld xmlns:a="http://schemas.openxmlformats.org/drawingml/2006/main" xmlns:r="http://schemas.openxmlformats.org/officeDocument/2006/relationships" xmlns:p="http://schemas.openxmlformats.org/presentationml/2006/main">
   <p:cSld>
     <p:spTree>
       <p:nvGrpSpPr>
-        <p:cNvPr id="83" name="Shape 83"/>
+        <p:cNvPr id="1" name="Shape 83"/>
         <p:cNvGrpSpPr/>
         <p:nvPr/>
       </p:nvGrpSpPr>
@@ -10160,7 +10310,9 @@
       <p:sp>
         <p:nvSpPr>
           <p:cNvPr id="84" name="Google Shape;84;p18"/>
-          <p:cNvSpPr txBox="1"/>
+          <p:cNvSpPr txBox="1">
+            <a:spLocks noGrp="1"/>
+          </p:cNvSpPr>
           <p:nvPr>
             <p:ph type="title"/>
           </p:nvPr>
@@ -10175,12 +10327,12 @@
           </a:prstGeom>
         </p:spPr>
         <p:txBody>
-          <a:bodyPr anchorCtr="0" anchor="t" bIns="91425" lIns="91425" spcFirstLastPara="1" rIns="91425" wrap="square" tIns="91425">
+          <a:bodyPr spcFirstLastPara="1" wrap="square" lIns="91425" tIns="91425" rIns="91425" bIns="91425" anchor="t" anchorCtr="0">
             <a:normAutofit fontScale="90000"/>
           </a:bodyPr>
           <a:lstStyle/>
           <a:p>
-            <a:pPr indent="0" lvl="0" marL="0" rtl="0" algn="l">
+            <a:pPr marL="0" lvl="0" indent="0" algn="l" rtl="0">
               <a:spcBef>
                 <a:spcPts val="0"/>
               </a:spcBef>
@@ -10200,9 +10352,11 @@
       <p:sp>
         <p:nvSpPr>
           <p:cNvPr id="85" name="Google Shape;85;p18"/>
-          <p:cNvSpPr txBox="1"/>
+          <p:cNvSpPr txBox="1">
+            <a:spLocks noGrp="1"/>
+          </p:cNvSpPr>
           <p:nvPr>
-            <p:ph idx="1" type="body"/>
+            <p:ph type="body" idx="1"/>
           </p:nvPr>
         </p:nvSpPr>
         <p:spPr>
@@ -10215,12 +10369,12 @@
           </a:prstGeom>
         </p:spPr>
         <p:txBody>
-          <a:bodyPr anchorCtr="0" anchor="t" bIns="91425" lIns="91425" spcFirstLastPara="1" rIns="91425" wrap="square" tIns="91425">
+          <a:bodyPr spcFirstLastPara="1" wrap="square" lIns="91425" tIns="91425" rIns="91425" bIns="91425" anchor="t" anchorCtr="0">
             <a:normAutofit/>
           </a:bodyPr>
           <a:lstStyle/>
           <a:p>
-            <a:pPr indent="0" lvl="0" marL="0" rtl="0" algn="l">
+            <a:pPr marL="0" lvl="0" indent="0" algn="l" rtl="0">
               <a:spcBef>
                 <a:spcPts val="0"/>
               </a:spcBef>
@@ -10236,7 +10390,7 @@
             <a:endParaRPr/>
           </a:p>
           <a:p>
-            <a:pPr indent="0" lvl="0" marL="0" rtl="0" algn="l">
+            <a:pPr marL="0" lvl="0" indent="0" algn="l" rtl="0">
               <a:spcBef>
                 <a:spcPts val="1200"/>
               </a:spcBef>
@@ -10247,16 +10401,12 @@
             </a:pPr>
             <a:r>
               <a:rPr lang="en"/>
-              <a:t>Clustering </a:t>
-            </a:r>
-            <a:r>
-              <a:rPr lang="en"/>
-              <a:t>Anomaly (opposite of clustering) - what stands out and why?</a:t>
+              <a:t>Clustering Anomaly (opposite of clustering) - what stands out and why?</a:t>
             </a:r>
             <a:endParaRPr/>
           </a:p>
           <a:p>
-            <a:pPr indent="0" lvl="0" marL="0" rtl="0" algn="l">
+            <a:pPr marL="0" lvl="0" indent="0" algn="l" rtl="0">
               <a:spcBef>
                 <a:spcPts val="1200"/>
               </a:spcBef>
@@ -10265,9 +10415,6 @@
               </a:spcAft>
               <a:buNone/>
             </a:pPr>
-            <a:r>
-              <a:t/>
-            </a:r>
             <a:endParaRPr/>
           </a:p>
         </p:txBody>
@@ -10281,11 +10428,11 @@
 </file>
 
 <file path=ppt/slides/slide7.xml><?xml version="1.0" encoding="utf-8"?>
-<p:sld xmlns:a="http://schemas.openxmlformats.org/drawingml/2006/main" xmlns:r="http://schemas.openxmlformats.org/officeDocument/2006/relationships" xmlns:mc="http://schemas.openxmlformats.org/markup-compatibility/2006" xmlns:mv="urn:schemas-microsoft-com:mac:vml" xmlns:p="http://schemas.openxmlformats.org/presentationml/2006/main" xmlns:c="http://schemas.openxmlformats.org/drawingml/2006/chart" xmlns:dgm="http://schemas.openxmlformats.org/drawingml/2006/diagram" xmlns:o="urn:schemas-microsoft-com:office:office" xmlns:v="urn:schemas-microsoft-com:vml" xmlns:pvml="urn:schemas-microsoft-com:office:powerpoint" xmlns:com="http://schemas.openxmlformats.org/drawingml/2006/compatibility" xmlns:p14="http://schemas.microsoft.com/office/powerpoint/2010/main" xmlns:p15="http://schemas.microsoft.com/office/powerpoint/2012/main" xmlns:ahyp="http://schemas.microsoft.com/office/drawing/2018/hyperlinkcolor">
+<p:sld xmlns:a="http://schemas.openxmlformats.org/drawingml/2006/main" xmlns:r="http://schemas.openxmlformats.org/officeDocument/2006/relationships" xmlns:p="http://schemas.openxmlformats.org/presentationml/2006/main">
   <p:cSld>
     <p:spTree>
       <p:nvGrpSpPr>
-        <p:cNvPr id="89" name="Shape 89"/>
+        <p:cNvPr id="1" name="Shape 89"/>
         <p:cNvGrpSpPr/>
         <p:nvPr/>
       </p:nvGrpSpPr>
@@ -10300,7 +10447,9 @@
       <p:sp>
         <p:nvSpPr>
           <p:cNvPr id="90" name="Google Shape;90;p19"/>
-          <p:cNvSpPr txBox="1"/>
+          <p:cNvSpPr txBox="1">
+            <a:spLocks noGrp="1"/>
+          </p:cNvSpPr>
           <p:nvPr>
             <p:ph type="title"/>
           </p:nvPr>
@@ -10315,12 +10464,12 @@
           </a:prstGeom>
         </p:spPr>
         <p:txBody>
-          <a:bodyPr anchorCtr="0" anchor="ctr" bIns="91425" lIns="91425" spcFirstLastPara="1" rIns="91425" wrap="square" tIns="91425">
+          <a:bodyPr spcFirstLastPara="1" wrap="square" lIns="91425" tIns="91425" rIns="91425" bIns="91425" anchor="ctr" anchorCtr="0">
             <a:normAutofit/>
           </a:bodyPr>
           <a:lstStyle/>
           <a:p>
-            <a:pPr indent="0" lvl="0" marL="0" rtl="0" algn="ctr">
+            <a:pPr marL="0" lvl="0" indent="0" algn="ctr" rtl="0">
               <a:spcBef>
                 <a:spcPts val="0"/>
               </a:spcBef>
@@ -10346,11 +10495,11 @@
 </file>
 
 <file path=ppt/slides/slide8.xml><?xml version="1.0" encoding="utf-8"?>
-<p:sld xmlns:a="http://schemas.openxmlformats.org/drawingml/2006/main" xmlns:r="http://schemas.openxmlformats.org/officeDocument/2006/relationships" xmlns:mc="http://schemas.openxmlformats.org/markup-compatibility/2006" xmlns:mv="urn:schemas-microsoft-com:mac:vml" xmlns:p="http://schemas.openxmlformats.org/presentationml/2006/main" xmlns:c="http://schemas.openxmlformats.org/drawingml/2006/chart" xmlns:dgm="http://schemas.openxmlformats.org/drawingml/2006/diagram" xmlns:o="urn:schemas-microsoft-com:office:office" xmlns:v="urn:schemas-microsoft-com:vml" xmlns:pvml="urn:schemas-microsoft-com:office:powerpoint" xmlns:com="http://schemas.openxmlformats.org/drawingml/2006/compatibility" xmlns:p14="http://schemas.microsoft.com/office/powerpoint/2010/main" xmlns:p15="http://schemas.microsoft.com/office/powerpoint/2012/main" xmlns:ahyp="http://schemas.microsoft.com/office/drawing/2018/hyperlinkcolor">
+<p:sld xmlns:a="http://schemas.openxmlformats.org/drawingml/2006/main" xmlns:r="http://schemas.openxmlformats.org/officeDocument/2006/relationships" xmlns:p="http://schemas.openxmlformats.org/presentationml/2006/main">
   <p:cSld>
     <p:spTree>
       <p:nvGrpSpPr>
-        <p:cNvPr id="94" name="Shape 94"/>
+        <p:cNvPr id="1" name="Shape 94"/>
         <p:cNvGrpSpPr/>
         <p:nvPr/>
       </p:nvGrpSpPr>
@@ -10365,7 +10514,9 @@
       <p:sp>
         <p:nvSpPr>
           <p:cNvPr id="95" name="Google Shape;95;p20"/>
-          <p:cNvSpPr txBox="1"/>
+          <p:cNvSpPr txBox="1">
+            <a:spLocks noGrp="1"/>
+          </p:cNvSpPr>
           <p:nvPr>
             <p:ph type="title"/>
           </p:nvPr>
@@ -10380,23 +10531,20 @@
           </a:prstGeom>
         </p:spPr>
         <p:txBody>
-          <a:bodyPr anchorCtr="0" anchor="ctr" bIns="91425" lIns="91425" spcFirstLastPara="1" rIns="91425" wrap="square" tIns="91425">
+          <a:bodyPr spcFirstLastPara="1" wrap="square" lIns="91425" tIns="91425" rIns="91425" bIns="91425" anchor="ctr" anchorCtr="0">
             <a:normAutofit/>
           </a:bodyPr>
           <a:lstStyle/>
           <a:p>
-            <a:pPr indent="0" lvl="0" marL="0" rtl="0" algn="l">
-              <a:spcBef>
-                <a:spcPts val="0"/>
-              </a:spcBef>
-              <a:spcAft>
-                <a:spcPts val="0"/>
-              </a:spcAft>
-              <a:buNone/>
-            </a:pPr>
-            <a:r>
-              <a:t/>
-            </a:r>
+            <a:pPr marL="0" lvl="0" indent="0" algn="l" rtl="0">
+              <a:spcBef>
+                <a:spcPts val="0"/>
+              </a:spcBef>
+              <a:spcAft>
+                <a:spcPts val="0"/>
+              </a:spcAft>
+              <a:buNone/>
+            </a:pPr>
             <a:endParaRPr/>
           </a:p>
         </p:txBody>
@@ -10410,11 +10558,11 @@
 </file>
 
 <file path=ppt/slides/slide9.xml><?xml version="1.0" encoding="utf-8"?>
-<p:sld xmlns:a="http://schemas.openxmlformats.org/drawingml/2006/main" xmlns:r="http://schemas.openxmlformats.org/officeDocument/2006/relationships" xmlns:mc="http://schemas.openxmlformats.org/markup-compatibility/2006" xmlns:mv="urn:schemas-microsoft-com:mac:vml" xmlns:p="http://schemas.openxmlformats.org/presentationml/2006/main" xmlns:c="http://schemas.openxmlformats.org/drawingml/2006/chart" xmlns:dgm="http://schemas.openxmlformats.org/drawingml/2006/diagram" xmlns:o="urn:schemas-microsoft-com:office:office" xmlns:v="urn:schemas-microsoft-com:vml" xmlns:pvml="urn:schemas-microsoft-com:office:powerpoint" xmlns:com="http://schemas.openxmlformats.org/drawingml/2006/compatibility" xmlns:p14="http://schemas.microsoft.com/office/powerpoint/2010/main" xmlns:p15="http://schemas.microsoft.com/office/powerpoint/2012/main" xmlns:ahyp="http://schemas.microsoft.com/office/drawing/2018/hyperlinkcolor">
+<p:sld xmlns:a="http://schemas.openxmlformats.org/drawingml/2006/main" xmlns:r="http://schemas.openxmlformats.org/officeDocument/2006/relationships" xmlns:p="http://schemas.openxmlformats.org/presentationml/2006/main">
   <p:cSld>
     <p:spTree>
       <p:nvGrpSpPr>
-        <p:cNvPr id="99" name="Shape 99"/>
+        <p:cNvPr id="1" name="Shape 99"/>
         <p:cNvGrpSpPr/>
         <p:nvPr/>
       </p:nvGrpSpPr>
@@ -10429,7 +10577,9 @@
       <p:sp>
         <p:nvSpPr>
           <p:cNvPr id="100" name="Google Shape;100;p21"/>
-          <p:cNvSpPr txBox="1"/>
+          <p:cNvSpPr txBox="1">
+            <a:spLocks noGrp="1"/>
+          </p:cNvSpPr>
           <p:nvPr>
             <p:ph type="title"/>
           </p:nvPr>
@@ -10444,12 +10594,12 @@
           </a:prstGeom>
         </p:spPr>
         <p:txBody>
-          <a:bodyPr anchorCtr="0" anchor="ctr" bIns="91425" lIns="91425" spcFirstLastPara="1" rIns="91425" wrap="square" tIns="91425">
+          <a:bodyPr spcFirstLastPara="1" wrap="square" lIns="91425" tIns="91425" rIns="91425" bIns="91425" anchor="ctr" anchorCtr="0">
             <a:normAutofit/>
           </a:bodyPr>
           <a:lstStyle/>
           <a:p>
-            <a:pPr indent="0" lvl="0" marL="0" rtl="0" algn="ctr">
+            <a:pPr marL="0" lvl="0" indent="0" algn="ctr" rtl="0">
               <a:spcBef>
                 <a:spcPts val="0"/>
               </a:spcBef>
@@ -10475,7 +10625,288 @@
 </file>
 
 <file path=ppt/theme/theme1.xml><?xml version="1.0" encoding="utf-8"?>
-<a:theme xmlns:a="http://schemas.openxmlformats.org/drawingml/2006/main" xmlns:r="http://schemas.openxmlformats.org/officeDocument/2006/relationships">
+<a:theme xmlns:a="http://schemas.openxmlformats.org/drawingml/2006/main" name="Simple Light">
+  <a:themeElements>
+    <a:clrScheme name="Simple Light">
+      <a:dk1>
+        <a:srgbClr val="000000"/>
+      </a:dk1>
+      <a:lt1>
+        <a:srgbClr val="FFFFFF"/>
+      </a:lt1>
+      <a:dk2>
+        <a:srgbClr val="595959"/>
+      </a:dk2>
+      <a:lt2>
+        <a:srgbClr val="EEEEEE"/>
+      </a:lt2>
+      <a:accent1>
+        <a:srgbClr val="4285F4"/>
+      </a:accent1>
+      <a:accent2>
+        <a:srgbClr val="212121"/>
+      </a:accent2>
+      <a:accent3>
+        <a:srgbClr val="78909C"/>
+      </a:accent3>
+      <a:accent4>
+        <a:srgbClr val="FFAB40"/>
+      </a:accent4>
+      <a:accent5>
+        <a:srgbClr val="0097A7"/>
+      </a:accent5>
+      <a:accent6>
+        <a:srgbClr val="EEFF41"/>
+      </a:accent6>
+      <a:hlink>
+        <a:srgbClr val="0097A7"/>
+      </a:hlink>
+      <a:folHlink>
+        <a:srgbClr val="0097A7"/>
+      </a:folHlink>
+    </a:clrScheme>
+    <a:fontScheme name="Office">
+      <a:majorFont>
+        <a:latin typeface="Arial"/>
+        <a:ea typeface=""/>
+        <a:cs typeface=""/>
+        <a:font script="Jpan" typeface="ＭＳ Ｐゴシック"/>
+        <a:font script="Hang" typeface="맑은 고딕"/>
+        <a:font script="Hans" typeface="宋体"/>
+        <a:font script="Hant" typeface="新細明體"/>
+        <a:font script="Arab" typeface="Times New Roman"/>
+        <a:font script="Hebr" typeface="Times New Roman"/>
+        <a:font script="Thai" typeface="Angsana New"/>
+        <a:font script="Ethi" typeface="Nyala"/>
+        <a:font script="Beng" typeface="Vrinda"/>
+        <a:font script="Gujr" typeface="Shruti"/>
+        <a:font script="Khmr" typeface="MoolBoran"/>
+        <a:font script="Knda" typeface="Tunga"/>
+        <a:font script="Guru" typeface="Raavi"/>
+        <a:font script="Cans" typeface="Euphemia"/>
+        <a:font script="Cher" typeface="Plantagenet Cherokee"/>
+        <a:font script="Yiii" typeface="Microsoft Yi Baiti"/>
+        <a:font script="Tibt" typeface="Microsoft Himalaya"/>
+        <a:font script="Thaa" typeface="MV Boli"/>
+        <a:font script="Deva" typeface="Mangal"/>
+        <a:font script="Telu" typeface="Gautami"/>
+        <a:font script="Taml" typeface="Latha"/>
+        <a:font script="Syrc" typeface="Estrangelo Edessa"/>
+        <a:font script="Orya" typeface="Kalinga"/>
+        <a:font script="Mlym" typeface="Kartika"/>
+        <a:font script="Laoo" typeface="DokChampa"/>
+        <a:font script="Sinh" typeface="Iskoola Pota"/>
+        <a:font script="Mong" typeface="Mongolian Baiti"/>
+        <a:font script="Viet" typeface="Times New Roman"/>
+        <a:font script="Uigh" typeface="Microsoft Uighur"/>
+        <a:font script="Geor" typeface="Sylfaen"/>
+      </a:majorFont>
+      <a:minorFont>
+        <a:latin typeface="Arial"/>
+        <a:ea typeface=""/>
+        <a:cs typeface=""/>
+        <a:font script="Jpan" typeface="ＭＳ Ｐゴシック"/>
+        <a:font script="Hang" typeface="맑은 고딕"/>
+        <a:font script="Hans" typeface="宋体"/>
+        <a:font script="Hant" typeface="新細明體"/>
+        <a:font script="Arab" typeface="Arial"/>
+        <a:font script="Hebr" typeface="Arial"/>
+        <a:font script="Thai" typeface="Cordia New"/>
+        <a:font script="Ethi" typeface="Nyala"/>
+        <a:font script="Beng" typeface="Vrinda"/>
+        <a:font script="Gujr" typeface="Shruti"/>
+        <a:font script="Khmr" typeface="DaunPenh"/>
+        <a:font script="Knda" typeface="Tunga"/>
+        <a:font script="Guru" typeface="Raavi"/>
+        <a:font script="Cans" typeface="Euphemia"/>
+        <a:font script="Cher" typeface="Plantagenet Cherokee"/>
+        <a:font script="Yiii" typeface="Microsoft Yi Baiti"/>
+        <a:font script="Tibt" typeface="Microsoft Himalaya"/>
+        <a:font script="Thaa" typeface="MV Boli"/>
+        <a:font script="Deva" typeface="Mangal"/>
+        <a:font script="Telu" typeface="Gautami"/>
+        <a:font script="Taml" typeface="Latha"/>
+        <a:font script="Syrc" typeface="Estrangelo Edessa"/>
+        <a:font script="Orya" typeface="Kalinga"/>
+        <a:font script="Mlym" typeface="Kartika"/>
+        <a:font script="Laoo" typeface="DokChampa"/>
+        <a:font script="Sinh" typeface="Iskoola Pota"/>
+        <a:font script="Mong" typeface="Mongolian Baiti"/>
+        <a:font script="Viet" typeface="Arial"/>
+        <a:font script="Uigh" typeface="Microsoft Uighur"/>
+        <a:font script="Geor" typeface="Sylfaen"/>
+      </a:minorFont>
+    </a:fontScheme>
+    <a:fmtScheme name="Office">
+      <a:fillStyleLst>
+        <a:solidFill>
+          <a:schemeClr val="phClr"/>
+        </a:solidFill>
+        <a:gradFill rotWithShape="1">
+          <a:gsLst>
+            <a:gs pos="0">
+              <a:schemeClr val="phClr">
+                <a:tint val="50000"/>
+                <a:satMod val="300000"/>
+              </a:schemeClr>
+            </a:gs>
+            <a:gs pos="35000">
+              <a:schemeClr val="phClr">
+                <a:tint val="37000"/>
+                <a:satMod val="300000"/>
+              </a:schemeClr>
+            </a:gs>
+            <a:gs pos="100000">
+              <a:schemeClr val="phClr">
+                <a:tint val="15000"/>
+                <a:satMod val="350000"/>
+              </a:schemeClr>
+            </a:gs>
+          </a:gsLst>
+          <a:lin ang="16200000" scaled="1"/>
+        </a:gradFill>
+        <a:gradFill rotWithShape="1">
+          <a:gsLst>
+            <a:gs pos="0">
+              <a:schemeClr val="phClr">
+                <a:tint val="100000"/>
+                <a:shade val="100000"/>
+                <a:satMod val="130000"/>
+              </a:schemeClr>
+            </a:gs>
+            <a:gs pos="100000">
+              <a:schemeClr val="phClr">
+                <a:tint val="50000"/>
+                <a:shade val="100000"/>
+                <a:satMod val="350000"/>
+              </a:schemeClr>
+            </a:gs>
+          </a:gsLst>
+          <a:lin ang="16200000" scaled="0"/>
+        </a:gradFill>
+      </a:fillStyleLst>
+      <a:lnStyleLst>
+        <a:ln w="9525" cap="flat" cmpd="sng" algn="ctr">
+          <a:solidFill>
+            <a:schemeClr val="phClr">
+              <a:shade val="95000"/>
+              <a:satMod val="105000"/>
+            </a:schemeClr>
+          </a:solidFill>
+          <a:prstDash val="solid"/>
+        </a:ln>
+        <a:ln w="25400" cap="flat" cmpd="sng" algn="ctr">
+          <a:solidFill>
+            <a:schemeClr val="phClr"/>
+          </a:solidFill>
+          <a:prstDash val="solid"/>
+        </a:ln>
+        <a:ln w="38100" cap="flat" cmpd="sng" algn="ctr">
+          <a:solidFill>
+            <a:schemeClr val="phClr"/>
+          </a:solidFill>
+          <a:prstDash val="solid"/>
+        </a:ln>
+      </a:lnStyleLst>
+      <a:effectStyleLst>
+        <a:effectStyle>
+          <a:effectLst>
+            <a:outerShdw blurRad="40000" dist="20000" dir="5400000" rotWithShape="0">
+              <a:srgbClr val="000000">
+                <a:alpha val="38000"/>
+              </a:srgbClr>
+            </a:outerShdw>
+          </a:effectLst>
+        </a:effectStyle>
+        <a:effectStyle>
+          <a:effectLst>
+            <a:outerShdw blurRad="40000" dist="23000" dir="5400000" rotWithShape="0">
+              <a:srgbClr val="000000">
+                <a:alpha val="35000"/>
+              </a:srgbClr>
+            </a:outerShdw>
+          </a:effectLst>
+        </a:effectStyle>
+        <a:effectStyle>
+          <a:effectLst>
+            <a:outerShdw blurRad="40000" dist="23000" dir="5400000" rotWithShape="0">
+              <a:srgbClr val="000000">
+                <a:alpha val="35000"/>
+              </a:srgbClr>
+            </a:outerShdw>
+          </a:effectLst>
+          <a:scene3d>
+            <a:camera prst="orthographicFront">
+              <a:rot lat="0" lon="0" rev="0"/>
+            </a:camera>
+            <a:lightRig rig="threePt" dir="t">
+              <a:rot lat="0" lon="0" rev="1200000"/>
+            </a:lightRig>
+          </a:scene3d>
+          <a:sp3d>
+            <a:bevelT w="63500" h="25400"/>
+          </a:sp3d>
+        </a:effectStyle>
+      </a:effectStyleLst>
+      <a:bgFillStyleLst>
+        <a:solidFill>
+          <a:schemeClr val="phClr"/>
+        </a:solidFill>
+        <a:gradFill rotWithShape="1">
+          <a:gsLst>
+            <a:gs pos="0">
+              <a:schemeClr val="phClr">
+                <a:tint val="40000"/>
+                <a:satMod val="350000"/>
+              </a:schemeClr>
+            </a:gs>
+            <a:gs pos="40000">
+              <a:schemeClr val="phClr">
+                <a:tint val="45000"/>
+                <a:shade val="99000"/>
+                <a:satMod val="350000"/>
+              </a:schemeClr>
+            </a:gs>
+            <a:gs pos="100000">
+              <a:schemeClr val="phClr">
+                <a:shade val="20000"/>
+                <a:satMod val="255000"/>
+              </a:schemeClr>
+            </a:gs>
+          </a:gsLst>
+          <a:path path="circle">
+            <a:fillToRect l="50000" t="-80000" r="50000" b="180000"/>
+          </a:path>
+        </a:gradFill>
+        <a:gradFill rotWithShape="1">
+          <a:gsLst>
+            <a:gs pos="0">
+              <a:schemeClr val="phClr">
+                <a:tint val="80000"/>
+                <a:satMod val="300000"/>
+              </a:schemeClr>
+            </a:gs>
+            <a:gs pos="100000">
+              <a:schemeClr val="phClr">
+                <a:shade val="30000"/>
+                <a:satMod val="200000"/>
+              </a:schemeClr>
+            </a:gs>
+          </a:gsLst>
+          <a:path path="circle">
+            <a:fillToRect l="50000" t="50000" r="50000" b="50000"/>
+          </a:path>
+        </a:gradFill>
+      </a:bgFillStyleLst>
+    </a:fmtScheme>
+  </a:themeElements>
+  <a:objectDefaults/>
+  <a:extraClrSchemeLst/>
+</a:theme>
+</file>
+
+<file path=ppt/theme/theme2.xml><?xml version="1.0" encoding="utf-8"?>
+<a:theme xmlns:a="http://schemas.openxmlformats.org/drawingml/2006/main">
   <a:themeElements>
     <a:clrScheme name="Default">
       <a:dk1>
@@ -10750,284 +11181,7 @@
       </a:bgFillStyleLst>
     </a:fmtScheme>
   </a:themeElements>
-</a:theme>
-</file>
-
-<file path=ppt/theme/theme2.xml><?xml version="1.0" encoding="utf-8"?>
-<a:theme xmlns:a="http://schemas.openxmlformats.org/drawingml/2006/main" xmlns:r="http://schemas.openxmlformats.org/officeDocument/2006/relationships" name="Simple Light">
-  <a:themeElements>
-    <a:clrScheme name="Simple Light">
-      <a:dk1>
-        <a:srgbClr val="000000"/>
-      </a:dk1>
-      <a:lt1>
-        <a:srgbClr val="FFFFFF"/>
-      </a:lt1>
-      <a:dk2>
-        <a:srgbClr val="595959"/>
-      </a:dk2>
-      <a:lt2>
-        <a:srgbClr val="EEEEEE"/>
-      </a:lt2>
-      <a:accent1>
-        <a:srgbClr val="4285F4"/>
-      </a:accent1>
-      <a:accent2>
-        <a:srgbClr val="212121"/>
-      </a:accent2>
-      <a:accent3>
-        <a:srgbClr val="78909C"/>
-      </a:accent3>
-      <a:accent4>
-        <a:srgbClr val="FFAB40"/>
-      </a:accent4>
-      <a:accent5>
-        <a:srgbClr val="0097A7"/>
-      </a:accent5>
-      <a:accent6>
-        <a:srgbClr val="EEFF41"/>
-      </a:accent6>
-      <a:hlink>
-        <a:srgbClr val="0097A7"/>
-      </a:hlink>
-      <a:folHlink>
-        <a:srgbClr val="0097A7"/>
-      </a:folHlink>
-    </a:clrScheme>
-    <a:fontScheme name="Office">
-      <a:majorFont>
-        <a:latin typeface="Arial"/>
-        <a:ea typeface=""/>
-        <a:cs typeface=""/>
-        <a:font script="Jpan" typeface="ＭＳ Ｐゴシック"/>
-        <a:font script="Hang" typeface="맑은 고딕"/>
-        <a:font script="Hans" typeface="宋体"/>
-        <a:font script="Hant" typeface="新細明體"/>
-        <a:font script="Arab" typeface="Times New Roman"/>
-        <a:font script="Hebr" typeface="Times New Roman"/>
-        <a:font script="Thai" typeface="Angsana New"/>
-        <a:font script="Ethi" typeface="Nyala"/>
-        <a:font script="Beng" typeface="Vrinda"/>
-        <a:font script="Gujr" typeface="Shruti"/>
-        <a:font script="Khmr" typeface="MoolBoran"/>
-        <a:font script="Knda" typeface="Tunga"/>
-        <a:font script="Guru" typeface="Raavi"/>
-        <a:font script="Cans" typeface="Euphemia"/>
-        <a:font script="Cher" typeface="Plantagenet Cherokee"/>
-        <a:font script="Yiii" typeface="Microsoft Yi Baiti"/>
-        <a:font script="Tibt" typeface="Microsoft Himalaya"/>
-        <a:font script="Thaa" typeface="MV Boli"/>
-        <a:font script="Deva" typeface="Mangal"/>
-        <a:font script="Telu" typeface="Gautami"/>
-        <a:font script="Taml" typeface="Latha"/>
-        <a:font script="Syrc" typeface="Estrangelo Edessa"/>
-        <a:font script="Orya" typeface="Kalinga"/>
-        <a:font script="Mlym" typeface="Kartika"/>
-        <a:font script="Laoo" typeface="DokChampa"/>
-        <a:font script="Sinh" typeface="Iskoola Pota"/>
-        <a:font script="Mong" typeface="Mongolian Baiti"/>
-        <a:font script="Viet" typeface="Times New Roman"/>
-        <a:font script="Uigh" typeface="Microsoft Uighur"/>
-        <a:font script="Geor" typeface="Sylfaen"/>
-      </a:majorFont>
-      <a:minorFont>
-        <a:latin typeface="Arial"/>
-        <a:ea typeface=""/>
-        <a:cs typeface=""/>
-        <a:font script="Jpan" typeface="ＭＳ Ｐゴシック"/>
-        <a:font script="Hang" typeface="맑은 고딕"/>
-        <a:font script="Hans" typeface="宋体"/>
-        <a:font script="Hant" typeface="新細明體"/>
-        <a:font script="Arab" typeface="Arial"/>
-        <a:font script="Hebr" typeface="Arial"/>
-        <a:font script="Thai" typeface="Cordia New"/>
-        <a:font script="Ethi" typeface="Nyala"/>
-        <a:font script="Beng" typeface="Vrinda"/>
-        <a:font script="Gujr" typeface="Shruti"/>
-        <a:font script="Khmr" typeface="DaunPenh"/>
-        <a:font script="Knda" typeface="Tunga"/>
-        <a:font script="Guru" typeface="Raavi"/>
-        <a:font script="Cans" typeface="Euphemia"/>
-        <a:font script="Cher" typeface="Plantagenet Cherokee"/>
-        <a:font script="Yiii" typeface="Microsoft Yi Baiti"/>
-        <a:font script="Tibt" typeface="Microsoft Himalaya"/>
-        <a:font script="Thaa" typeface="MV Boli"/>
-        <a:font script="Deva" typeface="Mangal"/>
-        <a:font script="Telu" typeface="Gautami"/>
-        <a:font script="Taml" typeface="Latha"/>
-        <a:font script="Syrc" typeface="Estrangelo Edessa"/>
-        <a:font script="Orya" typeface="Kalinga"/>
-        <a:font script="Mlym" typeface="Kartika"/>
-        <a:font script="Laoo" typeface="DokChampa"/>
-        <a:font script="Sinh" typeface="Iskoola Pota"/>
-        <a:font script="Mong" typeface="Mongolian Baiti"/>
-        <a:font script="Viet" typeface="Arial"/>
-        <a:font script="Uigh" typeface="Microsoft Uighur"/>
-        <a:font script="Geor" typeface="Sylfaen"/>
-      </a:minorFont>
-    </a:fontScheme>
-    <a:fmtScheme name="Office">
-      <a:fillStyleLst>
-        <a:solidFill>
-          <a:schemeClr val="phClr"/>
-        </a:solidFill>
-        <a:gradFill rotWithShape="1">
-          <a:gsLst>
-            <a:gs pos="0">
-              <a:schemeClr val="phClr">
-                <a:tint val="50000"/>
-                <a:satMod val="300000"/>
-              </a:schemeClr>
-            </a:gs>
-            <a:gs pos="35000">
-              <a:schemeClr val="phClr">
-                <a:tint val="37000"/>
-                <a:satMod val="300000"/>
-              </a:schemeClr>
-            </a:gs>
-            <a:gs pos="100000">
-              <a:schemeClr val="phClr">
-                <a:tint val="15000"/>
-                <a:satMod val="350000"/>
-              </a:schemeClr>
-            </a:gs>
-          </a:gsLst>
-          <a:lin ang="16200000" scaled="1"/>
-        </a:gradFill>
-        <a:gradFill rotWithShape="1">
-          <a:gsLst>
-            <a:gs pos="0">
-              <a:schemeClr val="phClr">
-                <a:tint val="100000"/>
-                <a:shade val="100000"/>
-                <a:satMod val="130000"/>
-              </a:schemeClr>
-            </a:gs>
-            <a:gs pos="100000">
-              <a:schemeClr val="phClr">
-                <a:tint val="50000"/>
-                <a:shade val="100000"/>
-                <a:satMod val="350000"/>
-              </a:schemeClr>
-            </a:gs>
-          </a:gsLst>
-          <a:lin ang="16200000" scaled="0"/>
-        </a:gradFill>
-      </a:fillStyleLst>
-      <a:lnStyleLst>
-        <a:ln w="9525" cap="flat" cmpd="sng" algn="ctr">
-          <a:solidFill>
-            <a:schemeClr val="phClr">
-              <a:shade val="95000"/>
-              <a:satMod val="105000"/>
-            </a:schemeClr>
-          </a:solidFill>
-          <a:prstDash val="solid"/>
-        </a:ln>
-        <a:ln w="25400" cap="flat" cmpd="sng" algn="ctr">
-          <a:solidFill>
-            <a:schemeClr val="phClr"/>
-          </a:solidFill>
-          <a:prstDash val="solid"/>
-        </a:ln>
-        <a:ln w="38100" cap="flat" cmpd="sng" algn="ctr">
-          <a:solidFill>
-            <a:schemeClr val="phClr"/>
-          </a:solidFill>
-          <a:prstDash val="solid"/>
-        </a:ln>
-      </a:lnStyleLst>
-      <a:effectStyleLst>
-        <a:effectStyle>
-          <a:effectLst>
-            <a:outerShdw blurRad="40000" dist="20000" dir="5400000" rotWithShape="0">
-              <a:srgbClr val="000000">
-                <a:alpha val="38000"/>
-              </a:srgbClr>
-            </a:outerShdw>
-          </a:effectLst>
-        </a:effectStyle>
-        <a:effectStyle>
-          <a:effectLst>
-            <a:outerShdw blurRad="40000" dist="23000" dir="5400000" rotWithShape="0">
-              <a:srgbClr val="000000">
-                <a:alpha val="35000"/>
-              </a:srgbClr>
-            </a:outerShdw>
-          </a:effectLst>
-        </a:effectStyle>
-        <a:effectStyle>
-          <a:effectLst>
-            <a:outerShdw blurRad="40000" dist="23000" dir="5400000" rotWithShape="0">
-              <a:srgbClr val="000000">
-                <a:alpha val="35000"/>
-              </a:srgbClr>
-            </a:outerShdw>
-          </a:effectLst>
-          <a:scene3d>
-            <a:camera prst="orthographicFront">
-              <a:rot lat="0" lon="0" rev="0"/>
-            </a:camera>
-            <a:lightRig rig="threePt" dir="t">
-              <a:rot lat="0" lon="0" rev="1200000"/>
-            </a:lightRig>
-          </a:scene3d>
-          <a:sp3d>
-            <a:bevelT w="63500" h="25400"/>
-          </a:sp3d>
-        </a:effectStyle>
-      </a:effectStyleLst>
-      <a:bgFillStyleLst>
-        <a:solidFill>
-          <a:schemeClr val="phClr"/>
-        </a:solidFill>
-        <a:gradFill rotWithShape="1">
-          <a:gsLst>
-            <a:gs pos="0">
-              <a:schemeClr val="phClr">
-                <a:tint val="40000"/>
-                <a:satMod val="350000"/>
-              </a:schemeClr>
-            </a:gs>
-            <a:gs pos="40000">
-              <a:schemeClr val="phClr">
-                <a:tint val="45000"/>
-                <a:shade val="99000"/>
-                <a:satMod val="350000"/>
-              </a:schemeClr>
-            </a:gs>
-            <a:gs pos="100000">
-              <a:schemeClr val="phClr">
-                <a:shade val="20000"/>
-                <a:satMod val="255000"/>
-              </a:schemeClr>
-            </a:gs>
-          </a:gsLst>
-          <a:path path="circle">
-            <a:fillToRect l="50000" t="-80000" r="50000" b="180000"/>
-          </a:path>
-        </a:gradFill>
-        <a:gradFill rotWithShape="1">
-          <a:gsLst>
-            <a:gs pos="0">
-              <a:schemeClr val="phClr">
-                <a:tint val="80000"/>
-                <a:satMod val="300000"/>
-              </a:schemeClr>
-            </a:gs>
-            <a:gs pos="100000">
-              <a:schemeClr val="phClr">
-                <a:shade val="30000"/>
-                <a:satMod val="200000"/>
-              </a:schemeClr>
-            </a:gs>
-          </a:gsLst>
-          <a:path path="circle">
-            <a:fillToRect l="50000" t="50000" r="50000" b="50000"/>
-          </a:path>
-        </a:gradFill>
-      </a:bgFillStyleLst>
-    </a:fmtScheme>
-  </a:themeElements>
+  <a:objectDefaults/>
+  <a:extraClrSchemeLst/>
 </a:theme>
 </file>